--- a/1st delivery/C-IDM.pptx
+++ b/1st delivery/C-IDM.pptx
@@ -104,6 +104,22 @@
       </a:defRPr>
     </a:lvl9pPr>
   </p:defaultTextStyle>
+  <p:extLst>
+    <p:ext uri="{EFAFB233-063F-42B5-8137-9DF3F51BA10A}">
+      <p15:sldGuideLst xmlns:p15="http://schemas.microsoft.com/office/powerpoint/2012/main">
+        <p15:guide id="1" orient="horz" pos="2160">
+          <p15:clr>
+            <a:srgbClr val="A4A3A4"/>
+          </p15:clr>
+        </p15:guide>
+        <p15:guide id="2" pos="2880">
+          <p15:clr>
+            <a:srgbClr val="A4A3A4"/>
+          </p15:clr>
+        </p15:guide>
+      </p15:sldGuideLst>
+    </p:ext>
+  </p:extLst>
 </p:presentation>
 </file>
 
@@ -289,7 +305,7 @@
             <a:fld id="{DA9D7BA9-B648-4591-B0AE-4433C67759B9}" type="datetimeFigureOut">
               <a:rPr lang="it-IT" smtClean="0"/>
               <a:pPr/>
-              <a:t>23/03/2016</a:t>
+              <a:t>05/04/2016</a:t>
             </a:fld>
             <a:endParaRPr lang="it-IT"/>
           </a:p>
@@ -456,7 +472,7 @@
             <a:fld id="{DA9D7BA9-B648-4591-B0AE-4433C67759B9}" type="datetimeFigureOut">
               <a:rPr lang="it-IT" smtClean="0"/>
               <a:pPr/>
-              <a:t>23/03/2016</a:t>
+              <a:t>05/04/2016</a:t>
             </a:fld>
             <a:endParaRPr lang="it-IT"/>
           </a:p>
@@ -633,7 +649,7 @@
             <a:fld id="{DA9D7BA9-B648-4591-B0AE-4433C67759B9}" type="datetimeFigureOut">
               <a:rPr lang="it-IT" smtClean="0"/>
               <a:pPr/>
-              <a:t>23/03/2016</a:t>
+              <a:t>05/04/2016</a:t>
             </a:fld>
             <a:endParaRPr lang="it-IT"/>
           </a:p>
@@ -800,7 +816,7 @@
             <a:fld id="{DA9D7BA9-B648-4591-B0AE-4433C67759B9}" type="datetimeFigureOut">
               <a:rPr lang="it-IT" smtClean="0"/>
               <a:pPr/>
-              <a:t>23/03/2016</a:t>
+              <a:t>05/04/2016</a:t>
             </a:fld>
             <a:endParaRPr lang="it-IT"/>
           </a:p>
@@ -1043,7 +1059,7 @@
             <a:fld id="{DA9D7BA9-B648-4591-B0AE-4433C67759B9}" type="datetimeFigureOut">
               <a:rPr lang="it-IT" smtClean="0"/>
               <a:pPr/>
-              <a:t>23/03/2016</a:t>
+              <a:t>05/04/2016</a:t>
             </a:fld>
             <a:endParaRPr lang="it-IT"/>
           </a:p>
@@ -1328,7 +1344,7 @@
             <a:fld id="{DA9D7BA9-B648-4591-B0AE-4433C67759B9}" type="datetimeFigureOut">
               <a:rPr lang="it-IT" smtClean="0"/>
               <a:pPr/>
-              <a:t>23/03/2016</a:t>
+              <a:t>05/04/2016</a:t>
             </a:fld>
             <a:endParaRPr lang="it-IT"/>
           </a:p>
@@ -1747,7 +1763,7 @@
             <a:fld id="{DA9D7BA9-B648-4591-B0AE-4433C67759B9}" type="datetimeFigureOut">
               <a:rPr lang="it-IT" smtClean="0"/>
               <a:pPr/>
-              <a:t>23/03/2016</a:t>
+              <a:t>05/04/2016</a:t>
             </a:fld>
             <a:endParaRPr lang="it-IT"/>
           </a:p>
@@ -1862,7 +1878,7 @@
             <a:fld id="{DA9D7BA9-B648-4591-B0AE-4433C67759B9}" type="datetimeFigureOut">
               <a:rPr lang="it-IT" smtClean="0"/>
               <a:pPr/>
-              <a:t>23/03/2016</a:t>
+              <a:t>05/04/2016</a:t>
             </a:fld>
             <a:endParaRPr lang="it-IT"/>
           </a:p>
@@ -1954,7 +1970,7 @@
             <a:fld id="{DA9D7BA9-B648-4591-B0AE-4433C67759B9}" type="datetimeFigureOut">
               <a:rPr lang="it-IT" smtClean="0"/>
               <a:pPr/>
-              <a:t>23/03/2016</a:t>
+              <a:t>05/04/2016</a:t>
             </a:fld>
             <a:endParaRPr lang="it-IT"/>
           </a:p>
@@ -2228,7 +2244,7 @@
             <a:fld id="{DA9D7BA9-B648-4591-B0AE-4433C67759B9}" type="datetimeFigureOut">
               <a:rPr lang="it-IT" smtClean="0"/>
               <a:pPr/>
-              <a:t>23/03/2016</a:t>
+              <a:t>05/04/2016</a:t>
             </a:fld>
             <a:endParaRPr lang="it-IT"/>
           </a:p>
@@ -2478,7 +2494,7 @@
             <a:fld id="{DA9D7BA9-B648-4591-B0AE-4433C67759B9}" type="datetimeFigureOut">
               <a:rPr lang="it-IT" smtClean="0"/>
               <a:pPr/>
-              <a:t>23/03/2016</a:t>
+              <a:t>05/04/2016</a:t>
             </a:fld>
             <a:endParaRPr lang="it-IT"/>
           </a:p>
@@ -2688,7 +2704,7 @@
             <a:fld id="{DA9D7BA9-B648-4591-B0AE-4433C67759B9}" type="datetimeFigureOut">
               <a:rPr lang="it-IT" smtClean="0"/>
               <a:pPr/>
-              <a:t>23/03/2016</a:t>
+              <a:t>05/04/2016</a:t>
             </a:fld>
             <a:endParaRPr lang="it-IT"/>
           </a:p>
@@ -3069,7 +3085,7 @@
         </p:nvSpPr>
         <p:spPr bwMode="auto">
           <a:xfrm>
-            <a:off x="5693258" y="5116476"/>
+            <a:off x="5994196" y="5095118"/>
             <a:ext cx="718911" cy="603553"/>
           </a:xfrm>
           <a:prstGeom prst="roundRect">
@@ -3105,7 +3121,7 @@
         </p:nvSpPr>
         <p:spPr>
           <a:xfrm>
-            <a:off x="5476065" y="4706633"/>
+            <a:off x="5777003" y="4685275"/>
             <a:ext cx="1191352" cy="338554"/>
           </a:xfrm>
           <a:prstGeom prst="rect">
@@ -3165,7 +3181,7 @@
         </p:nvSpPr>
         <p:spPr bwMode="auto">
           <a:xfrm>
-            <a:off x="7277434" y="5138414"/>
+            <a:off x="7578372" y="5117056"/>
             <a:ext cx="718911" cy="603553"/>
           </a:xfrm>
           <a:prstGeom prst="roundRect">
@@ -3201,7 +3217,7 @@
         </p:nvSpPr>
         <p:spPr>
           <a:xfrm>
-            <a:off x="6988233" y="4481898"/>
+            <a:off x="7289171" y="4460540"/>
             <a:ext cx="1328184" cy="584775"/>
           </a:xfrm>
           <a:prstGeom prst="rect">
@@ -3247,7 +3263,7 @@
         </p:nvSpPr>
         <p:spPr bwMode="auto">
           <a:xfrm>
-            <a:off x="2017359" y="1235521"/>
+            <a:off x="2318297" y="1214163"/>
             <a:ext cx="754441" cy="712409"/>
           </a:xfrm>
           <a:prstGeom prst="roundRect">
@@ -3283,8 +3299,8 @@
         </p:nvSpPr>
         <p:spPr>
           <a:xfrm>
-            <a:off x="1649703" y="821352"/>
-            <a:ext cx="1482137" cy="338554"/>
+            <a:off x="1950641" y="799994"/>
+            <a:ext cx="1474121" cy="338554"/>
           </a:xfrm>
           <a:prstGeom prst="rect">
             <a:avLst/>
@@ -3298,12 +3314,16 @@
           <a:lstStyle/>
           <a:p>
             <a:r>
-              <a:rPr lang="it-IT" sz="1600" i="1" dirty="0" err="1" smtClean="0"/>
-              <a:t>Device</a:t>
-            </a:r>
-            <a:r>
               <a:rPr lang="it-IT" sz="1600" i="1" dirty="0" smtClean="0"/>
-              <a:t> [10-100]</a:t>
+              <a:t>Device [</a:t>
+            </a:r>
+            <a:r>
+              <a:rPr lang="it-IT" sz="1600" i="1" dirty="0" smtClean="0"/>
+              <a:t>10:100</a:t>
+            </a:r>
+            <a:r>
+              <a:rPr lang="it-IT" sz="1600" i="1" dirty="0" smtClean="0"/>
+              <a:t>]</a:t>
             </a:r>
           </a:p>
         </p:txBody>
@@ -3318,7 +3338,7 @@
         </p:nvSpPr>
         <p:spPr bwMode="auto">
           <a:xfrm>
-            <a:off x="1965022" y="4125511"/>
+            <a:off x="2232922" y="4285551"/>
             <a:ext cx="754441" cy="712409"/>
           </a:xfrm>
           <a:prstGeom prst="roundRect">
@@ -3354,7 +3374,7 @@
         </p:nvSpPr>
         <p:spPr>
           <a:xfrm>
-            <a:off x="2876846" y="4077072"/>
+            <a:off x="3064403" y="4337428"/>
             <a:ext cx="1047082" cy="830997"/>
           </a:xfrm>
           <a:prstGeom prst="rect">
@@ -3402,8 +3422,8 @@
         </p:nvCxnSpPr>
         <p:spPr bwMode="auto">
           <a:xfrm flipV="1">
-            <a:off x="2123728" y="1977463"/>
-            <a:ext cx="6418" cy="2099609"/>
+            <a:off x="2426467" y="1956106"/>
+            <a:ext cx="4617" cy="2291045"/>
           </a:xfrm>
           <a:prstGeom prst="straightConnector1">
             <a:avLst/>
@@ -3429,8 +3449,8 @@
         </p:nvCxnSpPr>
         <p:spPr bwMode="auto">
           <a:xfrm flipH="1">
-            <a:off x="2555776" y="1977463"/>
-            <a:ext cx="22790" cy="2099609"/>
+            <a:off x="2854219" y="1956105"/>
+            <a:ext cx="25285" cy="2329446"/>
           </a:xfrm>
           <a:prstGeom prst="straightConnector1">
             <a:avLst/>
@@ -3456,7 +3476,7 @@
         </p:nvSpPr>
         <p:spPr bwMode="auto">
           <a:xfrm>
-            <a:off x="1532530" y="1432770"/>
+            <a:off x="828329" y="1346782"/>
             <a:ext cx="447182" cy="433068"/>
           </a:xfrm>
           <a:prstGeom prst="rightArrow">
@@ -3491,7 +3511,7 @@
         </p:nvSpPr>
         <p:spPr>
           <a:xfrm>
-            <a:off x="-158943" y="1229851"/>
+            <a:off x="838993" y="1822727"/>
             <a:ext cx="1418575" cy="830997"/>
           </a:xfrm>
           <a:prstGeom prst="rect">
@@ -3512,86 +3532,23 @@
             </a:r>
             <a:r>
               <a:rPr lang="it-IT" sz="1600" i="1" dirty="0" smtClean="0"/>
-              <a:t> </a:t>
+              <a:t> by </a:t>
             </a:r>
             <a:r>
               <a:rPr lang="it-IT" sz="1600" i="1" dirty="0" err="1" smtClean="0"/>
-              <a:t>by</a:t>
-            </a:r>
+              <a:t>Category</a:t>
+            </a:r>
+            <a:endParaRPr lang="it-IT" sz="1600" i="1" dirty="0" smtClean="0"/>
+          </a:p>
+          <a:p>
+            <a:pPr algn="ctr"/>
             <a:r>
               <a:rPr lang="it-IT" sz="1600" i="1" dirty="0" smtClean="0"/>
               <a:t> </a:t>
             </a:r>
             <a:r>
-              <a:rPr lang="it-IT" sz="1600" i="1" dirty="0" err="1" smtClean="0"/>
-              <a:t>category</a:t>
-            </a:r>
-            <a:endParaRPr lang="it-IT" sz="1600" i="1" dirty="0" smtClean="0"/>
-          </a:p>
-          <a:p>
-            <a:pPr algn="ctr"/>
-            <a:r>
               <a:rPr lang="it-IT" sz="1600" i="1" dirty="0" smtClean="0"/>
-              <a:t> [4]</a:t>
-            </a:r>
-            <a:endParaRPr lang="it-IT" sz="1600" i="1" dirty="0"/>
-          </a:p>
-        </p:txBody>
-      </p:sp>
-      <p:sp>
-        <p:nvSpPr>
-          <p:cNvPr id="40" name="TextBox 20"/>
-          <p:cNvSpPr txBox="1"/>
-          <p:nvPr/>
-        </p:nvSpPr>
-        <p:spPr>
-          <a:xfrm>
-            <a:off x="-108520" y="107921"/>
-            <a:ext cx="2454531" cy="584775"/>
-          </a:xfrm>
-          <a:prstGeom prst="rect">
-            <a:avLst/>
-          </a:prstGeom>
-          <a:noFill/>
-        </p:spPr>
-        <p:txBody>
-          <a:bodyPr wrap="square" rtlCol="0">
-            <a:spAutoFit/>
-          </a:bodyPr>
-          <a:lstStyle/>
-          <a:p>
-            <a:pPr algn="ctr"/>
-            <a:r>
-              <a:rPr lang="it-IT" sz="1600" i="1" dirty="0" err="1" smtClean="0"/>
-              <a:t>Devices</a:t>
-            </a:r>
-            <a:r>
-              <a:rPr lang="it-IT" sz="1600" i="1" dirty="0" smtClean="0"/>
-              <a:t> </a:t>
-            </a:r>
-            <a:r>
-              <a:rPr lang="it-IT" sz="1600" i="1" dirty="0" err="1" smtClean="0"/>
-              <a:t>by</a:t>
-            </a:r>
-            <a:r>
-              <a:rPr lang="it-IT" sz="1600" i="1" dirty="0" smtClean="0"/>
-              <a:t> </a:t>
-            </a:r>
-            <a:r>
-              <a:rPr lang="it-IT" sz="1600" i="1" dirty="0" err="1" smtClean="0"/>
-              <a:t>category</a:t>
-            </a:r>
-            <a:r>
-              <a:rPr lang="it-IT" sz="1600" i="1" dirty="0" smtClean="0"/>
-              <a:t> C and </a:t>
-            </a:r>
-            <a:r>
-              <a:rPr lang="it-IT" sz="1600" i="1" dirty="0" err="1" smtClean="0"/>
-              <a:t>Characteristics</a:t>
-            </a:r>
-            <a:r>
-              <a:rPr lang="it-IT" sz="1600" i="1" dirty="0" smtClean="0"/>
-              <a:t> X,Y,Z</a:t>
+              <a:t>[5]</a:t>
             </a:r>
             <a:endParaRPr lang="it-IT" sz="1600" i="1" dirty="0"/>
           </a:p>
@@ -3607,8 +3564,8 @@
         </p:nvSpPr>
         <p:spPr bwMode="auto">
           <a:xfrm rot="16200000">
-            <a:off x="2168459" y="4906641"/>
-            <a:ext cx="347566" cy="242330"/>
+            <a:off x="2450821" y="5031425"/>
+            <a:ext cx="326408" cy="365881"/>
           </a:xfrm>
           <a:prstGeom prst="rightArrow">
             <a:avLst>
@@ -3644,7 +3601,7 @@
         </p:nvSpPr>
         <p:spPr bwMode="auto">
           <a:xfrm flipV="1">
-            <a:off x="2195736" y="6309320"/>
+            <a:off x="2488282" y="6370594"/>
             <a:ext cx="267555" cy="465758"/>
           </a:xfrm>
           <a:prstGeom prst="diamond">
@@ -3678,7 +3635,7 @@
         </p:nvSpPr>
         <p:spPr>
           <a:xfrm>
-            <a:off x="899592" y="3174067"/>
+            <a:off x="1316717" y="2841020"/>
             <a:ext cx="1141285" cy="830997"/>
           </a:xfrm>
           <a:prstGeom prst="rect">
@@ -3694,12 +3651,8 @@
           <a:p>
             <a:pPr algn="ctr"/>
             <a:r>
-              <a:rPr lang="it-IT" sz="1600" i="1" dirty="0" err="1" smtClean="0"/>
-              <a:t>Needed</a:t>
-            </a:r>
-            <a:r>
               <a:rPr lang="it-IT" sz="1600" i="1" dirty="0" smtClean="0"/>
-              <a:t> </a:t>
+              <a:t>For </a:t>
             </a:r>
             <a:r>
               <a:rPr lang="it-IT" sz="1600" i="1" dirty="0" err="1" smtClean="0"/>
@@ -3707,7 +3660,11 @@
             </a:r>
             <a:r>
               <a:rPr lang="it-IT" sz="1600" i="1" dirty="0" smtClean="0"/>
-              <a:t>(s)_2 [1,10]</a:t>
+              <a:t>(s)_2 </a:t>
+            </a:r>
+            <a:r>
+              <a:rPr lang="it-IT" sz="1600" i="1" dirty="0" smtClean="0"/>
+              <a:t>1:10</a:t>
             </a:r>
             <a:endParaRPr lang="it-IT" sz="1600" i="1" dirty="0"/>
           </a:p>
@@ -3721,8 +3678,8 @@
         </p:nvSpPr>
         <p:spPr>
           <a:xfrm>
-            <a:off x="3059833" y="1015886"/>
-            <a:ext cx="2441139" cy="584775"/>
+            <a:off x="3413100" y="792994"/>
+            <a:ext cx="2441139" cy="830997"/>
           </a:xfrm>
           <a:prstGeom prst="rect">
             <a:avLst/>
@@ -3742,8 +3699,21 @@
             </a:r>
             <a:r>
               <a:rPr lang="it-IT" sz="1600" i="1" dirty="0" smtClean="0"/>
-              <a:t> SL Service [1,5] </a:t>
-            </a:r>
+              <a:t> SL Service </a:t>
+            </a:r>
+            <a:endParaRPr lang="it-IT" sz="1600" i="1" dirty="0" smtClean="0"/>
+          </a:p>
+          <a:p>
+            <a:pPr algn="ctr"/>
+            <a:r>
+              <a:rPr lang="it-IT" sz="1600" i="1" dirty="0" smtClean="0"/>
+              <a:t>1:5</a:t>
+            </a:r>
+            <a:r>
+              <a:rPr lang="it-IT" sz="1600" i="1" dirty="0" smtClean="0"/>
+              <a:t> </a:t>
+            </a:r>
+            <a:endParaRPr lang="it-IT" sz="1600" i="1" dirty="0" smtClean="0"/>
           </a:p>
           <a:p>
             <a:pPr algn="ctr"/>
@@ -3761,7 +3731,7 @@
         </p:nvSpPr>
         <p:spPr bwMode="auto">
           <a:xfrm>
-            <a:off x="5959130" y="1222269"/>
+            <a:off x="6260068" y="1200911"/>
             <a:ext cx="754441" cy="712409"/>
           </a:xfrm>
           <a:prstGeom prst="roundRect">
@@ -3797,7 +3767,7 @@
         </p:nvSpPr>
         <p:spPr>
           <a:xfrm>
-            <a:off x="5746271" y="557391"/>
+            <a:off x="6047209" y="536033"/>
             <a:ext cx="1418017" cy="584775"/>
           </a:xfrm>
           <a:prstGeom prst="rect">
@@ -3820,7 +3790,15 @@
             </a:br>
             <a:r>
               <a:rPr lang="it-IT" sz="1600" i="1" dirty="0" smtClean="0"/>
-              <a:t>Service [10-50]</a:t>
+              <a:t>Service [</a:t>
+            </a:r>
+            <a:r>
+              <a:rPr lang="it-IT" sz="1600" i="1" dirty="0" smtClean="0"/>
+              <a:t>10:50</a:t>
+            </a:r>
+            <a:r>
+              <a:rPr lang="it-IT" sz="1600" i="1" dirty="0" smtClean="0"/>
+              <a:t>]</a:t>
             </a:r>
           </a:p>
         </p:txBody>
@@ -3835,7 +3813,7 @@
         </p:nvCxnSpPr>
         <p:spPr bwMode="auto">
           <a:xfrm>
-            <a:off x="2843808" y="1340768"/>
+            <a:off x="3144746" y="1319410"/>
             <a:ext cx="3115322" cy="8837"/>
           </a:xfrm>
           <a:prstGeom prst="straightConnector1">
@@ -3862,7 +3840,7 @@
         </p:nvCxnSpPr>
         <p:spPr bwMode="auto">
           <a:xfrm>
-            <a:off x="2843808" y="1772816"/>
+            <a:off x="3144746" y="1751458"/>
             <a:ext cx="3115322" cy="27995"/>
           </a:xfrm>
           <a:prstGeom prst="straightConnector1">
@@ -3887,7 +3865,7 @@
         </p:nvSpPr>
         <p:spPr>
           <a:xfrm>
-            <a:off x="2534788" y="2462698"/>
+            <a:off x="2811871" y="3067803"/>
             <a:ext cx="1101108" cy="830997"/>
           </a:xfrm>
           <a:prstGeom prst="rect">
@@ -3920,7 +3898,7 @@
             <a:pPr algn="ctr"/>
             <a:r>
               <a:rPr lang="it-IT" sz="1600" i="1" dirty="0" smtClean="0"/>
-              <a:t>[1,10]</a:t>
+              <a:t>1:10</a:t>
             </a:r>
             <a:endParaRPr lang="it-IT" sz="1600" i="1" dirty="0"/>
           </a:p>
@@ -3934,8 +3912,8 @@
         </p:nvSpPr>
         <p:spPr>
           <a:xfrm>
-            <a:off x="2987825" y="1744677"/>
-            <a:ext cx="2578780" cy="338554"/>
+            <a:off x="3288763" y="1723319"/>
+            <a:ext cx="2578780" cy="584775"/>
           </a:xfrm>
           <a:prstGeom prst="rect">
             <a:avLst/>
@@ -3950,11 +3928,11 @@
           <a:p>
             <a:pPr algn="ctr"/>
             <a:r>
-              <a:rPr lang="it-IT" sz="1600" i="1" dirty="0" err="1" smtClean="0"/>
-              <a:t>Needed</a:t>
-            </a:r>
-            <a:r>
-              <a:rPr lang="it-IT" sz="1600" i="1" dirty="0"/>
+              <a:rPr lang="it-IT" sz="1600" i="1" dirty="0" smtClean="0"/>
+              <a:t>For</a:t>
+            </a:r>
+            <a:r>
+              <a:rPr lang="it-IT" sz="1600" i="1" dirty="0" smtClean="0"/>
               <a:t> </a:t>
             </a:r>
             <a:r>
@@ -3963,7 +3941,15 @@
             </a:r>
             <a:r>
               <a:rPr lang="it-IT" sz="1600" i="1" dirty="0" smtClean="0"/>
-              <a:t>(s)_1 [1,30]</a:t>
+              <a:t>(s)_1 </a:t>
+            </a:r>
+            <a:endParaRPr lang="it-IT" sz="1600" i="1" dirty="0" smtClean="0"/>
+          </a:p>
+          <a:p>
+            <a:pPr algn="ctr"/>
+            <a:r>
+              <a:rPr lang="it-IT" sz="1600" i="1" dirty="0" smtClean="0"/>
+              <a:t>1:30</a:t>
             </a:r>
             <a:endParaRPr lang="it-IT" sz="1600" i="1" dirty="0"/>
           </a:p>
@@ -3979,7 +3965,7 @@
         </p:nvSpPr>
         <p:spPr bwMode="auto">
           <a:xfrm rot="10800000">
-            <a:off x="6753435" y="1368140"/>
+            <a:off x="7054373" y="1346782"/>
             <a:ext cx="485446" cy="478155"/>
           </a:xfrm>
           <a:prstGeom prst="rightArrow">
@@ -4014,8 +4000,8 @@
         </p:nvSpPr>
         <p:spPr>
           <a:xfrm>
-            <a:off x="7812360" y="692696"/>
-            <a:ext cx="1411605" cy="584775"/>
+            <a:off x="7901635" y="707704"/>
+            <a:ext cx="1280138" cy="584775"/>
           </a:xfrm>
           <a:prstGeom prst="rect">
             <a:avLst/>
@@ -4023,7 +4009,7 @@
           <a:noFill/>
         </p:spPr>
         <p:txBody>
-          <a:bodyPr wrap="none" rtlCol="0">
+          <a:bodyPr wrap="square" rtlCol="0">
             <a:spAutoFit/>
           </a:bodyPr>
           <a:lstStyle/>
@@ -4031,30 +4017,11 @@
             <a:pPr algn="ctr"/>
             <a:r>
               <a:rPr lang="it-IT" sz="1600" i="1" dirty="0" err="1" smtClean="0"/>
-              <a:t>All</a:t>
-            </a:r>
-            <a:r>
-              <a:rPr lang="it-IT" sz="1600" i="1" dirty="0"/>
-              <a:t> </a:t>
+              <a:t>Categories</a:t>
             </a:r>
             <a:r>
               <a:rPr lang="it-IT" sz="1600" i="1" dirty="0" smtClean="0"/>
-              <a:t> SL </a:t>
-            </a:r>
-            <a:r>
-              <a:rPr lang="it-IT" sz="1600" i="1" dirty="0" err="1" smtClean="0"/>
-              <a:t>services</a:t>
-            </a:r>
-            <a:r>
-              <a:rPr lang="it-IT" sz="1600" i="1" dirty="0" smtClean="0"/>
-              <a:t> </a:t>
-            </a:r>
-          </a:p>
-          <a:p>
-            <a:pPr algn="ctr"/>
-            <a:r>
-              <a:rPr lang="it-IT" sz="1600" i="1" dirty="0" err="1" smtClean="0"/>
-              <a:t>categories</a:t>
+              <a:t> of SL Services</a:t>
             </a:r>
             <a:endParaRPr lang="it-IT" sz="1600" i="1" dirty="0"/>
           </a:p>
@@ -4070,7 +4037,7 @@
         </p:nvSpPr>
         <p:spPr bwMode="auto">
           <a:xfrm flipV="1">
-            <a:off x="8408901" y="1378876"/>
+            <a:off x="8709839" y="1357518"/>
             <a:ext cx="267555" cy="465758"/>
           </a:xfrm>
           <a:prstGeom prst="diamond">
@@ -4104,7 +4071,7 @@
         </p:nvSpPr>
         <p:spPr>
           <a:xfrm>
-            <a:off x="6881919" y="1980129"/>
+            <a:off x="7201082" y="1851955"/>
             <a:ext cx="1362489" cy="584775"/>
           </a:xfrm>
           <a:prstGeom prst="rect">
@@ -4140,7 +4107,11 @@
             </a:r>
             <a:r>
               <a:rPr lang="it-IT" sz="1600" i="1" dirty="0" err="1" smtClean="0"/>
-              <a:t>category</a:t>
+              <a:t>Category</a:t>
+            </a:r>
+            <a:r>
+              <a:rPr lang="it-IT" sz="1600" i="1" dirty="0" smtClean="0"/>
+              <a:t> [4]</a:t>
             </a:r>
             <a:endParaRPr lang="it-IT" sz="1600" i="1" dirty="0"/>
           </a:p>
@@ -4156,7 +4127,7 @@
         </p:nvSpPr>
         <p:spPr bwMode="auto">
           <a:xfrm flipV="1">
-            <a:off x="7359345" y="1378877"/>
+            <a:off x="7660283" y="1357519"/>
             <a:ext cx="281180" cy="454961"/>
           </a:xfrm>
           <a:prstGeom prst="diamond">
@@ -4192,7 +4163,7 @@
         </p:nvSpPr>
         <p:spPr bwMode="auto">
           <a:xfrm rot="10800000">
-            <a:off x="7756357" y="1371897"/>
+            <a:off x="8057295" y="1350539"/>
             <a:ext cx="485446" cy="478155"/>
           </a:xfrm>
           <a:prstGeom prst="rightArrow">
@@ -4229,7 +4200,7 @@
         </p:nvSpPr>
         <p:spPr bwMode="auto">
           <a:xfrm flipV="1">
-            <a:off x="1043608" y="1412776"/>
+            <a:off x="1403477" y="1364458"/>
             <a:ext cx="281180" cy="454961"/>
           </a:xfrm>
           <a:prstGeom prst="diamond">
@@ -4257,7 +4228,69 @@
       </p:sp>
       <p:sp>
         <p:nvSpPr>
-          <p:cNvPr id="86" name="AutoShape 17"/>
+          <p:cNvPr id="93" name="TextBox 20"/>
+          <p:cNvSpPr txBox="1"/>
+          <p:nvPr/>
+        </p:nvSpPr>
+        <p:spPr>
+          <a:xfrm>
+            <a:off x="2699792" y="5400542"/>
+            <a:ext cx="2160240" cy="584775"/>
+          </a:xfrm>
+          <a:prstGeom prst="rect">
+            <a:avLst/>
+          </a:prstGeom>
+          <a:noFill/>
+        </p:spPr>
+        <p:txBody>
+          <a:bodyPr wrap="square" rtlCol="0">
+            <a:spAutoFit/>
+          </a:bodyPr>
+          <a:lstStyle/>
+          <a:p>
+            <a:pPr algn="ctr"/>
+            <a:r>
+              <a:rPr lang="it-IT" sz="1600" i="1" dirty="0" err="1" smtClean="0"/>
+              <a:t>Assistance</a:t>
+            </a:r>
+            <a:r>
+              <a:rPr lang="it-IT" sz="1600" i="1" dirty="0" smtClean="0"/>
+              <a:t> </a:t>
+            </a:r>
+            <a:r>
+              <a:rPr lang="it-IT" sz="1600" i="1" dirty="0" err="1" smtClean="0"/>
+              <a:t>Services</a:t>
+            </a:r>
+            <a:r>
+              <a:rPr lang="it-IT" sz="1600" i="1" dirty="0" smtClean="0"/>
+              <a:t> </a:t>
+            </a:r>
+          </a:p>
+          <a:p>
+            <a:pPr algn="ctr"/>
+            <a:r>
+              <a:rPr lang="it-IT" sz="1600" i="1" dirty="0"/>
+              <a:t>b</a:t>
+            </a:r>
+            <a:r>
+              <a:rPr lang="it-IT" sz="1600" i="1" dirty="0" smtClean="0"/>
+              <a:t>y  </a:t>
+            </a:r>
+            <a:r>
+              <a:rPr lang="it-IT" sz="1600" i="1" dirty="0" err="1" smtClean="0"/>
+              <a:t>Category</a:t>
+            </a:r>
+            <a:r>
+              <a:rPr lang="it-IT" sz="1600" i="1" dirty="0" smtClean="0"/>
+              <a:t> [4]</a:t>
+            </a:r>
+            <a:endParaRPr lang="it-IT" sz="1600" i="1" dirty="0"/>
+          </a:p>
+        </p:txBody>
+      </p:sp>
+      <p:sp>
+        <p:nvSpPr>
+          <p:cNvPr id="94" name="AutoShape 17"/>
           <p:cNvSpPr>
             <a:spLocks noChangeArrowheads="1"/>
           </p:cNvSpPr>
@@ -4265,7 +4298,7 @@
         </p:nvSpPr>
         <p:spPr bwMode="auto">
           <a:xfrm flipV="1">
-            <a:off x="1043608" y="741791"/>
+            <a:off x="2490621" y="5458348"/>
             <a:ext cx="281180" cy="454961"/>
           </a:xfrm>
           <a:prstGeom prst="diamond">
@@ -4293,104 +4326,6 @@
       </p:sp>
       <p:sp>
         <p:nvSpPr>
-          <p:cNvPr id="93" name="TextBox 20"/>
-          <p:cNvSpPr txBox="1"/>
-          <p:nvPr/>
-        </p:nvSpPr>
-        <p:spPr>
-          <a:xfrm>
-            <a:off x="2404907" y="5229200"/>
-            <a:ext cx="2160240" cy="584775"/>
-          </a:xfrm>
-          <a:prstGeom prst="rect">
-            <a:avLst/>
-          </a:prstGeom>
-          <a:noFill/>
-        </p:spPr>
-        <p:txBody>
-          <a:bodyPr wrap="square" rtlCol="0">
-            <a:spAutoFit/>
-          </a:bodyPr>
-          <a:lstStyle/>
-          <a:p>
-            <a:pPr algn="ctr"/>
-            <a:r>
-              <a:rPr lang="it-IT" sz="1600" i="1" dirty="0" err="1" smtClean="0"/>
-              <a:t>Assistance</a:t>
-            </a:r>
-            <a:r>
-              <a:rPr lang="it-IT" sz="1600" i="1" dirty="0" smtClean="0"/>
-              <a:t> </a:t>
-            </a:r>
-            <a:r>
-              <a:rPr lang="it-IT" sz="1600" i="1" dirty="0" err="1" smtClean="0"/>
-              <a:t>Services</a:t>
-            </a:r>
-            <a:r>
-              <a:rPr lang="it-IT" sz="1600" i="1" dirty="0" smtClean="0"/>
-              <a:t> </a:t>
-            </a:r>
-          </a:p>
-          <a:p>
-            <a:pPr algn="ctr"/>
-            <a:r>
-              <a:rPr lang="it-IT" sz="1600" i="1" dirty="0" err="1"/>
-              <a:t>b</a:t>
-            </a:r>
-            <a:r>
-              <a:rPr lang="it-IT" sz="1600" i="1" dirty="0" err="1" smtClean="0"/>
-              <a:t>y</a:t>
-            </a:r>
-            <a:r>
-              <a:rPr lang="it-IT" sz="1600" i="1" dirty="0" smtClean="0"/>
-              <a:t>  </a:t>
-            </a:r>
-            <a:r>
-              <a:rPr lang="it-IT" sz="1600" i="1" dirty="0" err="1" smtClean="0"/>
-              <a:t>category</a:t>
-            </a:r>
-            <a:endParaRPr lang="it-IT" sz="1600" i="1" dirty="0"/>
-          </a:p>
-        </p:txBody>
-      </p:sp>
-      <p:sp>
-        <p:nvSpPr>
-          <p:cNvPr id="94" name="AutoShape 17"/>
-          <p:cNvSpPr>
-            <a:spLocks noChangeArrowheads="1"/>
-          </p:cNvSpPr>
-          <p:nvPr/>
-        </p:nvSpPr>
-        <p:spPr bwMode="auto">
-          <a:xfrm flipV="1">
-            <a:off x="2195736" y="5287006"/>
-            <a:ext cx="281180" cy="454961"/>
-          </a:xfrm>
-          <a:prstGeom prst="diamond">
-            <a:avLst/>
-          </a:prstGeom>
-          <a:solidFill>
-            <a:schemeClr val="bg1"/>
-          </a:solidFill>
-          <a:ln w="38100" cmpd="dbl">
-            <a:solidFill>
-              <a:schemeClr val="tx1"/>
-            </a:solidFill>
-            <a:miter lim="800000"/>
-            <a:headEnd/>
-            <a:tailEnd/>
-          </a:ln>
-        </p:spPr>
-        <p:txBody>
-          <a:bodyPr wrap="none" lIns="62518" tIns="31259" rIns="62518" bIns="31259" anchor="ctr"/>
-          <a:lstStyle/>
-          <a:p>
-            <a:endParaRPr lang="en-US"/>
-          </a:p>
-        </p:txBody>
-      </p:sp>
-      <p:sp>
-        <p:nvSpPr>
           <p:cNvPr id="95" name="AutoShape 38"/>
           <p:cNvSpPr>
             <a:spLocks noChangeArrowheads="1"/>
@@ -4399,8 +4334,8 @@
         </p:nvSpPr>
         <p:spPr bwMode="auto">
           <a:xfrm rot="16200000">
-            <a:off x="2168343" y="5929890"/>
-            <a:ext cx="347566" cy="242330"/>
+            <a:off x="2454327" y="5967107"/>
+            <a:ext cx="349089" cy="365997"/>
           </a:xfrm>
           <a:prstGeom prst="rightArrow">
             <a:avLst>
@@ -4434,7 +4369,7 @@
         </p:nvSpPr>
         <p:spPr>
           <a:xfrm>
-            <a:off x="2411760" y="6300609"/>
+            <a:off x="2533775" y="6318071"/>
             <a:ext cx="2160240" cy="584775"/>
           </a:xfrm>
           <a:prstGeom prst="rect">
@@ -4451,34 +4386,11 @@
             <a:pPr algn="ctr"/>
             <a:r>
               <a:rPr lang="it-IT" sz="1600" i="1" dirty="0" err="1" smtClean="0"/>
-              <a:t>All</a:t>
+              <a:t>Categories</a:t>
             </a:r>
             <a:r>
               <a:rPr lang="it-IT" sz="1600" i="1" dirty="0" smtClean="0"/>
-              <a:t> </a:t>
-            </a:r>
-            <a:r>
-              <a:rPr lang="it-IT" sz="1600" i="1" dirty="0" err="1" smtClean="0"/>
-              <a:t>Assistance</a:t>
-            </a:r>
-            <a:r>
-              <a:rPr lang="it-IT" sz="1600" i="1" dirty="0" smtClean="0"/>
-              <a:t> </a:t>
-            </a:r>
-            <a:r>
-              <a:rPr lang="it-IT" sz="1600" i="1" dirty="0" err="1" smtClean="0"/>
-              <a:t>Services</a:t>
-            </a:r>
-            <a:r>
-              <a:rPr lang="it-IT" sz="1600" i="1" dirty="0" smtClean="0"/>
-              <a:t> </a:t>
-            </a:r>
-          </a:p>
-          <a:p>
-            <a:pPr algn="ctr"/>
-            <a:r>
-              <a:rPr lang="it-IT" sz="1600" i="1" dirty="0" err="1" smtClean="0"/>
-              <a:t>category</a:t>
+              <a:t> of Assistance Services</a:t>
             </a:r>
             <a:endParaRPr lang="it-IT" sz="1600" i="1" dirty="0"/>
           </a:p>
@@ -4494,7 +4406,7 @@
         </p:nvSpPr>
         <p:spPr bwMode="auto">
           <a:xfrm flipV="1">
-            <a:off x="1763688" y="5267498"/>
+            <a:off x="2058573" y="5438840"/>
             <a:ext cx="267555" cy="465758"/>
           </a:xfrm>
           <a:prstGeom prst="diamond">
@@ -4528,7 +4440,7 @@
         </p:nvSpPr>
         <p:spPr>
           <a:xfrm>
-            <a:off x="611560" y="5301208"/>
+            <a:off x="823583" y="5502442"/>
             <a:ext cx="1296144" cy="338554"/>
           </a:xfrm>
           <a:prstGeom prst="rect">
@@ -4561,8 +4473,8 @@
         </p:nvSpPr>
         <p:spPr bwMode="auto">
           <a:xfrm flipV="1">
-            <a:off x="1043608" y="2060848"/>
-            <a:ext cx="267555" cy="465758"/>
+            <a:off x="4561975" y="2533727"/>
+            <a:ext cx="285061" cy="465758"/>
           </a:xfrm>
           <a:prstGeom prst="diamond">
             <a:avLst/>
@@ -4589,14 +4501,87 @@
       </p:sp>
       <p:sp>
         <p:nvSpPr>
-          <p:cNvPr id="104" name="TextBox 20"/>
+          <p:cNvPr id="43" name="AutoShape 18"/>
+          <p:cNvSpPr>
+            <a:spLocks noChangeArrowheads="1"/>
+          </p:cNvSpPr>
+          <p:nvPr/>
+        </p:nvSpPr>
+        <p:spPr bwMode="auto">
+          <a:xfrm flipV="1">
+            <a:off x="452761" y="1351934"/>
+            <a:ext cx="267555" cy="465758"/>
+          </a:xfrm>
+          <a:prstGeom prst="diamond">
+            <a:avLst/>
+          </a:prstGeom>
+          <a:solidFill>
+            <a:schemeClr val="bg1"/>
+          </a:solidFill>
+          <a:ln w="9525">
+            <a:solidFill>
+              <a:schemeClr val="tx1"/>
+            </a:solidFill>
+            <a:miter lim="800000"/>
+            <a:headEnd/>
+            <a:tailEnd/>
+          </a:ln>
+        </p:spPr>
+        <p:txBody>
+          <a:bodyPr wrap="none" lIns="62518" tIns="31259" rIns="62518" bIns="31259" anchor="ctr"/>
+          <a:lstStyle/>
+          <a:p>
+            <a:endParaRPr lang="en-US" sz="2400"/>
+          </a:p>
+        </p:txBody>
+      </p:sp>
+      <p:sp>
+        <p:nvSpPr>
+          <p:cNvPr id="49" name="AutoShape 38"/>
+          <p:cNvSpPr>
+            <a:spLocks noChangeArrowheads="1"/>
+          </p:cNvSpPr>
+          <p:nvPr/>
+        </p:nvSpPr>
+        <p:spPr bwMode="auto">
+          <a:xfrm>
+            <a:off x="1800489" y="1361007"/>
+            <a:ext cx="447182" cy="433068"/>
+          </a:xfrm>
+          <a:prstGeom prst="rightArrow">
+            <a:avLst>
+              <a:gd name="adj1" fmla="val 47528"/>
+              <a:gd name="adj2" fmla="val 48036"/>
+            </a:avLst>
+          </a:prstGeom>
+          <a:noFill/>
+          <a:ln w="9525">
+            <a:solidFill>
+              <a:schemeClr val="tx1"/>
+            </a:solidFill>
+            <a:miter lim="800000"/>
+            <a:headEnd/>
+            <a:tailEnd/>
+          </a:ln>
+        </p:spPr>
+        <p:txBody>
+          <a:bodyPr wrap="none" lIns="62518" tIns="31259" rIns="62518" bIns="31259" anchor="ctr"/>
+          <a:lstStyle/>
+          <a:p>
+            <a:endParaRPr lang="en-US" sz="2400"/>
+          </a:p>
+        </p:txBody>
+      </p:sp>
+      <p:sp>
+        <p:nvSpPr>
+          <p:cNvPr id="2" name="CasellaDiTesto 1"/>
           <p:cNvSpPr txBox="1"/>
           <p:nvPr/>
         </p:nvSpPr>
         <p:spPr>
           <a:xfrm>
-            <a:off x="-180528" y="2204864"/>
-            <a:ext cx="1296144" cy="338554"/>
+            <a:off x="0" y="678668"/>
+            <a:ext cx="1111339" cy="584775"/>
           </a:xfrm>
           <a:prstGeom prst="rect">
             <a:avLst/>
@@ -4611,16 +4596,130 @@
           <a:p>
             <a:pPr algn="ctr"/>
             <a:r>
-              <a:rPr lang="it-IT" sz="1600" i="1" dirty="0" smtClean="0"/>
-              <a:t>Outlet</a:t>
-            </a:r>
+              <a:rPr lang="it-IT" sz="1600" i="1" dirty="0" err="1"/>
+              <a:t>Categories</a:t>
+            </a:r>
+            <a:r>
+              <a:rPr lang="it-IT" sz="1600" i="1" dirty="0"/>
+              <a:t> of </a:t>
+            </a:r>
+            <a:r>
+              <a:rPr lang="it-IT" sz="1600" i="1" dirty="0" err="1"/>
+              <a:t>Devices</a:t>
+            </a:r>
+            <a:endParaRPr lang="it-IT" sz="1600" i="1" dirty="0"/>
+          </a:p>
+        </p:txBody>
+      </p:sp>
+      <p:sp>
+        <p:nvSpPr>
+          <p:cNvPr id="50" name="AutoShape 38"/>
+          <p:cNvSpPr>
+            <a:spLocks noChangeArrowheads="1"/>
+          </p:cNvSpPr>
+          <p:nvPr/>
+        </p:nvSpPr>
+        <p:spPr bwMode="auto">
+          <a:xfrm rot="19759141">
+            <a:off x="4986126" y="2225802"/>
+            <a:ext cx="1196764" cy="333208"/>
+          </a:xfrm>
+          <a:prstGeom prst="rightArrow">
+            <a:avLst>
+              <a:gd name="adj1" fmla="val 47528"/>
+              <a:gd name="adj2" fmla="val 48036"/>
+            </a:avLst>
+          </a:prstGeom>
+          <a:noFill/>
+          <a:ln w="9525">
+            <a:solidFill>
+              <a:schemeClr val="tx1"/>
+            </a:solidFill>
+            <a:miter lim="800000"/>
+            <a:headEnd/>
+            <a:tailEnd/>
+          </a:ln>
+        </p:spPr>
+        <p:txBody>
+          <a:bodyPr wrap="none" lIns="62518" tIns="31259" rIns="62518" bIns="31259" anchor="ctr"/>
+          <a:lstStyle/>
+          <a:p>
+            <a:endParaRPr lang="en-US" sz="2400"/>
+          </a:p>
+        </p:txBody>
+      </p:sp>
+      <p:sp>
+        <p:nvSpPr>
+          <p:cNvPr id="52" name="AutoShape 38"/>
+          <p:cNvSpPr>
+            <a:spLocks noChangeArrowheads="1"/>
+          </p:cNvSpPr>
+          <p:nvPr/>
+        </p:nvSpPr>
+        <p:spPr bwMode="auto">
+          <a:xfrm rot="12949214">
+            <a:off x="3238438" y="2231680"/>
+            <a:ext cx="1202251" cy="331982"/>
+          </a:xfrm>
+          <a:prstGeom prst="rightArrow">
+            <a:avLst>
+              <a:gd name="adj1" fmla="val 47528"/>
+              <a:gd name="adj2" fmla="val 48036"/>
+            </a:avLst>
+          </a:prstGeom>
+          <a:noFill/>
+          <a:ln w="9525">
+            <a:solidFill>
+              <a:schemeClr val="tx1"/>
+            </a:solidFill>
+            <a:miter lim="800000"/>
+            <a:headEnd/>
+            <a:tailEnd/>
+          </a:ln>
+        </p:spPr>
+        <p:txBody>
+          <a:bodyPr wrap="none" lIns="62518" tIns="31259" rIns="62518" bIns="31259" anchor="ctr"/>
+          <a:lstStyle/>
+          <a:p>
+            <a:endParaRPr lang="en-US" sz="2400"/>
+          </a:p>
+        </p:txBody>
+      </p:sp>
+      <p:sp>
+        <p:nvSpPr>
+          <p:cNvPr id="53" name="TextBox 20"/>
+          <p:cNvSpPr txBox="1"/>
+          <p:nvPr/>
+        </p:nvSpPr>
+        <p:spPr>
+          <a:xfrm>
+            <a:off x="4264087" y="2940428"/>
+            <a:ext cx="1418575" cy="338554"/>
+          </a:xfrm>
+          <a:prstGeom prst="rect">
+            <a:avLst/>
+          </a:prstGeom>
+          <a:noFill/>
+        </p:spPr>
+        <p:txBody>
+          <a:bodyPr wrap="square" rtlCol="0">
+            <a:spAutoFit/>
+          </a:bodyPr>
+          <a:lstStyle/>
+          <a:p>
+            <a:pPr algn="ctr"/>
+            <a:r>
+              <a:rPr lang="it-IT" sz="1600" i="1" dirty="0" err="1" smtClean="0"/>
+              <a:t>Promotions</a:t>
+            </a:r>
+            <a:endParaRPr lang="it-IT" sz="1600" i="1" dirty="0"/>
           </a:p>
         </p:txBody>
       </p:sp>
     </p:spTree>
     <p:extLst>
       <p:ext uri="{BB962C8B-B14F-4D97-AF65-F5344CB8AC3E}">
-        <p14:creationId xmlns="" xmlns:p14="http://schemas.microsoft.com/office/powerpoint/2010/main" val="2660141847"/>
+        <p14:creationId xmlns:p14="http://schemas.microsoft.com/office/powerpoint/2010/main" val="2660141847"/>
       </p:ext>
     </p:extLst>
   </p:cSld>

--- a/1st delivery/C-IDM.pptx
+++ b/1st delivery/C-IDM.pptx
@@ -128,6 +128,50 @@
 </p:presentation>
 </file>
 
+<file path=ppt/commentAuthors.xml><?xml version="1.0" encoding="utf-8"?>
+<p:cmAuthorLst xmlns:a="http://schemas.openxmlformats.org/drawingml/2006/main" xmlns:r="http://schemas.openxmlformats.org/officeDocument/2006/relationships" xmlns:p="http://schemas.openxmlformats.org/presentationml/2006/main">
+  <p:cmAuthor id="1" name="vito matarazzo" initials="vm" lastIdx="3" clrIdx="0">
+    <p:extLst>
+      <p:ext uri="{19B8F6BF-5375-455C-9EA6-DF929625EA0E}">
+        <p15:presenceInfo xmlns:p15="http://schemas.microsoft.com/office/powerpoint/2012/main" userId="94e264641c93ff50" providerId="Windows Live"/>
+      </p:ext>
+    </p:extLst>
+  </p:cmAuthor>
+</p:cmAuthorLst>
+</file>
+
+<file path=ppt/comments/comment1.xml><?xml version="1.0" encoding="utf-8"?>
+<p:cmLst xmlns:a="http://schemas.openxmlformats.org/drawingml/2006/main" xmlns:r="http://schemas.openxmlformats.org/officeDocument/2006/relationships" xmlns:p="http://schemas.openxmlformats.org/presentationml/2006/main">
+  <p:cm authorId="1" dt="2016-04-18T11:17:05.353" idx="1">
+    <p:pos x="10" y="10"/>
+    <p:text>can embed intro act of promotions in home, specify here</p:text>
+    <p:extLst>
+      <p:ext uri="{C676402C-5697-4E1C-873F-D02D1690AC5C}">
+        <p15:threadingInfo xmlns:p15="http://schemas.microsoft.com/office/powerpoint/2012/main" timeZoneBias="-120"/>
+      </p:ext>
+    </p:extLst>
+  </p:cm>
+  <p:cm authorId="1" dt="2016-04-18T11:38:06.721" idx="2">
+    <p:pos x="146" y="146"/>
+    <p:text>SL tv category only consider one subcategory (ex only the TV)</p:text>
+    <p:extLst>
+      <p:ext uri="{C676402C-5697-4E1C-873F-D02D1690AC5C}">
+        <p15:threadingInfo xmlns:p15="http://schemas.microsoft.com/office/powerpoint/2012/main" timeZoneBias="-120"/>
+      </p:ext>
+    </p:extLst>
+  </p:cm>
+  <p:cm authorId="1" dt="2016-04-18T11:58:11.142" idx="3">
+    <p:pos x="282" y="282"/>
+    <p:text>no put content of the homepage in the diagrams, but modelled separate, put whatever you want</p:text>
+    <p:extLst>
+      <p:ext uri="{C676402C-5697-4E1C-873F-D02D1690AC5C}">
+        <p15:threadingInfo xmlns:p15="http://schemas.microsoft.com/office/powerpoint/2012/main" timeZoneBias="-120"/>
+      </p:ext>
+    </p:extLst>
+  </p:cm>
+</p:cmLst>
+</file>
+
 <file path=ppt/notesMasters/notesMaster1.xml><?xml version="1.0" encoding="utf-8"?>
 <p:notesMaster xmlns:a="http://schemas.openxmlformats.org/drawingml/2006/main" xmlns:r="http://schemas.openxmlformats.org/officeDocument/2006/relationships" xmlns:p="http://schemas.openxmlformats.org/presentationml/2006/main">
   <p:cSld>
@@ -210,7 +254,7 @@
           <a:p>
             <a:fld id="{51EC9344-52F1-48B5-A731-0BE7C59899F1}" type="datetimeFigureOut">
               <a:rPr lang="it-IT" smtClean="0"/>
-              <a:t>08/04/2016</a:t>
+              <a:t>20/04/2016</a:t>
             </a:fld>
             <a:endParaRPr lang="it-IT"/>
           </a:p>
@@ -833,7 +877,7 @@
             <a:fld id="{DA9D7BA9-B648-4591-B0AE-4433C67759B9}" type="datetimeFigureOut">
               <a:rPr lang="it-IT" smtClean="0"/>
               <a:pPr/>
-              <a:t>08/04/2016</a:t>
+              <a:t>20/04/2016</a:t>
             </a:fld>
             <a:endParaRPr lang="it-IT"/>
           </a:p>
@@ -1000,7 +1044,7 @@
             <a:fld id="{DA9D7BA9-B648-4591-B0AE-4433C67759B9}" type="datetimeFigureOut">
               <a:rPr lang="it-IT" smtClean="0"/>
               <a:pPr/>
-              <a:t>08/04/2016</a:t>
+              <a:t>20/04/2016</a:t>
             </a:fld>
             <a:endParaRPr lang="it-IT"/>
           </a:p>
@@ -1177,7 +1221,7 @@
             <a:fld id="{DA9D7BA9-B648-4591-B0AE-4433C67759B9}" type="datetimeFigureOut">
               <a:rPr lang="it-IT" smtClean="0"/>
               <a:pPr/>
-              <a:t>08/04/2016</a:t>
+              <a:t>20/04/2016</a:t>
             </a:fld>
             <a:endParaRPr lang="it-IT"/>
           </a:p>
@@ -1344,7 +1388,7 @@
             <a:fld id="{DA9D7BA9-B648-4591-B0AE-4433C67759B9}" type="datetimeFigureOut">
               <a:rPr lang="it-IT" smtClean="0"/>
               <a:pPr/>
-              <a:t>08/04/2016</a:t>
+              <a:t>20/04/2016</a:t>
             </a:fld>
             <a:endParaRPr lang="it-IT"/>
           </a:p>
@@ -1587,7 +1631,7 @@
             <a:fld id="{DA9D7BA9-B648-4591-B0AE-4433C67759B9}" type="datetimeFigureOut">
               <a:rPr lang="it-IT" smtClean="0"/>
               <a:pPr/>
-              <a:t>08/04/2016</a:t>
+              <a:t>20/04/2016</a:t>
             </a:fld>
             <a:endParaRPr lang="it-IT"/>
           </a:p>
@@ -1872,7 +1916,7 @@
             <a:fld id="{DA9D7BA9-B648-4591-B0AE-4433C67759B9}" type="datetimeFigureOut">
               <a:rPr lang="it-IT" smtClean="0"/>
               <a:pPr/>
-              <a:t>08/04/2016</a:t>
+              <a:t>20/04/2016</a:t>
             </a:fld>
             <a:endParaRPr lang="it-IT"/>
           </a:p>
@@ -2291,7 +2335,7 @@
             <a:fld id="{DA9D7BA9-B648-4591-B0AE-4433C67759B9}" type="datetimeFigureOut">
               <a:rPr lang="it-IT" smtClean="0"/>
               <a:pPr/>
-              <a:t>08/04/2016</a:t>
+              <a:t>20/04/2016</a:t>
             </a:fld>
             <a:endParaRPr lang="it-IT"/>
           </a:p>
@@ -2406,7 +2450,7 @@
             <a:fld id="{DA9D7BA9-B648-4591-B0AE-4433C67759B9}" type="datetimeFigureOut">
               <a:rPr lang="it-IT" smtClean="0"/>
               <a:pPr/>
-              <a:t>08/04/2016</a:t>
+              <a:t>20/04/2016</a:t>
             </a:fld>
             <a:endParaRPr lang="it-IT"/>
           </a:p>
@@ -2498,7 +2542,7 @@
             <a:fld id="{DA9D7BA9-B648-4591-B0AE-4433C67759B9}" type="datetimeFigureOut">
               <a:rPr lang="it-IT" smtClean="0"/>
               <a:pPr/>
-              <a:t>08/04/2016</a:t>
+              <a:t>20/04/2016</a:t>
             </a:fld>
             <a:endParaRPr lang="it-IT"/>
           </a:p>
@@ -2772,7 +2816,7 @@
             <a:fld id="{DA9D7BA9-B648-4591-B0AE-4433C67759B9}" type="datetimeFigureOut">
               <a:rPr lang="it-IT" smtClean="0"/>
               <a:pPr/>
-              <a:t>08/04/2016</a:t>
+              <a:t>20/04/2016</a:t>
             </a:fld>
             <a:endParaRPr lang="it-IT"/>
           </a:p>
@@ -3022,7 +3066,7 @@
             <a:fld id="{DA9D7BA9-B648-4591-B0AE-4433C67759B9}" type="datetimeFigureOut">
               <a:rPr lang="it-IT" smtClean="0"/>
               <a:pPr/>
-              <a:t>08/04/2016</a:t>
+              <a:t>20/04/2016</a:t>
             </a:fld>
             <a:endParaRPr lang="it-IT"/>
           </a:p>
@@ -3232,7 +3276,7 @@
             <a:fld id="{DA9D7BA9-B648-4591-B0AE-4433C67759B9}" type="datetimeFigureOut">
               <a:rPr lang="it-IT" smtClean="0"/>
               <a:pPr/>
-              <a:t>08/04/2016</a:t>
+              <a:t>20/04/2016</a:t>
             </a:fld>
             <a:endParaRPr lang="it-IT"/>
           </a:p>
@@ -3760,6 +3804,7 @@
           </a:bodyPr>
           <a:lstStyle/>
           <a:p>
+            <a:pPr algn="ctr"/>
             <a:r>
               <a:rPr lang="it-IT" sz="1600" i="1" dirty="0"/>
               <a:t>The </a:t>
@@ -5198,6 +5243,75 @@
           </a:p>
         </p:txBody>
       </p:sp>
+      <p:sp>
+        <p:nvSpPr>
+          <p:cNvPr id="56" name="AutoShape 21"/>
+          <p:cNvSpPr>
+            <a:spLocks noChangeArrowheads="1"/>
+          </p:cNvSpPr>
+          <p:nvPr/>
+        </p:nvSpPr>
+        <p:spPr bwMode="auto">
+          <a:xfrm>
+            <a:off x="8740653" y="3597024"/>
+            <a:ext cx="718911" cy="603553"/>
+          </a:xfrm>
+          <a:prstGeom prst="roundRect">
+            <a:avLst>
+              <a:gd name="adj" fmla="val 16667"/>
+            </a:avLst>
+          </a:prstGeom>
+          <a:solidFill>
+            <a:srgbClr val="EAEAEA"/>
+          </a:solidFill>
+          <a:ln w="9525">
+            <a:solidFill>
+              <a:schemeClr val="tx1"/>
+            </a:solidFill>
+            <a:round/>
+            <a:headEnd/>
+            <a:tailEnd/>
+          </a:ln>
+        </p:spPr>
+        <p:txBody>
+          <a:bodyPr wrap="none" lIns="62518" tIns="31259" rIns="62518" bIns="31259" anchor="ctr"/>
+          <a:lstStyle/>
+          <a:p>
+            <a:endParaRPr lang="en-US" sz="2400"/>
+          </a:p>
+        </p:txBody>
+      </p:sp>
+      <p:sp>
+        <p:nvSpPr>
+          <p:cNvPr id="57" name="TextBox 18"/>
+          <p:cNvSpPr txBox="1"/>
+          <p:nvPr/>
+        </p:nvSpPr>
+        <p:spPr>
+          <a:xfrm>
+            <a:off x="8189143" y="3019152"/>
+            <a:ext cx="1852502" cy="584775"/>
+          </a:xfrm>
+          <a:prstGeom prst="rect">
+            <a:avLst/>
+          </a:prstGeom>
+          <a:noFill/>
+        </p:spPr>
+        <p:txBody>
+          <a:bodyPr wrap="square" rtlCol="0">
+            <a:spAutoFit/>
+          </a:bodyPr>
+          <a:lstStyle/>
+          <a:p>
+            <a:pPr algn="ctr"/>
+            <a:r>
+              <a:rPr lang="en-US" sz="1600" i="1" dirty="0" smtClean="0"/>
+              <a:t>General Information Form</a:t>
+            </a:r>
+            <a:endParaRPr lang="en-US" sz="1600" i="1" dirty="0"/>
+          </a:p>
+        </p:txBody>
+      </p:sp>
     </p:spTree>
     <p:extLst>
       <p:ext uri="{BB962C8B-B14F-4D97-AF65-F5344CB8AC3E}">
@@ -5523,8 +5637,8 @@
         </p:nvCxnSpPr>
         <p:spPr>
           <a:xfrm flipH="1">
-            <a:off x="6791723" y="1841022"/>
-            <a:ext cx="1982568" cy="667"/>
+            <a:off x="6791723" y="1841688"/>
+            <a:ext cx="1965397" cy="1"/>
           </a:xfrm>
           <a:prstGeom prst="line">
             <a:avLst/>
@@ -7407,7 +7521,7 @@
         </p:nvGrpSpPr>
         <p:grpSpPr>
           <a:xfrm>
-            <a:off x="7321889" y="5198875"/>
+            <a:off x="7386438" y="5356374"/>
             <a:ext cx="2036932" cy="1264449"/>
             <a:chOff x="9696400" y="5017380"/>
             <a:chExt cx="2036932" cy="1264449"/>
@@ -8253,10 +8367,10 @@
         </p:nvGrpSpPr>
         <p:grpSpPr>
           <a:xfrm>
-            <a:off x="8796528" y="702438"/>
-            <a:ext cx="2052000" cy="1255227"/>
-            <a:chOff x="7875493" y="1397612"/>
-            <a:chExt cx="2052000" cy="1255227"/>
+            <a:off x="8774291" y="574630"/>
+            <a:ext cx="2869188" cy="1509977"/>
+            <a:chOff x="7875492" y="1305740"/>
+            <a:chExt cx="2869188" cy="1509977"/>
           </a:xfrm>
         </p:grpSpPr>
         <p:grpSp>
@@ -8267,10 +8381,10 @@
           </p:nvGrpSpPr>
           <p:grpSpPr>
             <a:xfrm>
-              <a:off x="7875493" y="1397612"/>
-              <a:ext cx="2052000" cy="1255227"/>
-              <a:chOff x="9408367" y="4756855"/>
-              <a:chExt cx="2056299" cy="1255227"/>
+              <a:off x="7875492" y="1305740"/>
+              <a:ext cx="2869188" cy="1509977"/>
+              <a:chOff x="9408366" y="4664983"/>
+              <a:chExt cx="2875199" cy="1509977"/>
             </a:xfrm>
           </p:grpSpPr>
           <p:grpSp>
@@ -8281,10 +8395,10 @@
             </p:nvGrpSpPr>
             <p:grpSpPr>
               <a:xfrm>
-                <a:off x="9408367" y="4756855"/>
-                <a:ext cx="2056299" cy="1255227"/>
-                <a:chOff x="6108269" y="4980760"/>
-                <a:chExt cx="3497353" cy="2143838"/>
+                <a:off x="9408366" y="4664983"/>
+                <a:ext cx="2875199" cy="1509977"/>
+                <a:chOff x="6108267" y="4823849"/>
+                <a:chExt cx="4890138" cy="2578933"/>
               </a:xfrm>
             </p:grpSpPr>
             <p:sp>
@@ -8295,8 +8409,8 @@
               </p:nvSpPr>
               <p:spPr>
                 <a:xfrm>
-                  <a:off x="6108269" y="5551118"/>
-                  <a:ext cx="3497353" cy="1573480"/>
+                  <a:off x="6108267" y="5441867"/>
+                  <a:ext cx="4890138" cy="1960915"/>
                 </a:xfrm>
                 <a:prstGeom prst="roundRect">
                   <a:avLst/>
@@ -8427,7 +8541,7 @@
               </p:nvSpPr>
               <p:spPr>
                 <a:xfrm>
-                  <a:off x="6359573" y="4980760"/>
+                  <a:off x="6920295" y="4823849"/>
                   <a:ext cx="2968172" cy="578226"/>
                 </a:xfrm>
                 <a:prstGeom prst="rect">
@@ -8552,8 +8666,8 @@
             </p:nvSpPr>
             <p:spPr>
               <a:xfrm>
-                <a:off x="9769501" y="5143881"/>
-                <a:ext cx="1675799" cy="738664"/>
+                <a:off x="9706128" y="5137860"/>
+                <a:ext cx="2486993" cy="954107"/>
               </a:xfrm>
               <a:prstGeom prst="rect">
                 <a:avLst/>
@@ -8687,6 +8801,20 @@
                   <a:t>FAQ</a:t>
                 </a:r>
               </a:p>
+              <a:p>
+                <a:r>
+                  <a:rPr lang="it-IT" sz="1400" dirty="0" smtClean="0"/>
+                  <a:t>Form for </a:t>
+                </a:r>
+                <a:r>
+                  <a:rPr lang="it-IT" sz="1400" dirty="0" err="1" smtClean="0"/>
+                  <a:t>subscription</a:t>
+                </a:r>
+                <a:r>
+                  <a:rPr lang="it-IT" sz="1400" dirty="0" smtClean="0"/>
+                  <a:t> to service</a:t>
+                </a:r>
+              </a:p>
             </p:txBody>
           </p:sp>
         </p:grpSp>
@@ -9094,8 +9222,8 @@
           </p:nvSpPr>
           <p:spPr>
             <a:xfrm>
-              <a:off x="7926342" y="1778617"/>
-              <a:ext cx="1951083" cy="830565"/>
+              <a:off x="7926341" y="1720949"/>
+              <a:ext cx="2750319" cy="1035073"/>
             </a:xfrm>
             <a:prstGeom prst="roundRect">
               <a:avLst/>
@@ -9464,8 +9592,8 @@
               </p:nvSpPr>
               <p:spPr>
                 <a:xfrm>
-                  <a:off x="9691595" y="5315600"/>
-                  <a:ext cx="1777610" cy="471684"/>
+                  <a:off x="9691595" y="5218489"/>
+                  <a:ext cx="1777610" cy="665907"/>
                 </a:xfrm>
                 <a:prstGeom prst="rect">
                   <a:avLst/>
@@ -9588,6 +9716,25 @@
                   </a:r>
                   <a:endParaRPr lang="it-IT" sz="1400" dirty="0" smtClean="0"/>
                 </a:p>
+                <a:p>
+                  <a:r>
+                    <a:rPr lang="it-IT" sz="1400" dirty="0" smtClean="0"/>
+                    <a:t>Form for </a:t>
+                  </a:r>
+                  <a:r>
+                    <a:rPr lang="it-IT" sz="1400" dirty="0" err="1" smtClean="0"/>
+                    <a:t>buying</a:t>
+                  </a:r>
+                  <a:r>
+                    <a:rPr lang="it-IT" sz="1400" dirty="0" smtClean="0"/>
+                    <a:t> </a:t>
+                  </a:r>
+                  <a:r>
+                    <a:rPr lang="it-IT" sz="1400" dirty="0" err="1" smtClean="0"/>
+                    <a:t>device</a:t>
+                  </a:r>
+                  <a:endParaRPr lang="it-IT" sz="1400" dirty="0" smtClean="0"/>
+                </a:p>
               </p:txBody>
             </p:sp>
           </p:grpSp>
@@ -9599,7 +9746,7 @@
             </p:nvSpPr>
             <p:spPr>
               <a:xfrm>
-                <a:off x="8043267" y="2036017"/>
+                <a:off x="8043267" y="1952491"/>
                 <a:ext cx="112635" cy="116835"/>
               </a:xfrm>
               <a:prstGeom prst="ellipse">
@@ -9788,7 +9935,7 @@
           </p:nvSpPr>
           <p:spPr>
             <a:xfrm>
-              <a:off x="1439520" y="1555258"/>
+              <a:off x="1437219" y="1455806"/>
               <a:ext cx="129600" cy="129600"/>
             </a:xfrm>
             <a:prstGeom prst="ellipse">
@@ -14203,7 +14350,7 @@
         </p:nvGrpSpPr>
         <p:grpSpPr>
           <a:xfrm>
-            <a:off x="9840416" y="2483175"/>
+            <a:off x="9840416" y="2570712"/>
             <a:ext cx="466281" cy="498248"/>
             <a:chOff x="6257635" y="827263"/>
             <a:chExt cx="2516909" cy="2898229"/>
@@ -14761,7 +14908,7 @@
         </p:nvSpPr>
         <p:spPr>
           <a:xfrm>
-            <a:off x="10235457" y="2425993"/>
+            <a:off x="10235457" y="2513530"/>
             <a:ext cx="1198543" cy="492443"/>
           </a:xfrm>
           <a:prstGeom prst="rect">
@@ -14902,7 +15049,7 @@
         </p:nvSpPr>
         <p:spPr>
           <a:xfrm rot="5400000">
-            <a:off x="9923334" y="2070470"/>
+            <a:off x="9923334" y="2158007"/>
             <a:ext cx="300446" cy="323802"/>
           </a:xfrm>
           <a:prstGeom prst="leftArrow">
@@ -15034,7 +15181,7 @@
         </p:nvSpPr>
         <p:spPr>
           <a:xfrm rot="5400000">
-            <a:off x="9923333" y="3007722"/>
+            <a:off x="9923333" y="3044868"/>
             <a:ext cx="300446" cy="323802"/>
           </a:xfrm>
           <a:prstGeom prst="leftArrow">
@@ -15166,7 +15313,7 @@
         </p:nvGrpSpPr>
         <p:grpSpPr>
           <a:xfrm>
-            <a:off x="9848142" y="3424729"/>
+            <a:off x="9848142" y="3496737"/>
             <a:ext cx="450828" cy="508327"/>
             <a:chOff x="4318000" y="2493818"/>
             <a:chExt cx="2921000" cy="3297382"/>
@@ -15368,7 +15515,7 @@
         </p:nvSpPr>
         <p:spPr>
           <a:xfrm>
-            <a:off x="10255243" y="3375359"/>
+            <a:off x="10255243" y="3440613"/>
             <a:ext cx="1198543" cy="492443"/>
           </a:xfrm>
           <a:prstGeom prst="rect">
@@ -15816,6 +15963,959 @@
           </p:txBody>
         </p:sp>
       </p:grpSp>
+      <p:grpSp>
+        <p:nvGrpSpPr>
+          <p:cNvPr id="195" name="Gruppo 194"/>
+          <p:cNvGrpSpPr/>
+          <p:nvPr/>
+        </p:nvGrpSpPr>
+        <p:grpSpPr>
+          <a:xfrm>
+            <a:off x="7330204" y="3987691"/>
+            <a:ext cx="2544136" cy="1096464"/>
+            <a:chOff x="9439797" y="4831519"/>
+            <a:chExt cx="2276190" cy="1060743"/>
+          </a:xfrm>
+        </p:grpSpPr>
+        <p:grpSp>
+          <p:nvGrpSpPr>
+            <p:cNvPr id="214" name="Gruppo 213"/>
+            <p:cNvGrpSpPr/>
+            <p:nvPr/>
+          </p:nvGrpSpPr>
+          <p:grpSpPr>
+            <a:xfrm>
+              <a:off x="9439797" y="4831519"/>
+              <a:ext cx="2276190" cy="1060743"/>
+              <a:chOff x="9151765" y="4561771"/>
+              <a:chExt cx="2276190" cy="1060743"/>
+            </a:xfrm>
+          </p:grpSpPr>
+          <p:grpSp>
+            <p:nvGrpSpPr>
+              <p:cNvPr id="218" name="Group 31"/>
+              <p:cNvGrpSpPr/>
+              <p:nvPr/>
+            </p:nvGrpSpPr>
+            <p:grpSpPr>
+              <a:xfrm>
+                <a:off x="9151765" y="4561771"/>
+                <a:ext cx="1775648" cy="1060743"/>
+                <a:chOff x="5671842" y="4647573"/>
+                <a:chExt cx="3020022" cy="1811674"/>
+              </a:xfrm>
+            </p:grpSpPr>
+            <p:sp>
+              <p:nvSpPr>
+                <p:cNvPr id="220" name="Rounded Rectangle 29"/>
+                <p:cNvSpPr/>
+                <p:nvPr/>
+              </p:nvSpPr>
+              <p:spPr>
+                <a:xfrm>
+                  <a:off x="6108271" y="5551117"/>
+                  <a:ext cx="1897321" cy="906129"/>
+                </a:xfrm>
+                <a:prstGeom prst="roundRect">
+                  <a:avLst/>
+                </a:prstGeom>
+              </p:spPr>
+              <p:style>
+                <a:lnRef idx="2">
+                  <a:schemeClr val="dk1"/>
+                </a:lnRef>
+                <a:fillRef idx="1">
+                  <a:schemeClr val="lt1"/>
+                </a:fillRef>
+                <a:effectRef idx="0">
+                  <a:schemeClr val="dk1"/>
+                </a:effectRef>
+                <a:fontRef idx="minor">
+                  <a:schemeClr val="dk1"/>
+                </a:fontRef>
+              </p:style>
+              <p:txBody>
+                <a:bodyPr rtlCol="0" anchor="ctr"/>
+                <a:lstStyle>
+                  <a:defPPr>
+                    <a:defRPr lang="it-IT"/>
+                  </a:defPPr>
+                  <a:lvl1pPr marL="0" algn="l" defTabSz="457200" rtl="0" eaLnBrk="1" latinLnBrk="0" hangingPunct="1">
+                    <a:defRPr sz="1800" kern="1200">
+                      <a:solidFill>
+                        <a:schemeClr val="dk1"/>
+                      </a:solidFill>
+                      <a:latin typeface="+mn-lt"/>
+                      <a:ea typeface="+mn-ea"/>
+                      <a:cs typeface="+mn-cs"/>
+                    </a:defRPr>
+                  </a:lvl1pPr>
+                  <a:lvl2pPr marL="457200" algn="l" defTabSz="457200" rtl="0" eaLnBrk="1" latinLnBrk="0" hangingPunct="1">
+                    <a:defRPr sz="1800" kern="1200">
+                      <a:solidFill>
+                        <a:schemeClr val="dk1"/>
+                      </a:solidFill>
+                      <a:latin typeface="+mn-lt"/>
+                      <a:ea typeface="+mn-ea"/>
+                      <a:cs typeface="+mn-cs"/>
+                    </a:defRPr>
+                  </a:lvl2pPr>
+                  <a:lvl3pPr marL="914400" algn="l" defTabSz="457200" rtl="0" eaLnBrk="1" latinLnBrk="0" hangingPunct="1">
+                    <a:defRPr sz="1800" kern="1200">
+                      <a:solidFill>
+                        <a:schemeClr val="dk1"/>
+                      </a:solidFill>
+                      <a:latin typeface="+mn-lt"/>
+                      <a:ea typeface="+mn-ea"/>
+                      <a:cs typeface="+mn-cs"/>
+                    </a:defRPr>
+                  </a:lvl3pPr>
+                  <a:lvl4pPr marL="1371600" algn="l" defTabSz="457200" rtl="0" eaLnBrk="1" latinLnBrk="0" hangingPunct="1">
+                    <a:defRPr sz="1800" kern="1200">
+                      <a:solidFill>
+                        <a:schemeClr val="dk1"/>
+                      </a:solidFill>
+                      <a:latin typeface="+mn-lt"/>
+                      <a:ea typeface="+mn-ea"/>
+                      <a:cs typeface="+mn-cs"/>
+                    </a:defRPr>
+                  </a:lvl4pPr>
+                  <a:lvl5pPr marL="1828800" algn="l" defTabSz="457200" rtl="0" eaLnBrk="1" latinLnBrk="0" hangingPunct="1">
+                    <a:defRPr sz="1800" kern="1200">
+                      <a:solidFill>
+                        <a:schemeClr val="dk1"/>
+                      </a:solidFill>
+                      <a:latin typeface="+mn-lt"/>
+                      <a:ea typeface="+mn-ea"/>
+                      <a:cs typeface="+mn-cs"/>
+                    </a:defRPr>
+                  </a:lvl5pPr>
+                  <a:lvl6pPr marL="2286000" algn="l" defTabSz="457200" rtl="0" eaLnBrk="1" latinLnBrk="0" hangingPunct="1">
+                    <a:defRPr sz="1800" kern="1200">
+                      <a:solidFill>
+                        <a:schemeClr val="dk1"/>
+                      </a:solidFill>
+                      <a:latin typeface="+mn-lt"/>
+                      <a:ea typeface="+mn-ea"/>
+                      <a:cs typeface="+mn-cs"/>
+                    </a:defRPr>
+                  </a:lvl6pPr>
+                  <a:lvl7pPr marL="2743200" algn="l" defTabSz="457200" rtl="0" eaLnBrk="1" latinLnBrk="0" hangingPunct="1">
+                    <a:defRPr sz="1800" kern="1200">
+                      <a:solidFill>
+                        <a:schemeClr val="dk1"/>
+                      </a:solidFill>
+                      <a:latin typeface="+mn-lt"/>
+                      <a:ea typeface="+mn-ea"/>
+                      <a:cs typeface="+mn-cs"/>
+                    </a:defRPr>
+                  </a:lvl7pPr>
+                  <a:lvl8pPr marL="3200400" algn="l" defTabSz="457200" rtl="0" eaLnBrk="1" latinLnBrk="0" hangingPunct="1">
+                    <a:defRPr sz="1800" kern="1200">
+                      <a:solidFill>
+                        <a:schemeClr val="dk1"/>
+                      </a:solidFill>
+                      <a:latin typeface="+mn-lt"/>
+                      <a:ea typeface="+mn-ea"/>
+                      <a:cs typeface="+mn-cs"/>
+                    </a:defRPr>
+                  </a:lvl8pPr>
+                  <a:lvl9pPr marL="3657600" algn="l" defTabSz="457200" rtl="0" eaLnBrk="1" latinLnBrk="0" hangingPunct="1">
+                    <a:defRPr sz="1800" kern="1200">
+                      <a:solidFill>
+                        <a:schemeClr val="dk1"/>
+                      </a:solidFill>
+                      <a:latin typeface="+mn-lt"/>
+                      <a:ea typeface="+mn-ea"/>
+                      <a:cs typeface="+mn-cs"/>
+                    </a:defRPr>
+                  </a:lvl9pPr>
+                </a:lstStyle>
+                <a:p>
+                  <a:pPr algn="ctr"/>
+                  <a:endParaRPr lang="it-IT" dirty="0"/>
+                </a:p>
+              </p:txBody>
+            </p:sp>
+            <p:sp>
+              <p:nvSpPr>
+                <p:cNvPr id="221" name="TextBox 30"/>
+                <p:cNvSpPr txBox="1"/>
+                <p:nvPr/>
+              </p:nvSpPr>
+              <p:spPr>
+                <a:xfrm>
+                  <a:off x="5671842" y="4647573"/>
+                  <a:ext cx="3020022" cy="998754"/>
+                </a:xfrm>
+                <a:prstGeom prst="rect">
+                  <a:avLst/>
+                </a:prstGeom>
+                <a:noFill/>
+              </p:spPr>
+              <p:txBody>
+                <a:bodyPr wrap="square" rtlCol="0">
+                  <a:spAutoFit/>
+                </a:bodyPr>
+                <a:lstStyle>
+                  <a:defPPr>
+                    <a:defRPr lang="it-IT"/>
+                  </a:defPPr>
+                  <a:lvl1pPr marL="0" algn="l" defTabSz="457200" rtl="0" eaLnBrk="1" latinLnBrk="0" hangingPunct="1">
+                    <a:defRPr sz="1800" kern="1200">
+                      <a:solidFill>
+                        <a:schemeClr val="tx1"/>
+                      </a:solidFill>
+                      <a:latin typeface="+mn-lt"/>
+                      <a:ea typeface="+mn-ea"/>
+                      <a:cs typeface="+mn-cs"/>
+                    </a:defRPr>
+                  </a:lvl1pPr>
+                  <a:lvl2pPr marL="457200" algn="l" defTabSz="457200" rtl="0" eaLnBrk="1" latinLnBrk="0" hangingPunct="1">
+                    <a:defRPr sz="1800" kern="1200">
+                      <a:solidFill>
+                        <a:schemeClr val="tx1"/>
+                      </a:solidFill>
+                      <a:latin typeface="+mn-lt"/>
+                      <a:ea typeface="+mn-ea"/>
+                      <a:cs typeface="+mn-cs"/>
+                    </a:defRPr>
+                  </a:lvl2pPr>
+                  <a:lvl3pPr marL="914400" algn="l" defTabSz="457200" rtl="0" eaLnBrk="1" latinLnBrk="0" hangingPunct="1">
+                    <a:defRPr sz="1800" kern="1200">
+                      <a:solidFill>
+                        <a:schemeClr val="tx1"/>
+                      </a:solidFill>
+                      <a:latin typeface="+mn-lt"/>
+                      <a:ea typeface="+mn-ea"/>
+                      <a:cs typeface="+mn-cs"/>
+                    </a:defRPr>
+                  </a:lvl3pPr>
+                  <a:lvl4pPr marL="1371600" algn="l" defTabSz="457200" rtl="0" eaLnBrk="1" latinLnBrk="0" hangingPunct="1">
+                    <a:defRPr sz="1800" kern="1200">
+                      <a:solidFill>
+                        <a:schemeClr val="tx1"/>
+                      </a:solidFill>
+                      <a:latin typeface="+mn-lt"/>
+                      <a:ea typeface="+mn-ea"/>
+                      <a:cs typeface="+mn-cs"/>
+                    </a:defRPr>
+                  </a:lvl4pPr>
+                  <a:lvl5pPr marL="1828800" algn="l" defTabSz="457200" rtl="0" eaLnBrk="1" latinLnBrk="0" hangingPunct="1">
+                    <a:defRPr sz="1800" kern="1200">
+                      <a:solidFill>
+                        <a:schemeClr val="tx1"/>
+                      </a:solidFill>
+                      <a:latin typeface="+mn-lt"/>
+                      <a:ea typeface="+mn-ea"/>
+                      <a:cs typeface="+mn-cs"/>
+                    </a:defRPr>
+                  </a:lvl5pPr>
+                  <a:lvl6pPr marL="2286000" algn="l" defTabSz="457200" rtl="0" eaLnBrk="1" latinLnBrk="0" hangingPunct="1">
+                    <a:defRPr sz="1800" kern="1200">
+                      <a:solidFill>
+                        <a:schemeClr val="tx1"/>
+                      </a:solidFill>
+                      <a:latin typeface="+mn-lt"/>
+                      <a:ea typeface="+mn-ea"/>
+                      <a:cs typeface="+mn-cs"/>
+                    </a:defRPr>
+                  </a:lvl6pPr>
+                  <a:lvl7pPr marL="2743200" algn="l" defTabSz="457200" rtl="0" eaLnBrk="1" latinLnBrk="0" hangingPunct="1">
+                    <a:defRPr sz="1800" kern="1200">
+                      <a:solidFill>
+                        <a:schemeClr val="tx1"/>
+                      </a:solidFill>
+                      <a:latin typeface="+mn-lt"/>
+                      <a:ea typeface="+mn-ea"/>
+                      <a:cs typeface="+mn-cs"/>
+                    </a:defRPr>
+                  </a:lvl7pPr>
+                  <a:lvl8pPr marL="3200400" algn="l" defTabSz="457200" rtl="0" eaLnBrk="1" latinLnBrk="0" hangingPunct="1">
+                    <a:defRPr sz="1800" kern="1200">
+                      <a:solidFill>
+                        <a:schemeClr val="tx1"/>
+                      </a:solidFill>
+                      <a:latin typeface="+mn-lt"/>
+                      <a:ea typeface="+mn-ea"/>
+                      <a:cs typeface="+mn-cs"/>
+                    </a:defRPr>
+                  </a:lvl8pPr>
+                  <a:lvl9pPr marL="3657600" algn="l" defTabSz="457200" rtl="0" eaLnBrk="1" latinLnBrk="0" hangingPunct="1">
+                    <a:defRPr sz="1800" kern="1200">
+                      <a:solidFill>
+                        <a:schemeClr val="tx1"/>
+                      </a:solidFill>
+                      <a:latin typeface="+mn-lt"/>
+                      <a:ea typeface="+mn-ea"/>
+                      <a:cs typeface="+mn-cs"/>
+                    </a:defRPr>
+                  </a:lvl9pPr>
+                </a:lstStyle>
+                <a:p>
+                  <a:pPr algn="ctr"/>
+                  <a:r>
+                    <a:rPr lang="it-IT" sz="1600" dirty="0" smtClean="0"/>
+                    <a:t>General Information Form</a:t>
+                  </a:r>
+                  <a:endParaRPr lang="it-IT" sz="1600" dirty="0"/>
+                </a:p>
+              </p:txBody>
+            </p:sp>
+            <p:sp>
+              <p:nvSpPr>
+                <p:cNvPr id="222" name="Rounded Rectangle 29"/>
+                <p:cNvSpPr/>
+                <p:nvPr/>
+              </p:nvSpPr>
+              <p:spPr>
+                <a:xfrm>
+                  <a:off x="6117690" y="5553118"/>
+                  <a:ext cx="1897321" cy="906129"/>
+                </a:xfrm>
+                <a:prstGeom prst="roundRect">
+                  <a:avLst/>
+                </a:prstGeom>
+              </p:spPr>
+              <p:style>
+                <a:lnRef idx="2">
+                  <a:schemeClr val="dk1"/>
+                </a:lnRef>
+                <a:fillRef idx="1">
+                  <a:schemeClr val="lt1"/>
+                </a:fillRef>
+                <a:effectRef idx="0">
+                  <a:schemeClr val="dk1"/>
+                </a:effectRef>
+                <a:fontRef idx="minor">
+                  <a:schemeClr val="dk1"/>
+                </a:fontRef>
+              </p:style>
+              <p:txBody>
+                <a:bodyPr rtlCol="0" anchor="ctr"/>
+                <a:lstStyle>
+                  <a:defPPr>
+                    <a:defRPr lang="it-IT"/>
+                  </a:defPPr>
+                  <a:lvl1pPr marL="0" algn="l" defTabSz="457200" rtl="0" eaLnBrk="1" latinLnBrk="0" hangingPunct="1">
+                    <a:defRPr sz="1800" kern="1200">
+                      <a:solidFill>
+                        <a:schemeClr val="dk1"/>
+                      </a:solidFill>
+                      <a:latin typeface="+mn-lt"/>
+                      <a:ea typeface="+mn-ea"/>
+                      <a:cs typeface="+mn-cs"/>
+                    </a:defRPr>
+                  </a:lvl1pPr>
+                  <a:lvl2pPr marL="457200" algn="l" defTabSz="457200" rtl="0" eaLnBrk="1" latinLnBrk="0" hangingPunct="1">
+                    <a:defRPr sz="1800" kern="1200">
+                      <a:solidFill>
+                        <a:schemeClr val="dk1"/>
+                      </a:solidFill>
+                      <a:latin typeface="+mn-lt"/>
+                      <a:ea typeface="+mn-ea"/>
+                      <a:cs typeface="+mn-cs"/>
+                    </a:defRPr>
+                  </a:lvl2pPr>
+                  <a:lvl3pPr marL="914400" algn="l" defTabSz="457200" rtl="0" eaLnBrk="1" latinLnBrk="0" hangingPunct="1">
+                    <a:defRPr sz="1800" kern="1200">
+                      <a:solidFill>
+                        <a:schemeClr val="dk1"/>
+                      </a:solidFill>
+                      <a:latin typeface="+mn-lt"/>
+                      <a:ea typeface="+mn-ea"/>
+                      <a:cs typeface="+mn-cs"/>
+                    </a:defRPr>
+                  </a:lvl3pPr>
+                  <a:lvl4pPr marL="1371600" algn="l" defTabSz="457200" rtl="0" eaLnBrk="1" latinLnBrk="0" hangingPunct="1">
+                    <a:defRPr sz="1800" kern="1200">
+                      <a:solidFill>
+                        <a:schemeClr val="dk1"/>
+                      </a:solidFill>
+                      <a:latin typeface="+mn-lt"/>
+                      <a:ea typeface="+mn-ea"/>
+                      <a:cs typeface="+mn-cs"/>
+                    </a:defRPr>
+                  </a:lvl4pPr>
+                  <a:lvl5pPr marL="1828800" algn="l" defTabSz="457200" rtl="0" eaLnBrk="1" latinLnBrk="0" hangingPunct="1">
+                    <a:defRPr sz="1800" kern="1200">
+                      <a:solidFill>
+                        <a:schemeClr val="dk1"/>
+                      </a:solidFill>
+                      <a:latin typeface="+mn-lt"/>
+                      <a:ea typeface="+mn-ea"/>
+                      <a:cs typeface="+mn-cs"/>
+                    </a:defRPr>
+                  </a:lvl5pPr>
+                  <a:lvl6pPr marL="2286000" algn="l" defTabSz="457200" rtl="0" eaLnBrk="1" latinLnBrk="0" hangingPunct="1">
+                    <a:defRPr sz="1800" kern="1200">
+                      <a:solidFill>
+                        <a:schemeClr val="dk1"/>
+                      </a:solidFill>
+                      <a:latin typeface="+mn-lt"/>
+                      <a:ea typeface="+mn-ea"/>
+                      <a:cs typeface="+mn-cs"/>
+                    </a:defRPr>
+                  </a:lvl6pPr>
+                  <a:lvl7pPr marL="2743200" algn="l" defTabSz="457200" rtl="0" eaLnBrk="1" latinLnBrk="0" hangingPunct="1">
+                    <a:defRPr sz="1800" kern="1200">
+                      <a:solidFill>
+                        <a:schemeClr val="dk1"/>
+                      </a:solidFill>
+                      <a:latin typeface="+mn-lt"/>
+                      <a:ea typeface="+mn-ea"/>
+                      <a:cs typeface="+mn-cs"/>
+                    </a:defRPr>
+                  </a:lvl7pPr>
+                  <a:lvl8pPr marL="3200400" algn="l" defTabSz="457200" rtl="0" eaLnBrk="1" latinLnBrk="0" hangingPunct="1">
+                    <a:defRPr sz="1800" kern="1200">
+                      <a:solidFill>
+                        <a:schemeClr val="dk1"/>
+                      </a:solidFill>
+                      <a:latin typeface="+mn-lt"/>
+                      <a:ea typeface="+mn-ea"/>
+                      <a:cs typeface="+mn-cs"/>
+                    </a:defRPr>
+                  </a:lvl8pPr>
+                  <a:lvl9pPr marL="3657600" algn="l" defTabSz="457200" rtl="0" eaLnBrk="1" latinLnBrk="0" hangingPunct="1">
+                    <a:defRPr sz="1800" kern="1200">
+                      <a:solidFill>
+                        <a:schemeClr val="dk1"/>
+                      </a:solidFill>
+                      <a:latin typeface="+mn-lt"/>
+                      <a:ea typeface="+mn-ea"/>
+                      <a:cs typeface="+mn-cs"/>
+                    </a:defRPr>
+                  </a:lvl9pPr>
+                </a:lstStyle>
+                <a:p>
+                  <a:pPr algn="ctr"/>
+                  <a:endParaRPr lang="it-IT" dirty="0"/>
+                </a:p>
+              </p:txBody>
+            </p:sp>
+          </p:grpSp>
+          <p:sp>
+            <p:nvSpPr>
+              <p:cNvPr id="219" name="TextBox 33"/>
+              <p:cNvSpPr txBox="1"/>
+              <p:nvPr/>
+            </p:nvSpPr>
+            <p:spPr>
+              <a:xfrm>
+                <a:off x="9752156" y="5202442"/>
+                <a:ext cx="1675799" cy="307777"/>
+              </a:xfrm>
+              <a:prstGeom prst="rect">
+                <a:avLst/>
+              </a:prstGeom>
+              <a:noFill/>
+            </p:spPr>
+            <p:txBody>
+              <a:bodyPr wrap="square" rtlCol="0" anchor="ctr" anchorCtr="0">
+                <a:spAutoFit/>
+              </a:bodyPr>
+              <a:lstStyle>
+                <a:defPPr>
+                  <a:defRPr lang="it-IT"/>
+                </a:defPPr>
+                <a:lvl1pPr marL="0" algn="l" defTabSz="457200" rtl="0" eaLnBrk="1" latinLnBrk="0" hangingPunct="1">
+                  <a:defRPr sz="1800" kern="1200">
+                    <a:solidFill>
+                      <a:schemeClr val="tx1"/>
+                    </a:solidFill>
+                    <a:latin typeface="+mn-lt"/>
+                    <a:ea typeface="+mn-ea"/>
+                    <a:cs typeface="+mn-cs"/>
+                  </a:defRPr>
+                </a:lvl1pPr>
+                <a:lvl2pPr marL="457200" algn="l" defTabSz="457200" rtl="0" eaLnBrk="1" latinLnBrk="0" hangingPunct="1">
+                  <a:defRPr sz="1800" kern="1200">
+                    <a:solidFill>
+                      <a:schemeClr val="tx1"/>
+                    </a:solidFill>
+                    <a:latin typeface="+mn-lt"/>
+                    <a:ea typeface="+mn-ea"/>
+                    <a:cs typeface="+mn-cs"/>
+                  </a:defRPr>
+                </a:lvl2pPr>
+                <a:lvl3pPr marL="914400" algn="l" defTabSz="457200" rtl="0" eaLnBrk="1" latinLnBrk="0" hangingPunct="1">
+                  <a:defRPr sz="1800" kern="1200">
+                    <a:solidFill>
+                      <a:schemeClr val="tx1"/>
+                    </a:solidFill>
+                    <a:latin typeface="+mn-lt"/>
+                    <a:ea typeface="+mn-ea"/>
+                    <a:cs typeface="+mn-cs"/>
+                  </a:defRPr>
+                </a:lvl3pPr>
+                <a:lvl4pPr marL="1371600" algn="l" defTabSz="457200" rtl="0" eaLnBrk="1" latinLnBrk="0" hangingPunct="1">
+                  <a:defRPr sz="1800" kern="1200">
+                    <a:solidFill>
+                      <a:schemeClr val="tx1"/>
+                    </a:solidFill>
+                    <a:latin typeface="+mn-lt"/>
+                    <a:ea typeface="+mn-ea"/>
+                    <a:cs typeface="+mn-cs"/>
+                  </a:defRPr>
+                </a:lvl4pPr>
+                <a:lvl5pPr marL="1828800" algn="l" defTabSz="457200" rtl="0" eaLnBrk="1" latinLnBrk="0" hangingPunct="1">
+                  <a:defRPr sz="1800" kern="1200">
+                    <a:solidFill>
+                      <a:schemeClr val="tx1"/>
+                    </a:solidFill>
+                    <a:latin typeface="+mn-lt"/>
+                    <a:ea typeface="+mn-ea"/>
+                    <a:cs typeface="+mn-cs"/>
+                  </a:defRPr>
+                </a:lvl5pPr>
+                <a:lvl6pPr marL="2286000" algn="l" defTabSz="457200" rtl="0" eaLnBrk="1" latinLnBrk="0" hangingPunct="1">
+                  <a:defRPr sz="1800" kern="1200">
+                    <a:solidFill>
+                      <a:schemeClr val="tx1"/>
+                    </a:solidFill>
+                    <a:latin typeface="+mn-lt"/>
+                    <a:ea typeface="+mn-ea"/>
+                    <a:cs typeface="+mn-cs"/>
+                  </a:defRPr>
+                </a:lvl6pPr>
+                <a:lvl7pPr marL="2743200" algn="l" defTabSz="457200" rtl="0" eaLnBrk="1" latinLnBrk="0" hangingPunct="1">
+                  <a:defRPr sz="1800" kern="1200">
+                    <a:solidFill>
+                      <a:schemeClr val="tx1"/>
+                    </a:solidFill>
+                    <a:latin typeface="+mn-lt"/>
+                    <a:ea typeface="+mn-ea"/>
+                    <a:cs typeface="+mn-cs"/>
+                  </a:defRPr>
+                </a:lvl7pPr>
+                <a:lvl8pPr marL="3200400" algn="l" defTabSz="457200" rtl="0" eaLnBrk="1" latinLnBrk="0" hangingPunct="1">
+                  <a:defRPr sz="1800" kern="1200">
+                    <a:solidFill>
+                      <a:schemeClr val="tx1"/>
+                    </a:solidFill>
+                    <a:latin typeface="+mn-lt"/>
+                    <a:ea typeface="+mn-ea"/>
+                    <a:cs typeface="+mn-cs"/>
+                  </a:defRPr>
+                </a:lvl8pPr>
+                <a:lvl9pPr marL="3657600" algn="l" defTabSz="457200" rtl="0" eaLnBrk="1" latinLnBrk="0" hangingPunct="1">
+                  <a:defRPr sz="1800" kern="1200">
+                    <a:solidFill>
+                      <a:schemeClr val="tx1"/>
+                    </a:solidFill>
+                    <a:latin typeface="+mn-lt"/>
+                    <a:ea typeface="+mn-ea"/>
+                    <a:cs typeface="+mn-cs"/>
+                  </a:defRPr>
+                </a:lvl9pPr>
+              </a:lstStyle>
+              <a:p>
+                <a:r>
+                  <a:rPr lang="it-IT" sz="1400" u="sng" dirty="0" smtClean="0"/>
+                  <a:t>Form</a:t>
+                </a:r>
+              </a:p>
+            </p:txBody>
+          </p:sp>
+        </p:grpSp>
+        <p:sp>
+          <p:nvSpPr>
+            <p:cNvPr id="217" name="Oval 32"/>
+            <p:cNvSpPr/>
+            <p:nvPr/>
+          </p:nvSpPr>
+          <p:spPr>
+            <a:xfrm>
+              <a:off x="9871392" y="5561279"/>
+              <a:ext cx="129600" cy="129600"/>
+            </a:xfrm>
+            <a:prstGeom prst="ellipse">
+              <a:avLst/>
+            </a:prstGeom>
+          </p:spPr>
+          <p:style>
+            <a:lnRef idx="1">
+              <a:schemeClr val="dk1"/>
+            </a:lnRef>
+            <a:fillRef idx="3">
+              <a:schemeClr val="dk1"/>
+            </a:fillRef>
+            <a:effectRef idx="2">
+              <a:schemeClr val="dk1"/>
+            </a:effectRef>
+            <a:fontRef idx="minor">
+              <a:schemeClr val="lt1"/>
+            </a:fontRef>
+          </p:style>
+          <p:txBody>
+            <a:bodyPr rtlCol="0" anchor="ctr" anchorCtr="0"/>
+            <a:lstStyle>
+              <a:defPPr>
+                <a:defRPr lang="it-IT"/>
+              </a:defPPr>
+              <a:lvl1pPr marL="0" algn="l" defTabSz="457200" rtl="0" eaLnBrk="1" latinLnBrk="0" hangingPunct="1">
+                <a:defRPr sz="1800" kern="1200">
+                  <a:solidFill>
+                    <a:schemeClr val="lt1"/>
+                  </a:solidFill>
+                  <a:latin typeface="+mn-lt"/>
+                  <a:ea typeface="+mn-ea"/>
+                  <a:cs typeface="+mn-cs"/>
+                </a:defRPr>
+              </a:lvl1pPr>
+              <a:lvl2pPr marL="457200" algn="l" defTabSz="457200" rtl="0" eaLnBrk="1" latinLnBrk="0" hangingPunct="1">
+                <a:defRPr sz="1800" kern="1200">
+                  <a:solidFill>
+                    <a:schemeClr val="lt1"/>
+                  </a:solidFill>
+                  <a:latin typeface="+mn-lt"/>
+                  <a:ea typeface="+mn-ea"/>
+                  <a:cs typeface="+mn-cs"/>
+                </a:defRPr>
+              </a:lvl2pPr>
+              <a:lvl3pPr marL="914400" algn="l" defTabSz="457200" rtl="0" eaLnBrk="1" latinLnBrk="0" hangingPunct="1">
+                <a:defRPr sz="1800" kern="1200">
+                  <a:solidFill>
+                    <a:schemeClr val="lt1"/>
+                  </a:solidFill>
+                  <a:latin typeface="+mn-lt"/>
+                  <a:ea typeface="+mn-ea"/>
+                  <a:cs typeface="+mn-cs"/>
+                </a:defRPr>
+              </a:lvl3pPr>
+              <a:lvl4pPr marL="1371600" algn="l" defTabSz="457200" rtl="0" eaLnBrk="1" latinLnBrk="0" hangingPunct="1">
+                <a:defRPr sz="1800" kern="1200">
+                  <a:solidFill>
+                    <a:schemeClr val="lt1"/>
+                  </a:solidFill>
+                  <a:latin typeface="+mn-lt"/>
+                  <a:ea typeface="+mn-ea"/>
+                  <a:cs typeface="+mn-cs"/>
+                </a:defRPr>
+              </a:lvl4pPr>
+              <a:lvl5pPr marL="1828800" algn="l" defTabSz="457200" rtl="0" eaLnBrk="1" latinLnBrk="0" hangingPunct="1">
+                <a:defRPr sz="1800" kern="1200">
+                  <a:solidFill>
+                    <a:schemeClr val="lt1"/>
+                  </a:solidFill>
+                  <a:latin typeface="+mn-lt"/>
+                  <a:ea typeface="+mn-ea"/>
+                  <a:cs typeface="+mn-cs"/>
+                </a:defRPr>
+              </a:lvl5pPr>
+              <a:lvl6pPr marL="2286000" algn="l" defTabSz="457200" rtl="0" eaLnBrk="1" latinLnBrk="0" hangingPunct="1">
+                <a:defRPr sz="1800" kern="1200">
+                  <a:solidFill>
+                    <a:schemeClr val="lt1"/>
+                  </a:solidFill>
+                  <a:latin typeface="+mn-lt"/>
+                  <a:ea typeface="+mn-ea"/>
+                  <a:cs typeface="+mn-cs"/>
+                </a:defRPr>
+              </a:lvl6pPr>
+              <a:lvl7pPr marL="2743200" algn="l" defTabSz="457200" rtl="0" eaLnBrk="1" latinLnBrk="0" hangingPunct="1">
+                <a:defRPr sz="1800" kern="1200">
+                  <a:solidFill>
+                    <a:schemeClr val="lt1"/>
+                  </a:solidFill>
+                  <a:latin typeface="+mn-lt"/>
+                  <a:ea typeface="+mn-ea"/>
+                  <a:cs typeface="+mn-cs"/>
+                </a:defRPr>
+              </a:lvl7pPr>
+              <a:lvl8pPr marL="3200400" algn="l" defTabSz="457200" rtl="0" eaLnBrk="1" latinLnBrk="0" hangingPunct="1">
+                <a:defRPr sz="1800" kern="1200">
+                  <a:solidFill>
+                    <a:schemeClr val="lt1"/>
+                  </a:solidFill>
+                  <a:latin typeface="+mn-lt"/>
+                  <a:ea typeface="+mn-ea"/>
+                  <a:cs typeface="+mn-cs"/>
+                </a:defRPr>
+              </a:lvl8pPr>
+              <a:lvl9pPr marL="3657600" algn="l" defTabSz="457200" rtl="0" eaLnBrk="1" latinLnBrk="0" hangingPunct="1">
+                <a:defRPr sz="1800" kern="1200">
+                  <a:solidFill>
+                    <a:schemeClr val="lt1"/>
+                  </a:solidFill>
+                  <a:latin typeface="+mn-lt"/>
+                  <a:ea typeface="+mn-ea"/>
+                  <a:cs typeface="+mn-cs"/>
+                </a:defRPr>
+              </a:lvl9pPr>
+            </a:lstStyle>
+            <a:p>
+              <a:pPr algn="ctr"/>
+              <a:endParaRPr lang="it-IT"/>
+            </a:p>
+          </p:txBody>
+        </p:sp>
+      </p:grpSp>
+      <p:sp>
+        <p:nvSpPr>
+          <p:cNvPr id="215" name="Oval 32"/>
+          <p:cNvSpPr/>
+          <p:nvPr/>
+        </p:nvSpPr>
+        <p:spPr>
+          <a:xfrm>
+            <a:off x="2377577" y="1659578"/>
+            <a:ext cx="129600" cy="129600"/>
+          </a:xfrm>
+          <a:prstGeom prst="ellipse">
+            <a:avLst/>
+          </a:prstGeom>
+        </p:spPr>
+        <p:style>
+          <a:lnRef idx="1">
+            <a:schemeClr val="dk1"/>
+          </a:lnRef>
+          <a:fillRef idx="3">
+            <a:schemeClr val="dk1"/>
+          </a:fillRef>
+          <a:effectRef idx="2">
+            <a:schemeClr val="dk1"/>
+          </a:effectRef>
+          <a:fontRef idx="minor">
+            <a:schemeClr val="lt1"/>
+          </a:fontRef>
+        </p:style>
+        <p:txBody>
+          <a:bodyPr rtlCol="0" anchor="ctr" anchorCtr="0"/>
+          <a:lstStyle>
+            <a:defPPr>
+              <a:defRPr lang="it-IT"/>
+            </a:defPPr>
+            <a:lvl1pPr marL="0" algn="l" defTabSz="457200" rtl="0" eaLnBrk="1" latinLnBrk="0" hangingPunct="1">
+              <a:defRPr sz="1800" kern="1200">
+                <a:solidFill>
+                  <a:schemeClr val="lt1"/>
+                </a:solidFill>
+                <a:latin typeface="+mn-lt"/>
+                <a:ea typeface="+mn-ea"/>
+                <a:cs typeface="+mn-cs"/>
+              </a:defRPr>
+            </a:lvl1pPr>
+            <a:lvl2pPr marL="457200" algn="l" defTabSz="457200" rtl="0" eaLnBrk="1" latinLnBrk="0" hangingPunct="1">
+              <a:defRPr sz="1800" kern="1200">
+                <a:solidFill>
+                  <a:schemeClr val="lt1"/>
+                </a:solidFill>
+                <a:latin typeface="+mn-lt"/>
+                <a:ea typeface="+mn-ea"/>
+                <a:cs typeface="+mn-cs"/>
+              </a:defRPr>
+            </a:lvl2pPr>
+            <a:lvl3pPr marL="914400" algn="l" defTabSz="457200" rtl="0" eaLnBrk="1" latinLnBrk="0" hangingPunct="1">
+              <a:defRPr sz="1800" kern="1200">
+                <a:solidFill>
+                  <a:schemeClr val="lt1"/>
+                </a:solidFill>
+                <a:latin typeface="+mn-lt"/>
+                <a:ea typeface="+mn-ea"/>
+                <a:cs typeface="+mn-cs"/>
+              </a:defRPr>
+            </a:lvl3pPr>
+            <a:lvl4pPr marL="1371600" algn="l" defTabSz="457200" rtl="0" eaLnBrk="1" latinLnBrk="0" hangingPunct="1">
+              <a:defRPr sz="1800" kern="1200">
+                <a:solidFill>
+                  <a:schemeClr val="lt1"/>
+                </a:solidFill>
+                <a:latin typeface="+mn-lt"/>
+                <a:ea typeface="+mn-ea"/>
+                <a:cs typeface="+mn-cs"/>
+              </a:defRPr>
+            </a:lvl4pPr>
+            <a:lvl5pPr marL="1828800" algn="l" defTabSz="457200" rtl="0" eaLnBrk="1" latinLnBrk="0" hangingPunct="1">
+              <a:defRPr sz="1800" kern="1200">
+                <a:solidFill>
+                  <a:schemeClr val="lt1"/>
+                </a:solidFill>
+                <a:latin typeface="+mn-lt"/>
+                <a:ea typeface="+mn-ea"/>
+                <a:cs typeface="+mn-cs"/>
+              </a:defRPr>
+            </a:lvl5pPr>
+            <a:lvl6pPr marL="2286000" algn="l" defTabSz="457200" rtl="0" eaLnBrk="1" latinLnBrk="0" hangingPunct="1">
+              <a:defRPr sz="1800" kern="1200">
+                <a:solidFill>
+                  <a:schemeClr val="lt1"/>
+                </a:solidFill>
+                <a:latin typeface="+mn-lt"/>
+                <a:ea typeface="+mn-ea"/>
+                <a:cs typeface="+mn-cs"/>
+              </a:defRPr>
+            </a:lvl6pPr>
+            <a:lvl7pPr marL="2743200" algn="l" defTabSz="457200" rtl="0" eaLnBrk="1" latinLnBrk="0" hangingPunct="1">
+              <a:defRPr sz="1800" kern="1200">
+                <a:solidFill>
+                  <a:schemeClr val="lt1"/>
+                </a:solidFill>
+                <a:latin typeface="+mn-lt"/>
+                <a:ea typeface="+mn-ea"/>
+                <a:cs typeface="+mn-cs"/>
+              </a:defRPr>
+            </a:lvl7pPr>
+            <a:lvl8pPr marL="3200400" algn="l" defTabSz="457200" rtl="0" eaLnBrk="1" latinLnBrk="0" hangingPunct="1">
+              <a:defRPr sz="1800" kern="1200">
+                <a:solidFill>
+                  <a:schemeClr val="lt1"/>
+                </a:solidFill>
+                <a:latin typeface="+mn-lt"/>
+                <a:ea typeface="+mn-ea"/>
+                <a:cs typeface="+mn-cs"/>
+              </a:defRPr>
+            </a:lvl8pPr>
+            <a:lvl9pPr marL="3657600" algn="l" defTabSz="457200" rtl="0" eaLnBrk="1" latinLnBrk="0" hangingPunct="1">
+              <a:defRPr sz="1800" kern="1200">
+                <a:solidFill>
+                  <a:schemeClr val="lt1"/>
+                </a:solidFill>
+                <a:latin typeface="+mn-lt"/>
+                <a:ea typeface="+mn-ea"/>
+                <a:cs typeface="+mn-cs"/>
+              </a:defRPr>
+            </a:lvl9pPr>
+          </a:lstStyle>
+          <a:p>
+            <a:pPr algn="ctr"/>
+            <a:endParaRPr lang="it-IT"/>
+          </a:p>
+        </p:txBody>
+      </p:sp>
+      <p:sp>
+        <p:nvSpPr>
+          <p:cNvPr id="216" name="Oval 32"/>
+          <p:cNvSpPr/>
+          <p:nvPr/>
+        </p:nvSpPr>
+        <p:spPr>
+          <a:xfrm>
+            <a:off x="8965759" y="1807997"/>
+            <a:ext cx="129329" cy="129600"/>
+          </a:xfrm>
+          <a:prstGeom prst="ellipse">
+            <a:avLst/>
+          </a:prstGeom>
+        </p:spPr>
+        <p:style>
+          <a:lnRef idx="1">
+            <a:schemeClr val="dk1"/>
+          </a:lnRef>
+          <a:fillRef idx="3">
+            <a:schemeClr val="dk1"/>
+          </a:fillRef>
+          <a:effectRef idx="2">
+            <a:schemeClr val="dk1"/>
+          </a:effectRef>
+          <a:fontRef idx="minor">
+            <a:schemeClr val="lt1"/>
+          </a:fontRef>
+        </p:style>
+        <p:txBody>
+          <a:bodyPr rtlCol="0" anchor="ctr" anchorCtr="0"/>
+          <a:lstStyle>
+            <a:defPPr>
+              <a:defRPr lang="it-IT"/>
+            </a:defPPr>
+            <a:lvl1pPr marL="0" algn="l" defTabSz="457200" rtl="0" eaLnBrk="1" latinLnBrk="0" hangingPunct="1">
+              <a:defRPr sz="1800" kern="1200">
+                <a:solidFill>
+                  <a:schemeClr val="lt1"/>
+                </a:solidFill>
+                <a:latin typeface="+mn-lt"/>
+                <a:ea typeface="+mn-ea"/>
+                <a:cs typeface="+mn-cs"/>
+              </a:defRPr>
+            </a:lvl1pPr>
+            <a:lvl2pPr marL="457200" algn="l" defTabSz="457200" rtl="0" eaLnBrk="1" latinLnBrk="0" hangingPunct="1">
+              <a:defRPr sz="1800" kern="1200">
+                <a:solidFill>
+                  <a:schemeClr val="lt1"/>
+                </a:solidFill>
+                <a:latin typeface="+mn-lt"/>
+                <a:ea typeface="+mn-ea"/>
+                <a:cs typeface="+mn-cs"/>
+              </a:defRPr>
+            </a:lvl2pPr>
+            <a:lvl3pPr marL="914400" algn="l" defTabSz="457200" rtl="0" eaLnBrk="1" latinLnBrk="0" hangingPunct="1">
+              <a:defRPr sz="1800" kern="1200">
+                <a:solidFill>
+                  <a:schemeClr val="lt1"/>
+                </a:solidFill>
+                <a:latin typeface="+mn-lt"/>
+                <a:ea typeface="+mn-ea"/>
+                <a:cs typeface="+mn-cs"/>
+              </a:defRPr>
+            </a:lvl3pPr>
+            <a:lvl4pPr marL="1371600" algn="l" defTabSz="457200" rtl="0" eaLnBrk="1" latinLnBrk="0" hangingPunct="1">
+              <a:defRPr sz="1800" kern="1200">
+                <a:solidFill>
+                  <a:schemeClr val="lt1"/>
+                </a:solidFill>
+                <a:latin typeface="+mn-lt"/>
+                <a:ea typeface="+mn-ea"/>
+                <a:cs typeface="+mn-cs"/>
+              </a:defRPr>
+            </a:lvl4pPr>
+            <a:lvl5pPr marL="1828800" algn="l" defTabSz="457200" rtl="0" eaLnBrk="1" latinLnBrk="0" hangingPunct="1">
+              <a:defRPr sz="1800" kern="1200">
+                <a:solidFill>
+                  <a:schemeClr val="lt1"/>
+                </a:solidFill>
+                <a:latin typeface="+mn-lt"/>
+                <a:ea typeface="+mn-ea"/>
+                <a:cs typeface="+mn-cs"/>
+              </a:defRPr>
+            </a:lvl5pPr>
+            <a:lvl6pPr marL="2286000" algn="l" defTabSz="457200" rtl="0" eaLnBrk="1" latinLnBrk="0" hangingPunct="1">
+              <a:defRPr sz="1800" kern="1200">
+                <a:solidFill>
+                  <a:schemeClr val="lt1"/>
+                </a:solidFill>
+                <a:latin typeface="+mn-lt"/>
+                <a:ea typeface="+mn-ea"/>
+                <a:cs typeface="+mn-cs"/>
+              </a:defRPr>
+            </a:lvl6pPr>
+            <a:lvl7pPr marL="2743200" algn="l" defTabSz="457200" rtl="0" eaLnBrk="1" latinLnBrk="0" hangingPunct="1">
+              <a:defRPr sz="1800" kern="1200">
+                <a:solidFill>
+                  <a:schemeClr val="lt1"/>
+                </a:solidFill>
+                <a:latin typeface="+mn-lt"/>
+                <a:ea typeface="+mn-ea"/>
+                <a:cs typeface="+mn-cs"/>
+              </a:defRPr>
+            </a:lvl7pPr>
+            <a:lvl8pPr marL="3200400" algn="l" defTabSz="457200" rtl="0" eaLnBrk="1" latinLnBrk="0" hangingPunct="1">
+              <a:defRPr sz="1800" kern="1200">
+                <a:solidFill>
+                  <a:schemeClr val="lt1"/>
+                </a:solidFill>
+                <a:latin typeface="+mn-lt"/>
+                <a:ea typeface="+mn-ea"/>
+                <a:cs typeface="+mn-cs"/>
+              </a:defRPr>
+            </a:lvl8pPr>
+            <a:lvl9pPr marL="3657600" algn="l" defTabSz="457200" rtl="0" eaLnBrk="1" latinLnBrk="0" hangingPunct="1">
+              <a:defRPr sz="1800" kern="1200">
+                <a:solidFill>
+                  <a:schemeClr val="lt1"/>
+                </a:solidFill>
+                <a:latin typeface="+mn-lt"/>
+                <a:ea typeface="+mn-ea"/>
+                <a:cs typeface="+mn-cs"/>
+              </a:defRPr>
+            </a:lvl9pPr>
+          </a:lstStyle>
+          <a:p>
+            <a:pPr algn="ctr"/>
+            <a:endParaRPr lang="it-IT"/>
+          </a:p>
+        </p:txBody>
+      </p:sp>
     </p:spTree>
     <p:extLst>
       <p:ext uri="{BB962C8B-B14F-4D97-AF65-F5344CB8AC3E}">
@@ -16319,8 +17419,8 @@
         </p:nvCxnSpPr>
         <p:spPr>
           <a:xfrm rot="10800000" flipV="1">
-            <a:off x="3531751" y="646998"/>
-            <a:ext cx="1752656" cy="627314"/>
+            <a:off x="3322601" y="646998"/>
+            <a:ext cx="1961807" cy="627314"/>
           </a:xfrm>
           <a:prstGeom prst="bentConnector2">
             <a:avLst/>
@@ -16390,8 +17490,8 @@
         </p:nvCxnSpPr>
         <p:spPr>
           <a:xfrm>
-            <a:off x="3707138" y="2072114"/>
-            <a:ext cx="314452" cy="740121"/>
+            <a:off x="3479702" y="2017188"/>
+            <a:ext cx="541888" cy="795047"/>
           </a:xfrm>
           <a:prstGeom prst="straightConnector1">
             <a:avLst/>
@@ -16455,7 +17555,7 @@
         </p:nvGrpSpPr>
         <p:grpSpPr>
           <a:xfrm>
-            <a:off x="2920775" y="1234451"/>
+            <a:off x="2711624" y="1234451"/>
             <a:ext cx="1259148" cy="807806"/>
             <a:chOff x="3611368" y="1743964"/>
             <a:chExt cx="1492030" cy="957212"/>
@@ -17467,8 +18567,8 @@
         </p:nvCxnSpPr>
         <p:spPr>
           <a:xfrm flipH="1">
-            <a:off x="2996310" y="2000602"/>
-            <a:ext cx="319737" cy="337845"/>
+            <a:off x="2996310" y="2038140"/>
+            <a:ext cx="204080" cy="300307"/>
           </a:xfrm>
           <a:prstGeom prst="straightConnector1">
             <a:avLst/>
@@ -18528,7 +19628,7 @@
         </p:nvSpPr>
         <p:spPr>
           <a:xfrm>
-            <a:off x="3460914" y="2134435"/>
+            <a:off x="3347518" y="2144101"/>
             <a:ext cx="976055" cy="369332"/>
           </a:xfrm>
           <a:prstGeom prst="rect">
@@ -23984,7 +25084,7 @@
         </p:nvGrpSpPr>
         <p:grpSpPr>
           <a:xfrm>
-            <a:off x="4610302" y="1137586"/>
+            <a:off x="4610339" y="1187756"/>
             <a:ext cx="492396" cy="529496"/>
             <a:chOff x="4832902" y="2182022"/>
             <a:chExt cx="1106156" cy="830950"/>
@@ -24172,14 +25272,14 @@
           <p:cNvPr id="248" name="Shape 54"/>
           <p:cNvCxnSpPr>
             <a:stCxn id="5" idx="2"/>
-            <a:endCxn id="242" idx="3"/>
+            <a:endCxn id="230" idx="0"/>
           </p:cNvCxnSpPr>
           <p:nvPr/>
         </p:nvCxnSpPr>
         <p:spPr>
           <a:xfrm rot="10800000" flipV="1">
-            <a:off x="4856501" y="646998"/>
-            <a:ext cx="427907" cy="490588"/>
+            <a:off x="4870497" y="646998"/>
+            <a:ext cx="413911" cy="475328"/>
           </a:xfrm>
           <a:prstGeom prst="bentConnector2">
             <a:avLst/>
@@ -24211,7 +25311,7 @@
         </p:nvSpPr>
         <p:spPr>
           <a:xfrm>
-            <a:off x="4265754" y="1636679"/>
+            <a:off x="4265754" y="1698870"/>
             <a:ext cx="1182174" cy="646331"/>
           </a:xfrm>
           <a:prstGeom prst="rect">
@@ -24291,35 +25391,11 @@
           </a:lstStyle>
           <a:p>
             <a:r>
-              <a:rPr lang="it-IT" dirty="0" err="1">
-                <a:ln w="0"/>
-                <a:solidFill>
-                  <a:srgbClr val="FFFF00"/>
-                </a:solidFill>
-                <a:effectLst>
-                  <a:outerShdw blurRad="38100" dist="19050" dir="2700000" algn="tl" rotWithShape="0">
-                    <a:schemeClr val="dk1">
-                      <a:alpha val="40000"/>
-                    </a:schemeClr>
-                  </a:outerShdw>
-                </a:effectLst>
-              </a:rPr>
+              <a:rPr lang="it-IT" dirty="0" err="1"/>
               <a:t>Available</a:t>
             </a:r>
             <a:r>
-              <a:rPr lang="it-IT" dirty="0">
-                <a:ln w="0"/>
-                <a:solidFill>
-                  <a:srgbClr val="FFFF00"/>
-                </a:solidFill>
-                <a:effectLst>
-                  <a:outerShdw blurRad="38100" dist="19050" dir="2700000" algn="tl" rotWithShape="0">
-                    <a:schemeClr val="dk1">
-                      <a:alpha val="40000"/>
-                    </a:schemeClr>
-                  </a:outerShdw>
-                </a:effectLst>
-              </a:rPr>
+              <a:rPr lang="it-IT" dirty="0"/>
               <a:t> SL Service</a:t>
             </a:r>
           </a:p>
@@ -24328,7 +25404,6 @@
               <a:rPr lang="it-IT" dirty="0"/>
               <a:t>1:5</a:t>
             </a:r>
-            <a:endParaRPr lang="it-IT" dirty="0"/>
           </a:p>
         </p:txBody>
       </p:sp>
@@ -24405,44 +25480,6 @@
           <a:p>
             <a:pPr algn="ctr"/>
             <a:endParaRPr lang="it-IT"/>
-          </a:p>
-        </p:txBody>
-      </p:sp>
-      <p:sp>
-        <p:nvSpPr>
-          <p:cNvPr id="210" name="Quad Arrow 194"/>
-          <p:cNvSpPr/>
-          <p:nvPr/>
-        </p:nvSpPr>
-        <p:spPr>
-          <a:xfrm>
-            <a:off x="4510532" y="1404424"/>
-            <a:ext cx="294419" cy="294419"/>
-          </a:xfrm>
-          <a:prstGeom prst="quadArrow">
-            <a:avLst/>
-          </a:prstGeom>
-        </p:spPr>
-        <p:style>
-          <a:lnRef idx="1">
-            <a:schemeClr val="dk1"/>
-          </a:lnRef>
-          <a:fillRef idx="3">
-            <a:schemeClr val="dk1"/>
-          </a:fillRef>
-          <a:effectRef idx="2">
-            <a:schemeClr val="dk1"/>
-          </a:effectRef>
-          <a:fontRef idx="minor">
-            <a:schemeClr val="lt1"/>
-          </a:fontRef>
-        </p:style>
-        <p:txBody>
-          <a:bodyPr rtlCol="0" anchor="ctr"/>
-          <a:lstStyle/>
-          <a:p>
-            <a:pPr algn="ctr"/>
-            <a:endParaRPr lang="en-US"/>
           </a:p>
         </p:txBody>
       </p:sp>
@@ -24526,7 +25563,7 @@
         </p:nvSpPr>
         <p:spPr>
           <a:xfrm>
-            <a:off x="6921907" y="3947138"/>
+            <a:off x="6958014" y="3872962"/>
             <a:ext cx="976055" cy="369332"/>
           </a:xfrm>
           <a:prstGeom prst="rect">
@@ -24545,18 +25582,13 @@
           <a:p>
             <a:pPr algn="ctr"/>
             <a:r>
-              <a:rPr lang="it-IT" dirty="0" smtClean="0">
+              <a:rPr lang="it-IT" dirty="0">
                 <a:solidFill>
-                  <a:srgbClr val="FFFF00"/>
+                  <a:schemeClr val="dk1"/>
                 </a:solidFill>
               </a:rPr>
               <a:t>I + GT </a:t>
             </a:r>
-            <a:endParaRPr lang="it-IT" dirty="0">
-              <a:solidFill>
-                <a:srgbClr val="FFFF00"/>
-              </a:solidFill>
-            </a:endParaRPr>
           </a:p>
         </p:txBody>
       </p:sp>
@@ -24587,18 +25619,13 @@
           <a:p>
             <a:pPr algn="ctr"/>
             <a:r>
-              <a:rPr lang="it-IT" dirty="0" smtClean="0">
+              <a:rPr lang="it-IT" dirty="0">
                 <a:solidFill>
-                  <a:srgbClr val="FFFF00"/>
+                  <a:schemeClr val="dk1"/>
                 </a:solidFill>
               </a:rPr>
               <a:t>I + GT </a:t>
             </a:r>
-            <a:endParaRPr lang="it-IT" dirty="0">
-              <a:solidFill>
-                <a:srgbClr val="FFFF00"/>
-              </a:solidFill>
-            </a:endParaRPr>
           </a:p>
         </p:txBody>
       </p:sp>
@@ -25430,6 +26457,352 @@
           </p:txBody>
         </p:sp>
       </p:grpSp>
+      <p:sp>
+        <p:nvSpPr>
+          <p:cNvPr id="230" name="Rectangle 23"/>
+          <p:cNvSpPr/>
+          <p:nvPr/>
+        </p:nvSpPr>
+        <p:spPr>
+          <a:xfrm>
+            <a:off x="4265754" y="1122326"/>
+            <a:ext cx="1209483" cy="1212492"/>
+          </a:xfrm>
+          <a:prstGeom prst="rect">
+            <a:avLst/>
+          </a:prstGeom>
+          <a:noFill/>
+          <a:ln>
+            <a:solidFill>
+              <a:schemeClr val="tx1"/>
+            </a:solidFill>
+            <a:prstDash val="dash"/>
+          </a:ln>
+        </p:spPr>
+        <p:style>
+          <a:lnRef idx="2">
+            <a:schemeClr val="accent1"/>
+          </a:lnRef>
+          <a:fillRef idx="1">
+            <a:schemeClr val="lt1"/>
+          </a:fillRef>
+          <a:effectRef idx="0">
+            <a:schemeClr val="accent1"/>
+          </a:effectRef>
+          <a:fontRef idx="minor">
+            <a:schemeClr val="dk1"/>
+          </a:fontRef>
+        </p:style>
+        <p:txBody>
+          <a:bodyPr rtlCol="0" anchor="ctr"/>
+          <a:lstStyle/>
+          <a:p>
+            <a:pPr algn="ctr"/>
+            <a:endParaRPr lang="it-IT"/>
+          </a:p>
+        </p:txBody>
+      </p:sp>
+      <p:sp>
+        <p:nvSpPr>
+          <p:cNvPr id="246" name="Quad Arrow 194"/>
+          <p:cNvSpPr/>
+          <p:nvPr/>
+        </p:nvSpPr>
+        <p:spPr>
+          <a:xfrm>
+            <a:off x="4191342" y="1072662"/>
+            <a:ext cx="432000" cy="432000"/>
+          </a:xfrm>
+          <a:prstGeom prst="quadArrow">
+            <a:avLst/>
+          </a:prstGeom>
+        </p:spPr>
+        <p:style>
+          <a:lnRef idx="1">
+            <a:schemeClr val="dk1"/>
+          </a:lnRef>
+          <a:fillRef idx="3">
+            <a:schemeClr val="dk1"/>
+          </a:fillRef>
+          <a:effectRef idx="2">
+            <a:schemeClr val="dk1"/>
+          </a:effectRef>
+          <a:fontRef idx="minor">
+            <a:schemeClr val="lt1"/>
+          </a:fontRef>
+        </p:style>
+        <p:txBody>
+          <a:bodyPr rtlCol="0" anchor="ctr"/>
+          <a:lstStyle/>
+          <a:p>
+            <a:pPr algn="ctr"/>
+            <a:endParaRPr lang="en-US"/>
+          </a:p>
+        </p:txBody>
+      </p:sp>
+      <p:sp>
+        <p:nvSpPr>
+          <p:cNvPr id="22" name="Esagono 21"/>
+          <p:cNvSpPr/>
+          <p:nvPr/>
+        </p:nvSpPr>
+        <p:spPr>
+          <a:xfrm>
+            <a:off x="6376362" y="2881020"/>
+            <a:ext cx="250266" cy="290246"/>
+          </a:xfrm>
+          <a:custGeom>
+            <a:avLst/>
+            <a:gdLst>
+              <a:gd name="connsiteX0" fmla="*/ 0 w 416721"/>
+              <a:gd name="connsiteY0" fmla="*/ 164667 h 329333"/>
+              <a:gd name="connsiteX1" fmla="*/ 82333 w 416721"/>
+              <a:gd name="connsiteY1" fmla="*/ 0 h 329333"/>
+              <a:gd name="connsiteX2" fmla="*/ 334388 w 416721"/>
+              <a:gd name="connsiteY2" fmla="*/ 0 h 329333"/>
+              <a:gd name="connsiteX3" fmla="*/ 416721 w 416721"/>
+              <a:gd name="connsiteY3" fmla="*/ 164667 h 329333"/>
+              <a:gd name="connsiteX4" fmla="*/ 334388 w 416721"/>
+              <a:gd name="connsiteY4" fmla="*/ 329333 h 329333"/>
+              <a:gd name="connsiteX5" fmla="*/ 82333 w 416721"/>
+              <a:gd name="connsiteY5" fmla="*/ 329333 h 329333"/>
+              <a:gd name="connsiteX6" fmla="*/ 0 w 416721"/>
+              <a:gd name="connsiteY6" fmla="*/ 164667 h 329333"/>
+              <a:gd name="connsiteX0" fmla="*/ 131027 w 334388"/>
+              <a:gd name="connsiteY0" fmla="*/ 166572 h 329333"/>
+              <a:gd name="connsiteX1" fmla="*/ 0 w 334388"/>
+              <a:gd name="connsiteY1" fmla="*/ 0 h 329333"/>
+              <a:gd name="connsiteX2" fmla="*/ 252055 w 334388"/>
+              <a:gd name="connsiteY2" fmla="*/ 0 h 329333"/>
+              <a:gd name="connsiteX3" fmla="*/ 334388 w 334388"/>
+              <a:gd name="connsiteY3" fmla="*/ 164667 h 329333"/>
+              <a:gd name="connsiteX4" fmla="*/ 252055 w 334388"/>
+              <a:gd name="connsiteY4" fmla="*/ 329333 h 329333"/>
+              <a:gd name="connsiteX5" fmla="*/ 0 w 334388"/>
+              <a:gd name="connsiteY5" fmla="*/ 329333 h 329333"/>
+              <a:gd name="connsiteX6" fmla="*/ 131027 w 334388"/>
+              <a:gd name="connsiteY6" fmla="*/ 166572 h 329333"/>
+              <a:gd name="connsiteX0" fmla="*/ 131027 w 252055"/>
+              <a:gd name="connsiteY0" fmla="*/ 166572 h 329333"/>
+              <a:gd name="connsiteX1" fmla="*/ 0 w 252055"/>
+              <a:gd name="connsiteY1" fmla="*/ 0 h 329333"/>
+              <a:gd name="connsiteX2" fmla="*/ 252055 w 252055"/>
+              <a:gd name="connsiteY2" fmla="*/ 0 h 329333"/>
+              <a:gd name="connsiteX3" fmla="*/ 157223 w 252055"/>
+              <a:gd name="connsiteY3" fmla="*/ 166572 h 329333"/>
+              <a:gd name="connsiteX4" fmla="*/ 252055 w 252055"/>
+              <a:gd name="connsiteY4" fmla="*/ 329333 h 329333"/>
+              <a:gd name="connsiteX5" fmla="*/ 0 w 252055"/>
+              <a:gd name="connsiteY5" fmla="*/ 329333 h 329333"/>
+              <a:gd name="connsiteX6" fmla="*/ 131027 w 252055"/>
+              <a:gd name="connsiteY6" fmla="*/ 166572 h 329333"/>
+              <a:gd name="connsiteX0" fmla="*/ 131027 w 252055"/>
+              <a:gd name="connsiteY0" fmla="*/ 166572 h 329333"/>
+              <a:gd name="connsiteX1" fmla="*/ 0 w 252055"/>
+              <a:gd name="connsiteY1" fmla="*/ 0 h 329333"/>
+              <a:gd name="connsiteX2" fmla="*/ 252055 w 252055"/>
+              <a:gd name="connsiteY2" fmla="*/ 0 h 329333"/>
+              <a:gd name="connsiteX3" fmla="*/ 157223 w 252055"/>
+              <a:gd name="connsiteY3" fmla="*/ 166572 h 329333"/>
+              <a:gd name="connsiteX4" fmla="*/ 166330 w 252055"/>
+              <a:gd name="connsiteY4" fmla="*/ 321713 h 329333"/>
+              <a:gd name="connsiteX5" fmla="*/ 0 w 252055"/>
+              <a:gd name="connsiteY5" fmla="*/ 329333 h 329333"/>
+              <a:gd name="connsiteX6" fmla="*/ 131027 w 252055"/>
+              <a:gd name="connsiteY6" fmla="*/ 166572 h 329333"/>
+              <a:gd name="connsiteX0" fmla="*/ 131027 w 252055"/>
+              <a:gd name="connsiteY0" fmla="*/ 166572 h 333143"/>
+              <a:gd name="connsiteX1" fmla="*/ 0 w 252055"/>
+              <a:gd name="connsiteY1" fmla="*/ 0 h 333143"/>
+              <a:gd name="connsiteX2" fmla="*/ 252055 w 252055"/>
+              <a:gd name="connsiteY2" fmla="*/ 0 h 333143"/>
+              <a:gd name="connsiteX3" fmla="*/ 157223 w 252055"/>
+              <a:gd name="connsiteY3" fmla="*/ 166572 h 333143"/>
+              <a:gd name="connsiteX4" fmla="*/ 166330 w 252055"/>
+              <a:gd name="connsiteY4" fmla="*/ 321713 h 333143"/>
+              <a:gd name="connsiteX5" fmla="*/ 131445 w 252055"/>
+              <a:gd name="connsiteY5" fmla="*/ 333143 h 333143"/>
+              <a:gd name="connsiteX6" fmla="*/ 131027 w 252055"/>
+              <a:gd name="connsiteY6" fmla="*/ 166572 h 333143"/>
+              <a:gd name="connsiteX0" fmla="*/ 131027 w 252055"/>
+              <a:gd name="connsiteY0" fmla="*/ 166572 h 354098"/>
+              <a:gd name="connsiteX1" fmla="*/ 0 w 252055"/>
+              <a:gd name="connsiteY1" fmla="*/ 0 h 354098"/>
+              <a:gd name="connsiteX2" fmla="*/ 252055 w 252055"/>
+              <a:gd name="connsiteY2" fmla="*/ 0 h 354098"/>
+              <a:gd name="connsiteX3" fmla="*/ 157223 w 252055"/>
+              <a:gd name="connsiteY3" fmla="*/ 166572 h 354098"/>
+              <a:gd name="connsiteX4" fmla="*/ 158710 w 252055"/>
+              <a:gd name="connsiteY4" fmla="*/ 354098 h 354098"/>
+              <a:gd name="connsiteX5" fmla="*/ 131445 w 252055"/>
+              <a:gd name="connsiteY5" fmla="*/ 333143 h 354098"/>
+              <a:gd name="connsiteX6" fmla="*/ 131027 w 252055"/>
+              <a:gd name="connsiteY6" fmla="*/ 166572 h 354098"/>
+              <a:gd name="connsiteX0" fmla="*/ 131027 w 288250"/>
+              <a:gd name="connsiteY0" fmla="*/ 166572 h 354098"/>
+              <a:gd name="connsiteX1" fmla="*/ 0 w 288250"/>
+              <a:gd name="connsiteY1" fmla="*/ 0 h 354098"/>
+              <a:gd name="connsiteX2" fmla="*/ 288250 w 288250"/>
+              <a:gd name="connsiteY2" fmla="*/ 0 h 354098"/>
+              <a:gd name="connsiteX3" fmla="*/ 157223 w 288250"/>
+              <a:gd name="connsiteY3" fmla="*/ 166572 h 354098"/>
+              <a:gd name="connsiteX4" fmla="*/ 158710 w 288250"/>
+              <a:gd name="connsiteY4" fmla="*/ 354098 h 354098"/>
+              <a:gd name="connsiteX5" fmla="*/ 131445 w 288250"/>
+              <a:gd name="connsiteY5" fmla="*/ 333143 h 354098"/>
+              <a:gd name="connsiteX6" fmla="*/ 131027 w 288250"/>
+              <a:gd name="connsiteY6" fmla="*/ 166572 h 354098"/>
+              <a:gd name="connsiteX0" fmla="*/ 123407 w 288250"/>
+              <a:gd name="connsiteY0" fmla="*/ 164667 h 354098"/>
+              <a:gd name="connsiteX1" fmla="*/ 0 w 288250"/>
+              <a:gd name="connsiteY1" fmla="*/ 0 h 354098"/>
+              <a:gd name="connsiteX2" fmla="*/ 288250 w 288250"/>
+              <a:gd name="connsiteY2" fmla="*/ 0 h 354098"/>
+              <a:gd name="connsiteX3" fmla="*/ 157223 w 288250"/>
+              <a:gd name="connsiteY3" fmla="*/ 166572 h 354098"/>
+              <a:gd name="connsiteX4" fmla="*/ 158710 w 288250"/>
+              <a:gd name="connsiteY4" fmla="*/ 354098 h 354098"/>
+              <a:gd name="connsiteX5" fmla="*/ 131445 w 288250"/>
+              <a:gd name="connsiteY5" fmla="*/ 333143 h 354098"/>
+              <a:gd name="connsiteX6" fmla="*/ 123407 w 288250"/>
+              <a:gd name="connsiteY6" fmla="*/ 164667 h 354098"/>
+              <a:gd name="connsiteX0" fmla="*/ 123407 w 288250"/>
+              <a:gd name="connsiteY0" fmla="*/ 164667 h 354098"/>
+              <a:gd name="connsiteX1" fmla="*/ 0 w 288250"/>
+              <a:gd name="connsiteY1" fmla="*/ 0 h 354098"/>
+              <a:gd name="connsiteX2" fmla="*/ 288250 w 288250"/>
+              <a:gd name="connsiteY2" fmla="*/ 0 h 354098"/>
+              <a:gd name="connsiteX3" fmla="*/ 170558 w 288250"/>
+              <a:gd name="connsiteY3" fmla="*/ 162762 h 354098"/>
+              <a:gd name="connsiteX4" fmla="*/ 158710 w 288250"/>
+              <a:gd name="connsiteY4" fmla="*/ 354098 h 354098"/>
+              <a:gd name="connsiteX5" fmla="*/ 131445 w 288250"/>
+              <a:gd name="connsiteY5" fmla="*/ 333143 h 354098"/>
+              <a:gd name="connsiteX6" fmla="*/ 123407 w 288250"/>
+              <a:gd name="connsiteY6" fmla="*/ 164667 h 354098"/>
+              <a:gd name="connsiteX0" fmla="*/ 123407 w 288250"/>
+              <a:gd name="connsiteY0" fmla="*/ 164667 h 354098"/>
+              <a:gd name="connsiteX1" fmla="*/ 0 w 288250"/>
+              <a:gd name="connsiteY1" fmla="*/ 0 h 354098"/>
+              <a:gd name="connsiteX2" fmla="*/ 288250 w 288250"/>
+              <a:gd name="connsiteY2" fmla="*/ 0 h 354098"/>
+              <a:gd name="connsiteX3" fmla="*/ 170558 w 288250"/>
+              <a:gd name="connsiteY3" fmla="*/ 162762 h 354098"/>
+              <a:gd name="connsiteX4" fmla="*/ 158710 w 288250"/>
+              <a:gd name="connsiteY4" fmla="*/ 354098 h 354098"/>
+              <a:gd name="connsiteX5" fmla="*/ 114300 w 288250"/>
+              <a:gd name="connsiteY5" fmla="*/ 319808 h 354098"/>
+              <a:gd name="connsiteX6" fmla="*/ 123407 w 288250"/>
+              <a:gd name="connsiteY6" fmla="*/ 164667 h 354098"/>
+              <a:gd name="connsiteX0" fmla="*/ 123407 w 288250"/>
+              <a:gd name="connsiteY0" fmla="*/ 164667 h 354098"/>
+              <a:gd name="connsiteX1" fmla="*/ 0 w 288250"/>
+              <a:gd name="connsiteY1" fmla="*/ 0 h 354098"/>
+              <a:gd name="connsiteX2" fmla="*/ 288250 w 288250"/>
+              <a:gd name="connsiteY2" fmla="*/ 0 h 354098"/>
+              <a:gd name="connsiteX3" fmla="*/ 170558 w 288250"/>
+              <a:gd name="connsiteY3" fmla="*/ 162762 h 354098"/>
+              <a:gd name="connsiteX4" fmla="*/ 158710 w 288250"/>
+              <a:gd name="connsiteY4" fmla="*/ 354098 h 354098"/>
+              <a:gd name="connsiteX5" fmla="*/ 120015 w 288250"/>
+              <a:gd name="connsiteY5" fmla="*/ 317903 h 354098"/>
+              <a:gd name="connsiteX6" fmla="*/ 123407 w 288250"/>
+              <a:gd name="connsiteY6" fmla="*/ 164667 h 354098"/>
+              <a:gd name="connsiteX0" fmla="*/ 123407 w 288250"/>
+              <a:gd name="connsiteY0" fmla="*/ 164667 h 354098"/>
+              <a:gd name="connsiteX1" fmla="*/ 0 w 288250"/>
+              <a:gd name="connsiteY1" fmla="*/ 0 h 354098"/>
+              <a:gd name="connsiteX2" fmla="*/ 288250 w 288250"/>
+              <a:gd name="connsiteY2" fmla="*/ 0 h 354098"/>
+              <a:gd name="connsiteX3" fmla="*/ 170558 w 288250"/>
+              <a:gd name="connsiteY3" fmla="*/ 162762 h 354098"/>
+              <a:gd name="connsiteX4" fmla="*/ 164425 w 288250"/>
+              <a:gd name="connsiteY4" fmla="*/ 354098 h 354098"/>
+              <a:gd name="connsiteX5" fmla="*/ 120015 w 288250"/>
+              <a:gd name="connsiteY5" fmla="*/ 317903 h 354098"/>
+              <a:gd name="connsiteX6" fmla="*/ 123407 w 288250"/>
+              <a:gd name="connsiteY6" fmla="*/ 164667 h 354098"/>
+            </a:gdLst>
+            <a:ahLst/>
+            <a:cxnLst>
+              <a:cxn ang="0">
+                <a:pos x="connsiteX0" y="connsiteY0"/>
+              </a:cxn>
+              <a:cxn ang="0">
+                <a:pos x="connsiteX1" y="connsiteY1"/>
+              </a:cxn>
+              <a:cxn ang="0">
+                <a:pos x="connsiteX2" y="connsiteY2"/>
+              </a:cxn>
+              <a:cxn ang="0">
+                <a:pos x="connsiteX3" y="connsiteY3"/>
+              </a:cxn>
+              <a:cxn ang="0">
+                <a:pos x="connsiteX4" y="connsiteY4"/>
+              </a:cxn>
+              <a:cxn ang="0">
+                <a:pos x="connsiteX5" y="connsiteY5"/>
+              </a:cxn>
+              <a:cxn ang="0">
+                <a:pos x="connsiteX6" y="connsiteY6"/>
+              </a:cxn>
+            </a:cxnLst>
+            <a:rect l="l" t="t" r="r" b="b"/>
+            <a:pathLst>
+              <a:path w="288250" h="354098">
+                <a:moveTo>
+                  <a:pt x="123407" y="164667"/>
+                </a:moveTo>
+                <a:lnTo>
+                  <a:pt x="0" y="0"/>
+                </a:lnTo>
+                <a:lnTo>
+                  <a:pt x="288250" y="0"/>
+                </a:lnTo>
+                <a:lnTo>
+                  <a:pt x="170558" y="162762"/>
+                </a:lnTo>
+                <a:cubicBezTo>
+                  <a:pt x="171054" y="225271"/>
+                  <a:pt x="163929" y="291589"/>
+                  <a:pt x="164425" y="354098"/>
+                </a:cubicBezTo>
+                <a:lnTo>
+                  <a:pt x="120015" y="317903"/>
+                </a:lnTo>
+                <a:cubicBezTo>
+                  <a:pt x="119876" y="262379"/>
+                  <a:pt x="123546" y="220191"/>
+                  <a:pt x="123407" y="164667"/>
+                </a:cubicBezTo>
+                <a:close/>
+              </a:path>
+            </a:pathLst>
+          </a:custGeom>
+        </p:spPr>
+        <p:style>
+          <a:lnRef idx="2">
+            <a:schemeClr val="dk1"/>
+          </a:lnRef>
+          <a:fillRef idx="1">
+            <a:schemeClr val="lt1"/>
+          </a:fillRef>
+          <a:effectRef idx="0">
+            <a:schemeClr val="dk1"/>
+          </a:effectRef>
+          <a:fontRef idx="minor">
+            <a:schemeClr val="dk1"/>
+          </a:fontRef>
+        </p:style>
+        <p:txBody>
+          <a:bodyPr rtlCol="0" anchor="ctr"/>
+          <a:lstStyle/>
+          <a:p>
+            <a:pPr algn="ctr"/>
+            <a:endParaRPr lang="it-IT"/>
+          </a:p>
+        </p:txBody>
+      </p:sp>
     </p:spTree>
     <p:extLst>
       <p:ext uri="{BB962C8B-B14F-4D97-AF65-F5344CB8AC3E}">

--- a/1st delivery/C-IDM.pptx
+++ b/1st delivery/C-IDM.pptx
@@ -111,7 +111,7 @@
   </p:defaultTextStyle>
   <p:extLst>
     <p:ext uri="{EFAFB233-063F-42B5-8137-9DF3F51BA10A}">
-      <p15:sldGuideLst xmlns:p15="http://schemas.microsoft.com/office/powerpoint/2012/main">
+      <p15:sldGuideLst xmlns:p15="http://schemas.microsoft.com/office/powerpoint/2012/main" xmlns="">
         <p15:guide id="1" orient="horz" pos="2160" userDrawn="1">
           <p15:clr>
             <a:srgbClr val="A4A3A4"/>
@@ -131,11 +131,7 @@
 <file path=ppt/commentAuthors.xml><?xml version="1.0" encoding="utf-8"?>
 <p:cmAuthorLst xmlns:a="http://schemas.openxmlformats.org/drawingml/2006/main" xmlns:r="http://schemas.openxmlformats.org/officeDocument/2006/relationships" xmlns:p="http://schemas.openxmlformats.org/presentationml/2006/main">
   <p:cmAuthor id="1" name="vito matarazzo" initials="vm" lastIdx="3" clrIdx="0">
-    <p:extLst>
-      <p:ext uri="{19B8F6BF-5375-455C-9EA6-DF929625EA0E}">
-        <p15:presenceInfo xmlns:p15="http://schemas.microsoft.com/office/powerpoint/2012/main" userId="94e264641c93ff50" providerId="Windows Live"/>
-      </p:ext>
-    </p:extLst>
+    <p:extLst/>
   </p:cmAuthor>
 </p:cmAuthorLst>
 </file>
@@ -254,7 +250,7 @@
           <a:p>
             <a:fld id="{51EC9344-52F1-48B5-A731-0BE7C59899F1}" type="datetimeFigureOut">
               <a:rPr lang="it-IT" smtClean="0"/>
-              <a:t>20/04/2016</a:t>
+              <a:t>21/04/2016</a:t>
             </a:fld>
             <a:endParaRPr lang="it-IT"/>
           </a:p>
@@ -877,7 +873,7 @@
             <a:fld id="{DA9D7BA9-B648-4591-B0AE-4433C67759B9}" type="datetimeFigureOut">
               <a:rPr lang="it-IT" smtClean="0"/>
               <a:pPr/>
-              <a:t>20/04/2016</a:t>
+              <a:t>21/04/2016</a:t>
             </a:fld>
             <a:endParaRPr lang="it-IT"/>
           </a:p>
@@ -1044,7 +1040,7 @@
             <a:fld id="{DA9D7BA9-B648-4591-B0AE-4433C67759B9}" type="datetimeFigureOut">
               <a:rPr lang="it-IT" smtClean="0"/>
               <a:pPr/>
-              <a:t>20/04/2016</a:t>
+              <a:t>21/04/2016</a:t>
             </a:fld>
             <a:endParaRPr lang="it-IT"/>
           </a:p>
@@ -1221,7 +1217,7 @@
             <a:fld id="{DA9D7BA9-B648-4591-B0AE-4433C67759B9}" type="datetimeFigureOut">
               <a:rPr lang="it-IT" smtClean="0"/>
               <a:pPr/>
-              <a:t>20/04/2016</a:t>
+              <a:t>21/04/2016</a:t>
             </a:fld>
             <a:endParaRPr lang="it-IT"/>
           </a:p>
@@ -1388,7 +1384,7 @@
             <a:fld id="{DA9D7BA9-B648-4591-B0AE-4433C67759B9}" type="datetimeFigureOut">
               <a:rPr lang="it-IT" smtClean="0"/>
               <a:pPr/>
-              <a:t>20/04/2016</a:t>
+              <a:t>21/04/2016</a:t>
             </a:fld>
             <a:endParaRPr lang="it-IT"/>
           </a:p>
@@ -1631,7 +1627,7 @@
             <a:fld id="{DA9D7BA9-B648-4591-B0AE-4433C67759B9}" type="datetimeFigureOut">
               <a:rPr lang="it-IT" smtClean="0"/>
               <a:pPr/>
-              <a:t>20/04/2016</a:t>
+              <a:t>21/04/2016</a:t>
             </a:fld>
             <a:endParaRPr lang="it-IT"/>
           </a:p>
@@ -1916,7 +1912,7 @@
             <a:fld id="{DA9D7BA9-B648-4591-B0AE-4433C67759B9}" type="datetimeFigureOut">
               <a:rPr lang="it-IT" smtClean="0"/>
               <a:pPr/>
-              <a:t>20/04/2016</a:t>
+              <a:t>21/04/2016</a:t>
             </a:fld>
             <a:endParaRPr lang="it-IT"/>
           </a:p>
@@ -2335,7 +2331,7 @@
             <a:fld id="{DA9D7BA9-B648-4591-B0AE-4433C67759B9}" type="datetimeFigureOut">
               <a:rPr lang="it-IT" smtClean="0"/>
               <a:pPr/>
-              <a:t>20/04/2016</a:t>
+              <a:t>21/04/2016</a:t>
             </a:fld>
             <a:endParaRPr lang="it-IT"/>
           </a:p>
@@ -2450,7 +2446,7 @@
             <a:fld id="{DA9D7BA9-B648-4591-B0AE-4433C67759B9}" type="datetimeFigureOut">
               <a:rPr lang="it-IT" smtClean="0"/>
               <a:pPr/>
-              <a:t>20/04/2016</a:t>
+              <a:t>21/04/2016</a:t>
             </a:fld>
             <a:endParaRPr lang="it-IT"/>
           </a:p>
@@ -2542,7 +2538,7 @@
             <a:fld id="{DA9D7BA9-B648-4591-B0AE-4433C67759B9}" type="datetimeFigureOut">
               <a:rPr lang="it-IT" smtClean="0"/>
               <a:pPr/>
-              <a:t>20/04/2016</a:t>
+              <a:t>21/04/2016</a:t>
             </a:fld>
             <a:endParaRPr lang="it-IT"/>
           </a:p>
@@ -2816,7 +2812,7 @@
             <a:fld id="{DA9D7BA9-B648-4591-B0AE-4433C67759B9}" type="datetimeFigureOut">
               <a:rPr lang="it-IT" smtClean="0"/>
               <a:pPr/>
-              <a:t>20/04/2016</a:t>
+              <a:t>21/04/2016</a:t>
             </a:fld>
             <a:endParaRPr lang="it-IT"/>
           </a:p>
@@ -3066,7 +3062,7 @@
             <a:fld id="{DA9D7BA9-B648-4591-B0AE-4433C67759B9}" type="datetimeFigureOut">
               <a:rPr lang="it-IT" smtClean="0"/>
               <a:pPr/>
-              <a:t>20/04/2016</a:t>
+              <a:t>21/04/2016</a:t>
             </a:fld>
             <a:endParaRPr lang="it-IT"/>
           </a:p>
@@ -3276,7 +3272,7 @@
             <a:fld id="{DA9D7BA9-B648-4591-B0AE-4433C67759B9}" type="datetimeFigureOut">
               <a:rPr lang="it-IT" smtClean="0"/>
               <a:pPr/>
-              <a:t>20/04/2016</a:t>
+              <a:t>21/04/2016</a:t>
             </a:fld>
             <a:endParaRPr lang="it-IT"/>
           </a:p>
@@ -8666,8 +8662,8 @@
             </p:nvSpPr>
             <p:spPr>
               <a:xfrm>
-                <a:off x="9706128" y="5137860"/>
-                <a:ext cx="2486993" cy="954107"/>
+                <a:off x="9735916" y="5202257"/>
+                <a:ext cx="2486993" cy="738664"/>
               </a:xfrm>
               <a:prstGeom prst="rect">
                 <a:avLst/>
@@ -8798,12 +8794,6 @@
               <a:p>
                 <a:r>
                   <a:rPr lang="it-IT" sz="1400" dirty="0" smtClean="0"/>
-                  <a:t>FAQ</a:t>
-                </a:r>
-              </a:p>
-              <a:p>
-                <a:r>
-                  <a:rPr lang="it-IT" sz="1400" dirty="0" smtClean="0"/>
                   <a:t>Form for </a:t>
                 </a:r>
                 <a:r>
@@ -8814,406 +8804,11 @@
                   <a:rPr lang="it-IT" sz="1400" dirty="0" smtClean="0"/>
                   <a:t> to service</a:t>
                 </a:r>
+                <a:endParaRPr lang="it-IT" sz="1400" dirty="0" smtClean="0"/>
               </a:p>
             </p:txBody>
           </p:sp>
         </p:grpSp>
-        <p:sp>
-          <p:nvSpPr>
-            <p:cNvPr id="269" name="Oval 32"/>
-            <p:cNvSpPr/>
-            <p:nvPr/>
-          </p:nvSpPr>
-          <p:spPr>
-            <a:xfrm>
-              <a:off x="8050118" y="2307346"/>
-              <a:ext cx="129329" cy="129600"/>
-            </a:xfrm>
-            <a:prstGeom prst="ellipse">
-              <a:avLst/>
-            </a:prstGeom>
-          </p:spPr>
-          <p:style>
-            <a:lnRef idx="1">
-              <a:schemeClr val="dk1"/>
-            </a:lnRef>
-            <a:fillRef idx="3">
-              <a:schemeClr val="dk1"/>
-            </a:fillRef>
-            <a:effectRef idx="2">
-              <a:schemeClr val="dk1"/>
-            </a:effectRef>
-            <a:fontRef idx="minor">
-              <a:schemeClr val="lt1"/>
-            </a:fontRef>
-          </p:style>
-          <p:txBody>
-            <a:bodyPr rtlCol="0" anchor="ctr" anchorCtr="0"/>
-            <a:lstStyle>
-              <a:defPPr>
-                <a:defRPr lang="it-IT"/>
-              </a:defPPr>
-              <a:lvl1pPr marL="0" algn="l" defTabSz="457200" rtl="0" eaLnBrk="1" latinLnBrk="0" hangingPunct="1">
-                <a:defRPr sz="1800" kern="1200">
-                  <a:solidFill>
-                    <a:schemeClr val="lt1"/>
-                  </a:solidFill>
-                  <a:latin typeface="+mn-lt"/>
-                  <a:ea typeface="+mn-ea"/>
-                  <a:cs typeface="+mn-cs"/>
-                </a:defRPr>
-              </a:lvl1pPr>
-              <a:lvl2pPr marL="457200" algn="l" defTabSz="457200" rtl="0" eaLnBrk="1" latinLnBrk="0" hangingPunct="1">
-                <a:defRPr sz="1800" kern="1200">
-                  <a:solidFill>
-                    <a:schemeClr val="lt1"/>
-                  </a:solidFill>
-                  <a:latin typeface="+mn-lt"/>
-                  <a:ea typeface="+mn-ea"/>
-                  <a:cs typeface="+mn-cs"/>
-                </a:defRPr>
-              </a:lvl2pPr>
-              <a:lvl3pPr marL="914400" algn="l" defTabSz="457200" rtl="0" eaLnBrk="1" latinLnBrk="0" hangingPunct="1">
-                <a:defRPr sz="1800" kern="1200">
-                  <a:solidFill>
-                    <a:schemeClr val="lt1"/>
-                  </a:solidFill>
-                  <a:latin typeface="+mn-lt"/>
-                  <a:ea typeface="+mn-ea"/>
-                  <a:cs typeface="+mn-cs"/>
-                </a:defRPr>
-              </a:lvl3pPr>
-              <a:lvl4pPr marL="1371600" algn="l" defTabSz="457200" rtl="0" eaLnBrk="1" latinLnBrk="0" hangingPunct="1">
-                <a:defRPr sz="1800" kern="1200">
-                  <a:solidFill>
-                    <a:schemeClr val="lt1"/>
-                  </a:solidFill>
-                  <a:latin typeface="+mn-lt"/>
-                  <a:ea typeface="+mn-ea"/>
-                  <a:cs typeface="+mn-cs"/>
-                </a:defRPr>
-              </a:lvl4pPr>
-              <a:lvl5pPr marL="1828800" algn="l" defTabSz="457200" rtl="0" eaLnBrk="1" latinLnBrk="0" hangingPunct="1">
-                <a:defRPr sz="1800" kern="1200">
-                  <a:solidFill>
-                    <a:schemeClr val="lt1"/>
-                  </a:solidFill>
-                  <a:latin typeface="+mn-lt"/>
-                  <a:ea typeface="+mn-ea"/>
-                  <a:cs typeface="+mn-cs"/>
-                </a:defRPr>
-              </a:lvl5pPr>
-              <a:lvl6pPr marL="2286000" algn="l" defTabSz="457200" rtl="0" eaLnBrk="1" latinLnBrk="0" hangingPunct="1">
-                <a:defRPr sz="1800" kern="1200">
-                  <a:solidFill>
-                    <a:schemeClr val="lt1"/>
-                  </a:solidFill>
-                  <a:latin typeface="+mn-lt"/>
-                  <a:ea typeface="+mn-ea"/>
-                  <a:cs typeface="+mn-cs"/>
-                </a:defRPr>
-              </a:lvl6pPr>
-              <a:lvl7pPr marL="2743200" algn="l" defTabSz="457200" rtl="0" eaLnBrk="1" latinLnBrk="0" hangingPunct="1">
-                <a:defRPr sz="1800" kern="1200">
-                  <a:solidFill>
-                    <a:schemeClr val="lt1"/>
-                  </a:solidFill>
-                  <a:latin typeface="+mn-lt"/>
-                  <a:ea typeface="+mn-ea"/>
-                  <a:cs typeface="+mn-cs"/>
-                </a:defRPr>
-              </a:lvl7pPr>
-              <a:lvl8pPr marL="3200400" algn="l" defTabSz="457200" rtl="0" eaLnBrk="1" latinLnBrk="0" hangingPunct="1">
-                <a:defRPr sz="1800" kern="1200">
-                  <a:solidFill>
-                    <a:schemeClr val="lt1"/>
-                  </a:solidFill>
-                  <a:latin typeface="+mn-lt"/>
-                  <a:ea typeface="+mn-ea"/>
-                  <a:cs typeface="+mn-cs"/>
-                </a:defRPr>
-              </a:lvl8pPr>
-              <a:lvl9pPr marL="3657600" algn="l" defTabSz="457200" rtl="0" eaLnBrk="1" latinLnBrk="0" hangingPunct="1">
-                <a:defRPr sz="1800" kern="1200">
-                  <a:solidFill>
-                    <a:schemeClr val="lt1"/>
-                  </a:solidFill>
-                  <a:latin typeface="+mn-lt"/>
-                  <a:ea typeface="+mn-ea"/>
-                  <a:cs typeface="+mn-cs"/>
-                </a:defRPr>
-              </a:lvl9pPr>
-            </a:lstStyle>
-            <a:p>
-              <a:pPr algn="ctr"/>
-              <a:endParaRPr lang="it-IT"/>
-            </a:p>
-          </p:txBody>
-        </p:sp>
-        <p:sp>
-          <p:nvSpPr>
-            <p:cNvPr id="270" name="Oval 32"/>
-            <p:cNvSpPr/>
-            <p:nvPr/>
-          </p:nvSpPr>
-          <p:spPr>
-            <a:xfrm>
-              <a:off x="8050118" y="2091455"/>
-              <a:ext cx="129329" cy="129600"/>
-            </a:xfrm>
-            <a:prstGeom prst="ellipse">
-              <a:avLst/>
-            </a:prstGeom>
-          </p:spPr>
-          <p:style>
-            <a:lnRef idx="1">
-              <a:schemeClr val="dk1"/>
-            </a:lnRef>
-            <a:fillRef idx="3">
-              <a:schemeClr val="dk1"/>
-            </a:fillRef>
-            <a:effectRef idx="2">
-              <a:schemeClr val="dk1"/>
-            </a:effectRef>
-            <a:fontRef idx="minor">
-              <a:schemeClr val="lt1"/>
-            </a:fontRef>
-          </p:style>
-          <p:txBody>
-            <a:bodyPr rtlCol="0" anchor="ctr" anchorCtr="0"/>
-            <a:lstStyle>
-              <a:defPPr>
-                <a:defRPr lang="it-IT"/>
-              </a:defPPr>
-              <a:lvl1pPr marL="0" algn="l" defTabSz="457200" rtl="0" eaLnBrk="1" latinLnBrk="0" hangingPunct="1">
-                <a:defRPr sz="1800" kern="1200">
-                  <a:solidFill>
-                    <a:schemeClr val="lt1"/>
-                  </a:solidFill>
-                  <a:latin typeface="+mn-lt"/>
-                  <a:ea typeface="+mn-ea"/>
-                  <a:cs typeface="+mn-cs"/>
-                </a:defRPr>
-              </a:lvl1pPr>
-              <a:lvl2pPr marL="457200" algn="l" defTabSz="457200" rtl="0" eaLnBrk="1" latinLnBrk="0" hangingPunct="1">
-                <a:defRPr sz="1800" kern="1200">
-                  <a:solidFill>
-                    <a:schemeClr val="lt1"/>
-                  </a:solidFill>
-                  <a:latin typeface="+mn-lt"/>
-                  <a:ea typeface="+mn-ea"/>
-                  <a:cs typeface="+mn-cs"/>
-                </a:defRPr>
-              </a:lvl2pPr>
-              <a:lvl3pPr marL="914400" algn="l" defTabSz="457200" rtl="0" eaLnBrk="1" latinLnBrk="0" hangingPunct="1">
-                <a:defRPr sz="1800" kern="1200">
-                  <a:solidFill>
-                    <a:schemeClr val="lt1"/>
-                  </a:solidFill>
-                  <a:latin typeface="+mn-lt"/>
-                  <a:ea typeface="+mn-ea"/>
-                  <a:cs typeface="+mn-cs"/>
-                </a:defRPr>
-              </a:lvl3pPr>
-              <a:lvl4pPr marL="1371600" algn="l" defTabSz="457200" rtl="0" eaLnBrk="1" latinLnBrk="0" hangingPunct="1">
-                <a:defRPr sz="1800" kern="1200">
-                  <a:solidFill>
-                    <a:schemeClr val="lt1"/>
-                  </a:solidFill>
-                  <a:latin typeface="+mn-lt"/>
-                  <a:ea typeface="+mn-ea"/>
-                  <a:cs typeface="+mn-cs"/>
-                </a:defRPr>
-              </a:lvl4pPr>
-              <a:lvl5pPr marL="1828800" algn="l" defTabSz="457200" rtl="0" eaLnBrk="1" latinLnBrk="0" hangingPunct="1">
-                <a:defRPr sz="1800" kern="1200">
-                  <a:solidFill>
-                    <a:schemeClr val="lt1"/>
-                  </a:solidFill>
-                  <a:latin typeface="+mn-lt"/>
-                  <a:ea typeface="+mn-ea"/>
-                  <a:cs typeface="+mn-cs"/>
-                </a:defRPr>
-              </a:lvl5pPr>
-              <a:lvl6pPr marL="2286000" algn="l" defTabSz="457200" rtl="0" eaLnBrk="1" latinLnBrk="0" hangingPunct="1">
-                <a:defRPr sz="1800" kern="1200">
-                  <a:solidFill>
-                    <a:schemeClr val="lt1"/>
-                  </a:solidFill>
-                  <a:latin typeface="+mn-lt"/>
-                  <a:ea typeface="+mn-ea"/>
-                  <a:cs typeface="+mn-cs"/>
-                </a:defRPr>
-              </a:lvl6pPr>
-              <a:lvl7pPr marL="2743200" algn="l" defTabSz="457200" rtl="0" eaLnBrk="1" latinLnBrk="0" hangingPunct="1">
-                <a:defRPr sz="1800" kern="1200">
-                  <a:solidFill>
-                    <a:schemeClr val="lt1"/>
-                  </a:solidFill>
-                  <a:latin typeface="+mn-lt"/>
-                  <a:ea typeface="+mn-ea"/>
-                  <a:cs typeface="+mn-cs"/>
-                </a:defRPr>
-              </a:lvl7pPr>
-              <a:lvl8pPr marL="3200400" algn="l" defTabSz="457200" rtl="0" eaLnBrk="1" latinLnBrk="0" hangingPunct="1">
-                <a:defRPr sz="1800" kern="1200">
-                  <a:solidFill>
-                    <a:schemeClr val="lt1"/>
-                  </a:solidFill>
-                  <a:latin typeface="+mn-lt"/>
-                  <a:ea typeface="+mn-ea"/>
-                  <a:cs typeface="+mn-cs"/>
-                </a:defRPr>
-              </a:lvl8pPr>
-              <a:lvl9pPr marL="3657600" algn="l" defTabSz="457200" rtl="0" eaLnBrk="1" latinLnBrk="0" hangingPunct="1">
-                <a:defRPr sz="1800" kern="1200">
-                  <a:solidFill>
-                    <a:schemeClr val="lt1"/>
-                  </a:solidFill>
-                  <a:latin typeface="+mn-lt"/>
-                  <a:ea typeface="+mn-ea"/>
-                  <a:cs typeface="+mn-cs"/>
-                </a:defRPr>
-              </a:lvl9pPr>
-            </a:lstStyle>
-            <a:p>
-              <a:pPr algn="ctr"/>
-              <a:endParaRPr lang="it-IT"/>
-            </a:p>
-          </p:txBody>
-        </p:sp>
-        <p:sp>
-          <p:nvSpPr>
-            <p:cNvPr id="271" name="Oval 32"/>
-            <p:cNvSpPr/>
-            <p:nvPr/>
-          </p:nvSpPr>
-          <p:spPr>
-            <a:xfrm>
-              <a:off x="8050118" y="1875564"/>
-              <a:ext cx="129329" cy="129600"/>
-            </a:xfrm>
-            <a:prstGeom prst="ellipse">
-              <a:avLst/>
-            </a:prstGeom>
-          </p:spPr>
-          <p:style>
-            <a:lnRef idx="1">
-              <a:schemeClr val="dk1"/>
-            </a:lnRef>
-            <a:fillRef idx="3">
-              <a:schemeClr val="dk1"/>
-            </a:fillRef>
-            <a:effectRef idx="2">
-              <a:schemeClr val="dk1"/>
-            </a:effectRef>
-            <a:fontRef idx="minor">
-              <a:schemeClr val="lt1"/>
-            </a:fontRef>
-          </p:style>
-          <p:txBody>
-            <a:bodyPr rtlCol="0" anchor="ctr" anchorCtr="0"/>
-            <a:lstStyle>
-              <a:defPPr>
-                <a:defRPr lang="it-IT"/>
-              </a:defPPr>
-              <a:lvl1pPr marL="0" algn="l" defTabSz="457200" rtl="0" eaLnBrk="1" latinLnBrk="0" hangingPunct="1">
-                <a:defRPr sz="1800" kern="1200">
-                  <a:solidFill>
-                    <a:schemeClr val="lt1"/>
-                  </a:solidFill>
-                  <a:latin typeface="+mn-lt"/>
-                  <a:ea typeface="+mn-ea"/>
-                  <a:cs typeface="+mn-cs"/>
-                </a:defRPr>
-              </a:lvl1pPr>
-              <a:lvl2pPr marL="457200" algn="l" defTabSz="457200" rtl="0" eaLnBrk="1" latinLnBrk="0" hangingPunct="1">
-                <a:defRPr sz="1800" kern="1200">
-                  <a:solidFill>
-                    <a:schemeClr val="lt1"/>
-                  </a:solidFill>
-                  <a:latin typeface="+mn-lt"/>
-                  <a:ea typeface="+mn-ea"/>
-                  <a:cs typeface="+mn-cs"/>
-                </a:defRPr>
-              </a:lvl2pPr>
-              <a:lvl3pPr marL="914400" algn="l" defTabSz="457200" rtl="0" eaLnBrk="1" latinLnBrk="0" hangingPunct="1">
-                <a:defRPr sz="1800" kern="1200">
-                  <a:solidFill>
-                    <a:schemeClr val="lt1"/>
-                  </a:solidFill>
-                  <a:latin typeface="+mn-lt"/>
-                  <a:ea typeface="+mn-ea"/>
-                  <a:cs typeface="+mn-cs"/>
-                </a:defRPr>
-              </a:lvl3pPr>
-              <a:lvl4pPr marL="1371600" algn="l" defTabSz="457200" rtl="0" eaLnBrk="1" latinLnBrk="0" hangingPunct="1">
-                <a:defRPr sz="1800" kern="1200">
-                  <a:solidFill>
-                    <a:schemeClr val="lt1"/>
-                  </a:solidFill>
-                  <a:latin typeface="+mn-lt"/>
-                  <a:ea typeface="+mn-ea"/>
-                  <a:cs typeface="+mn-cs"/>
-                </a:defRPr>
-              </a:lvl4pPr>
-              <a:lvl5pPr marL="1828800" algn="l" defTabSz="457200" rtl="0" eaLnBrk="1" latinLnBrk="0" hangingPunct="1">
-                <a:defRPr sz="1800" kern="1200">
-                  <a:solidFill>
-                    <a:schemeClr val="lt1"/>
-                  </a:solidFill>
-                  <a:latin typeface="+mn-lt"/>
-                  <a:ea typeface="+mn-ea"/>
-                  <a:cs typeface="+mn-cs"/>
-                </a:defRPr>
-              </a:lvl5pPr>
-              <a:lvl6pPr marL="2286000" algn="l" defTabSz="457200" rtl="0" eaLnBrk="1" latinLnBrk="0" hangingPunct="1">
-                <a:defRPr sz="1800" kern="1200">
-                  <a:solidFill>
-                    <a:schemeClr val="lt1"/>
-                  </a:solidFill>
-                  <a:latin typeface="+mn-lt"/>
-                  <a:ea typeface="+mn-ea"/>
-                  <a:cs typeface="+mn-cs"/>
-                </a:defRPr>
-              </a:lvl6pPr>
-              <a:lvl7pPr marL="2743200" algn="l" defTabSz="457200" rtl="0" eaLnBrk="1" latinLnBrk="0" hangingPunct="1">
-                <a:defRPr sz="1800" kern="1200">
-                  <a:solidFill>
-                    <a:schemeClr val="lt1"/>
-                  </a:solidFill>
-                  <a:latin typeface="+mn-lt"/>
-                  <a:ea typeface="+mn-ea"/>
-                  <a:cs typeface="+mn-cs"/>
-                </a:defRPr>
-              </a:lvl7pPr>
-              <a:lvl8pPr marL="3200400" algn="l" defTabSz="457200" rtl="0" eaLnBrk="1" latinLnBrk="0" hangingPunct="1">
-                <a:defRPr sz="1800" kern="1200">
-                  <a:solidFill>
-                    <a:schemeClr val="lt1"/>
-                  </a:solidFill>
-                  <a:latin typeface="+mn-lt"/>
-                  <a:ea typeface="+mn-ea"/>
-                  <a:cs typeface="+mn-cs"/>
-                </a:defRPr>
-              </a:lvl8pPr>
-              <a:lvl9pPr marL="3657600" algn="l" defTabSz="457200" rtl="0" eaLnBrk="1" latinLnBrk="0" hangingPunct="1">
-                <a:defRPr sz="1800" kern="1200">
-                  <a:solidFill>
-                    <a:schemeClr val="lt1"/>
-                  </a:solidFill>
-                  <a:latin typeface="+mn-lt"/>
-                  <a:ea typeface="+mn-ea"/>
-                  <a:cs typeface="+mn-cs"/>
-                </a:defRPr>
-              </a:lvl9pPr>
-            </a:lstStyle>
-            <a:p>
-              <a:pPr algn="ctr"/>
-              <a:endParaRPr lang="it-IT"/>
-            </a:p>
-          </p:txBody>
-        </p:sp>
         <p:sp>
           <p:nvSpPr>
             <p:cNvPr id="10" name="Rettangolo arrotondato 9"/>
@@ -10338,8 +9933,8 @@
           </p:nvSpPr>
           <p:spPr>
             <a:xfrm>
-              <a:off x="1695701" y="4396135"/>
-              <a:ext cx="1688075" cy="216107"/>
+              <a:off x="1695701" y="4242579"/>
+              <a:ext cx="1688075" cy="523220"/>
             </a:xfrm>
             <a:prstGeom prst="rect">
               <a:avLst/>
@@ -10452,6 +10047,13 @@
               </a:r>
               <a:endParaRPr lang="it-IT" sz="1400" u="sng" dirty="0" smtClean="0"/>
             </a:p>
+            <a:p>
+              <a:r>
+                <a:rPr lang="it-IT" sz="1400" dirty="0" smtClean="0"/>
+                <a:t>FAQ</a:t>
+              </a:r>
+              <a:endParaRPr lang="it-IT" sz="1400" dirty="0" smtClean="0"/>
+            </a:p>
           </p:txBody>
         </p:sp>
         <p:sp>
@@ -10507,138 +10109,6 @@
                   </a:outerShdw>
                 </a:effectLst>
               </a:endParaRPr>
-            </a:p>
-          </p:txBody>
-        </p:sp>
-        <p:sp>
-          <p:nvSpPr>
-            <p:cNvPr id="296" name="Oval 32"/>
-            <p:cNvSpPr/>
-            <p:nvPr/>
-          </p:nvSpPr>
-          <p:spPr>
-            <a:xfrm>
-              <a:off x="1595311" y="4439388"/>
-              <a:ext cx="129600" cy="129600"/>
-            </a:xfrm>
-            <a:prstGeom prst="ellipse">
-              <a:avLst/>
-            </a:prstGeom>
-          </p:spPr>
-          <p:style>
-            <a:lnRef idx="1">
-              <a:schemeClr val="dk1"/>
-            </a:lnRef>
-            <a:fillRef idx="3">
-              <a:schemeClr val="dk1"/>
-            </a:fillRef>
-            <a:effectRef idx="2">
-              <a:schemeClr val="dk1"/>
-            </a:effectRef>
-            <a:fontRef idx="minor">
-              <a:schemeClr val="lt1"/>
-            </a:fontRef>
-          </p:style>
-          <p:txBody>
-            <a:bodyPr rtlCol="0" anchor="ctr" anchorCtr="0"/>
-            <a:lstStyle>
-              <a:defPPr>
-                <a:defRPr lang="it-IT"/>
-              </a:defPPr>
-              <a:lvl1pPr marL="0" algn="l" defTabSz="457200" rtl="0" eaLnBrk="1" latinLnBrk="0" hangingPunct="1">
-                <a:defRPr sz="1800" kern="1200">
-                  <a:solidFill>
-                    <a:schemeClr val="lt1"/>
-                  </a:solidFill>
-                  <a:latin typeface="+mn-lt"/>
-                  <a:ea typeface="+mn-ea"/>
-                  <a:cs typeface="+mn-cs"/>
-                </a:defRPr>
-              </a:lvl1pPr>
-              <a:lvl2pPr marL="457200" algn="l" defTabSz="457200" rtl="0" eaLnBrk="1" latinLnBrk="0" hangingPunct="1">
-                <a:defRPr sz="1800" kern="1200">
-                  <a:solidFill>
-                    <a:schemeClr val="lt1"/>
-                  </a:solidFill>
-                  <a:latin typeface="+mn-lt"/>
-                  <a:ea typeface="+mn-ea"/>
-                  <a:cs typeface="+mn-cs"/>
-                </a:defRPr>
-              </a:lvl2pPr>
-              <a:lvl3pPr marL="914400" algn="l" defTabSz="457200" rtl="0" eaLnBrk="1" latinLnBrk="0" hangingPunct="1">
-                <a:defRPr sz="1800" kern="1200">
-                  <a:solidFill>
-                    <a:schemeClr val="lt1"/>
-                  </a:solidFill>
-                  <a:latin typeface="+mn-lt"/>
-                  <a:ea typeface="+mn-ea"/>
-                  <a:cs typeface="+mn-cs"/>
-                </a:defRPr>
-              </a:lvl3pPr>
-              <a:lvl4pPr marL="1371600" algn="l" defTabSz="457200" rtl="0" eaLnBrk="1" latinLnBrk="0" hangingPunct="1">
-                <a:defRPr sz="1800" kern="1200">
-                  <a:solidFill>
-                    <a:schemeClr val="lt1"/>
-                  </a:solidFill>
-                  <a:latin typeface="+mn-lt"/>
-                  <a:ea typeface="+mn-ea"/>
-                  <a:cs typeface="+mn-cs"/>
-                </a:defRPr>
-              </a:lvl4pPr>
-              <a:lvl5pPr marL="1828800" algn="l" defTabSz="457200" rtl="0" eaLnBrk="1" latinLnBrk="0" hangingPunct="1">
-                <a:defRPr sz="1800" kern="1200">
-                  <a:solidFill>
-                    <a:schemeClr val="lt1"/>
-                  </a:solidFill>
-                  <a:latin typeface="+mn-lt"/>
-                  <a:ea typeface="+mn-ea"/>
-                  <a:cs typeface="+mn-cs"/>
-                </a:defRPr>
-              </a:lvl5pPr>
-              <a:lvl6pPr marL="2286000" algn="l" defTabSz="457200" rtl="0" eaLnBrk="1" latinLnBrk="0" hangingPunct="1">
-                <a:defRPr sz="1800" kern="1200">
-                  <a:solidFill>
-                    <a:schemeClr val="lt1"/>
-                  </a:solidFill>
-                  <a:latin typeface="+mn-lt"/>
-                  <a:ea typeface="+mn-ea"/>
-                  <a:cs typeface="+mn-cs"/>
-                </a:defRPr>
-              </a:lvl6pPr>
-              <a:lvl7pPr marL="2743200" algn="l" defTabSz="457200" rtl="0" eaLnBrk="1" latinLnBrk="0" hangingPunct="1">
-                <a:defRPr sz="1800" kern="1200">
-                  <a:solidFill>
-                    <a:schemeClr val="lt1"/>
-                  </a:solidFill>
-                  <a:latin typeface="+mn-lt"/>
-                  <a:ea typeface="+mn-ea"/>
-                  <a:cs typeface="+mn-cs"/>
-                </a:defRPr>
-              </a:lvl7pPr>
-              <a:lvl8pPr marL="3200400" algn="l" defTabSz="457200" rtl="0" eaLnBrk="1" latinLnBrk="0" hangingPunct="1">
-                <a:defRPr sz="1800" kern="1200">
-                  <a:solidFill>
-                    <a:schemeClr val="lt1"/>
-                  </a:solidFill>
-                  <a:latin typeface="+mn-lt"/>
-                  <a:ea typeface="+mn-ea"/>
-                  <a:cs typeface="+mn-cs"/>
-                </a:defRPr>
-              </a:lvl8pPr>
-              <a:lvl9pPr marL="3657600" algn="l" defTabSz="457200" rtl="0" eaLnBrk="1" latinLnBrk="0" hangingPunct="1">
-                <a:defRPr sz="1800" kern="1200">
-                  <a:solidFill>
-                    <a:schemeClr val="lt1"/>
-                  </a:solidFill>
-                  <a:latin typeface="+mn-lt"/>
-                  <a:ea typeface="+mn-ea"/>
-                  <a:cs typeface="+mn-cs"/>
-                </a:defRPr>
-              </a:lvl9pPr>
-            </a:lstStyle>
-            <a:p>
-              <a:pPr algn="ctr"/>
-              <a:endParaRPr lang="it-IT"/>
             </a:p>
           </p:txBody>
         </p:sp>
@@ -16792,8 +16262,536 @@
         </p:nvSpPr>
         <p:spPr>
           <a:xfrm>
-            <a:off x="8965759" y="1807997"/>
+            <a:off x="8991007" y="1643216"/>
             <a:ext cx="129329" cy="129600"/>
+          </a:xfrm>
+          <a:prstGeom prst="ellipse">
+            <a:avLst/>
+          </a:prstGeom>
+        </p:spPr>
+        <p:style>
+          <a:lnRef idx="1">
+            <a:schemeClr val="dk1"/>
+          </a:lnRef>
+          <a:fillRef idx="3">
+            <a:schemeClr val="dk1"/>
+          </a:fillRef>
+          <a:effectRef idx="2">
+            <a:schemeClr val="dk1"/>
+          </a:effectRef>
+          <a:fontRef idx="minor">
+            <a:schemeClr val="lt1"/>
+          </a:fontRef>
+        </p:style>
+        <p:txBody>
+          <a:bodyPr rtlCol="0" anchor="ctr" anchorCtr="0"/>
+          <a:lstStyle>
+            <a:defPPr>
+              <a:defRPr lang="it-IT"/>
+            </a:defPPr>
+            <a:lvl1pPr marL="0" algn="l" defTabSz="457200" rtl="0" eaLnBrk="1" latinLnBrk="0" hangingPunct="1">
+              <a:defRPr sz="1800" kern="1200">
+                <a:solidFill>
+                  <a:schemeClr val="lt1"/>
+                </a:solidFill>
+                <a:latin typeface="+mn-lt"/>
+                <a:ea typeface="+mn-ea"/>
+                <a:cs typeface="+mn-cs"/>
+              </a:defRPr>
+            </a:lvl1pPr>
+            <a:lvl2pPr marL="457200" algn="l" defTabSz="457200" rtl="0" eaLnBrk="1" latinLnBrk="0" hangingPunct="1">
+              <a:defRPr sz="1800" kern="1200">
+                <a:solidFill>
+                  <a:schemeClr val="lt1"/>
+                </a:solidFill>
+                <a:latin typeface="+mn-lt"/>
+                <a:ea typeface="+mn-ea"/>
+                <a:cs typeface="+mn-cs"/>
+              </a:defRPr>
+            </a:lvl2pPr>
+            <a:lvl3pPr marL="914400" algn="l" defTabSz="457200" rtl="0" eaLnBrk="1" latinLnBrk="0" hangingPunct="1">
+              <a:defRPr sz="1800" kern="1200">
+                <a:solidFill>
+                  <a:schemeClr val="lt1"/>
+                </a:solidFill>
+                <a:latin typeface="+mn-lt"/>
+                <a:ea typeface="+mn-ea"/>
+                <a:cs typeface="+mn-cs"/>
+              </a:defRPr>
+            </a:lvl3pPr>
+            <a:lvl4pPr marL="1371600" algn="l" defTabSz="457200" rtl="0" eaLnBrk="1" latinLnBrk="0" hangingPunct="1">
+              <a:defRPr sz="1800" kern="1200">
+                <a:solidFill>
+                  <a:schemeClr val="lt1"/>
+                </a:solidFill>
+                <a:latin typeface="+mn-lt"/>
+                <a:ea typeface="+mn-ea"/>
+                <a:cs typeface="+mn-cs"/>
+              </a:defRPr>
+            </a:lvl4pPr>
+            <a:lvl5pPr marL="1828800" algn="l" defTabSz="457200" rtl="0" eaLnBrk="1" latinLnBrk="0" hangingPunct="1">
+              <a:defRPr sz="1800" kern="1200">
+                <a:solidFill>
+                  <a:schemeClr val="lt1"/>
+                </a:solidFill>
+                <a:latin typeface="+mn-lt"/>
+                <a:ea typeface="+mn-ea"/>
+                <a:cs typeface="+mn-cs"/>
+              </a:defRPr>
+            </a:lvl5pPr>
+            <a:lvl6pPr marL="2286000" algn="l" defTabSz="457200" rtl="0" eaLnBrk="1" latinLnBrk="0" hangingPunct="1">
+              <a:defRPr sz="1800" kern="1200">
+                <a:solidFill>
+                  <a:schemeClr val="lt1"/>
+                </a:solidFill>
+                <a:latin typeface="+mn-lt"/>
+                <a:ea typeface="+mn-ea"/>
+                <a:cs typeface="+mn-cs"/>
+              </a:defRPr>
+            </a:lvl6pPr>
+            <a:lvl7pPr marL="2743200" algn="l" defTabSz="457200" rtl="0" eaLnBrk="1" latinLnBrk="0" hangingPunct="1">
+              <a:defRPr sz="1800" kern="1200">
+                <a:solidFill>
+                  <a:schemeClr val="lt1"/>
+                </a:solidFill>
+                <a:latin typeface="+mn-lt"/>
+                <a:ea typeface="+mn-ea"/>
+                <a:cs typeface="+mn-cs"/>
+              </a:defRPr>
+            </a:lvl7pPr>
+            <a:lvl8pPr marL="3200400" algn="l" defTabSz="457200" rtl="0" eaLnBrk="1" latinLnBrk="0" hangingPunct="1">
+              <a:defRPr sz="1800" kern="1200">
+                <a:solidFill>
+                  <a:schemeClr val="lt1"/>
+                </a:solidFill>
+                <a:latin typeface="+mn-lt"/>
+                <a:ea typeface="+mn-ea"/>
+                <a:cs typeface="+mn-cs"/>
+              </a:defRPr>
+            </a:lvl8pPr>
+            <a:lvl9pPr marL="3657600" algn="l" defTabSz="457200" rtl="0" eaLnBrk="1" latinLnBrk="0" hangingPunct="1">
+              <a:defRPr sz="1800" kern="1200">
+                <a:solidFill>
+                  <a:schemeClr val="lt1"/>
+                </a:solidFill>
+                <a:latin typeface="+mn-lt"/>
+                <a:ea typeface="+mn-ea"/>
+                <a:cs typeface="+mn-cs"/>
+              </a:defRPr>
+            </a:lvl9pPr>
+          </a:lstStyle>
+          <a:p>
+            <a:pPr algn="ctr"/>
+            <a:endParaRPr lang="it-IT" dirty="0"/>
+          </a:p>
+        </p:txBody>
+      </p:sp>
+      <p:sp>
+        <p:nvSpPr>
+          <p:cNvPr id="223" name="Oval 32"/>
+          <p:cNvSpPr/>
+          <p:nvPr/>
+        </p:nvSpPr>
+        <p:spPr>
+          <a:xfrm>
+            <a:off x="8990736" y="1220755"/>
+            <a:ext cx="129600" cy="129600"/>
+          </a:xfrm>
+          <a:prstGeom prst="ellipse">
+            <a:avLst/>
+          </a:prstGeom>
+        </p:spPr>
+        <p:style>
+          <a:lnRef idx="1">
+            <a:schemeClr val="dk1"/>
+          </a:lnRef>
+          <a:fillRef idx="3">
+            <a:schemeClr val="dk1"/>
+          </a:fillRef>
+          <a:effectRef idx="2">
+            <a:schemeClr val="dk1"/>
+          </a:effectRef>
+          <a:fontRef idx="minor">
+            <a:schemeClr val="lt1"/>
+          </a:fontRef>
+        </p:style>
+        <p:txBody>
+          <a:bodyPr rtlCol="0" anchor="ctr" anchorCtr="0"/>
+          <a:lstStyle>
+            <a:defPPr>
+              <a:defRPr lang="it-IT"/>
+            </a:defPPr>
+            <a:lvl1pPr marL="0" algn="l" defTabSz="457200" rtl="0" eaLnBrk="1" latinLnBrk="0" hangingPunct="1">
+              <a:defRPr sz="1800" kern="1200">
+                <a:solidFill>
+                  <a:schemeClr val="lt1"/>
+                </a:solidFill>
+                <a:latin typeface="+mn-lt"/>
+                <a:ea typeface="+mn-ea"/>
+                <a:cs typeface="+mn-cs"/>
+              </a:defRPr>
+            </a:lvl1pPr>
+            <a:lvl2pPr marL="457200" algn="l" defTabSz="457200" rtl="0" eaLnBrk="1" latinLnBrk="0" hangingPunct="1">
+              <a:defRPr sz="1800" kern="1200">
+                <a:solidFill>
+                  <a:schemeClr val="lt1"/>
+                </a:solidFill>
+                <a:latin typeface="+mn-lt"/>
+                <a:ea typeface="+mn-ea"/>
+                <a:cs typeface="+mn-cs"/>
+              </a:defRPr>
+            </a:lvl2pPr>
+            <a:lvl3pPr marL="914400" algn="l" defTabSz="457200" rtl="0" eaLnBrk="1" latinLnBrk="0" hangingPunct="1">
+              <a:defRPr sz="1800" kern="1200">
+                <a:solidFill>
+                  <a:schemeClr val="lt1"/>
+                </a:solidFill>
+                <a:latin typeface="+mn-lt"/>
+                <a:ea typeface="+mn-ea"/>
+                <a:cs typeface="+mn-cs"/>
+              </a:defRPr>
+            </a:lvl3pPr>
+            <a:lvl4pPr marL="1371600" algn="l" defTabSz="457200" rtl="0" eaLnBrk="1" latinLnBrk="0" hangingPunct="1">
+              <a:defRPr sz="1800" kern="1200">
+                <a:solidFill>
+                  <a:schemeClr val="lt1"/>
+                </a:solidFill>
+                <a:latin typeface="+mn-lt"/>
+                <a:ea typeface="+mn-ea"/>
+                <a:cs typeface="+mn-cs"/>
+              </a:defRPr>
+            </a:lvl4pPr>
+            <a:lvl5pPr marL="1828800" algn="l" defTabSz="457200" rtl="0" eaLnBrk="1" latinLnBrk="0" hangingPunct="1">
+              <a:defRPr sz="1800" kern="1200">
+                <a:solidFill>
+                  <a:schemeClr val="lt1"/>
+                </a:solidFill>
+                <a:latin typeface="+mn-lt"/>
+                <a:ea typeface="+mn-ea"/>
+                <a:cs typeface="+mn-cs"/>
+              </a:defRPr>
+            </a:lvl5pPr>
+            <a:lvl6pPr marL="2286000" algn="l" defTabSz="457200" rtl="0" eaLnBrk="1" latinLnBrk="0" hangingPunct="1">
+              <a:defRPr sz="1800" kern="1200">
+                <a:solidFill>
+                  <a:schemeClr val="lt1"/>
+                </a:solidFill>
+                <a:latin typeface="+mn-lt"/>
+                <a:ea typeface="+mn-ea"/>
+                <a:cs typeface="+mn-cs"/>
+              </a:defRPr>
+            </a:lvl6pPr>
+            <a:lvl7pPr marL="2743200" algn="l" defTabSz="457200" rtl="0" eaLnBrk="1" latinLnBrk="0" hangingPunct="1">
+              <a:defRPr sz="1800" kern="1200">
+                <a:solidFill>
+                  <a:schemeClr val="lt1"/>
+                </a:solidFill>
+                <a:latin typeface="+mn-lt"/>
+                <a:ea typeface="+mn-ea"/>
+                <a:cs typeface="+mn-cs"/>
+              </a:defRPr>
+            </a:lvl7pPr>
+            <a:lvl8pPr marL="3200400" algn="l" defTabSz="457200" rtl="0" eaLnBrk="1" latinLnBrk="0" hangingPunct="1">
+              <a:defRPr sz="1800" kern="1200">
+                <a:solidFill>
+                  <a:schemeClr val="lt1"/>
+                </a:solidFill>
+                <a:latin typeface="+mn-lt"/>
+                <a:ea typeface="+mn-ea"/>
+                <a:cs typeface="+mn-cs"/>
+              </a:defRPr>
+            </a:lvl8pPr>
+            <a:lvl9pPr marL="3657600" algn="l" defTabSz="457200" rtl="0" eaLnBrk="1" latinLnBrk="0" hangingPunct="1">
+              <a:defRPr sz="1800" kern="1200">
+                <a:solidFill>
+                  <a:schemeClr val="lt1"/>
+                </a:solidFill>
+                <a:latin typeface="+mn-lt"/>
+                <a:ea typeface="+mn-ea"/>
+                <a:cs typeface="+mn-cs"/>
+              </a:defRPr>
+            </a:lvl9pPr>
+          </a:lstStyle>
+          <a:p>
+            <a:pPr algn="ctr"/>
+            <a:endParaRPr lang="it-IT"/>
+          </a:p>
+        </p:txBody>
+      </p:sp>
+      <p:sp>
+        <p:nvSpPr>
+          <p:cNvPr id="224" name="Oval 32"/>
+          <p:cNvSpPr/>
+          <p:nvPr/>
+        </p:nvSpPr>
+        <p:spPr>
+          <a:xfrm>
+            <a:off x="8988435" y="1427192"/>
+            <a:ext cx="129600" cy="129600"/>
+          </a:xfrm>
+          <a:prstGeom prst="ellipse">
+            <a:avLst/>
+          </a:prstGeom>
+        </p:spPr>
+        <p:style>
+          <a:lnRef idx="1">
+            <a:schemeClr val="dk1"/>
+          </a:lnRef>
+          <a:fillRef idx="3">
+            <a:schemeClr val="dk1"/>
+          </a:fillRef>
+          <a:effectRef idx="2">
+            <a:schemeClr val="dk1"/>
+          </a:effectRef>
+          <a:fontRef idx="minor">
+            <a:schemeClr val="lt1"/>
+          </a:fontRef>
+        </p:style>
+        <p:txBody>
+          <a:bodyPr rtlCol="0" anchor="ctr" anchorCtr="0"/>
+          <a:lstStyle>
+            <a:defPPr>
+              <a:defRPr lang="it-IT"/>
+            </a:defPPr>
+            <a:lvl1pPr marL="0" algn="l" defTabSz="457200" rtl="0" eaLnBrk="1" latinLnBrk="0" hangingPunct="1">
+              <a:defRPr sz="1800" kern="1200">
+                <a:solidFill>
+                  <a:schemeClr val="lt1"/>
+                </a:solidFill>
+                <a:latin typeface="+mn-lt"/>
+                <a:ea typeface="+mn-ea"/>
+                <a:cs typeface="+mn-cs"/>
+              </a:defRPr>
+            </a:lvl1pPr>
+            <a:lvl2pPr marL="457200" algn="l" defTabSz="457200" rtl="0" eaLnBrk="1" latinLnBrk="0" hangingPunct="1">
+              <a:defRPr sz="1800" kern="1200">
+                <a:solidFill>
+                  <a:schemeClr val="lt1"/>
+                </a:solidFill>
+                <a:latin typeface="+mn-lt"/>
+                <a:ea typeface="+mn-ea"/>
+                <a:cs typeface="+mn-cs"/>
+              </a:defRPr>
+            </a:lvl2pPr>
+            <a:lvl3pPr marL="914400" algn="l" defTabSz="457200" rtl="0" eaLnBrk="1" latinLnBrk="0" hangingPunct="1">
+              <a:defRPr sz="1800" kern="1200">
+                <a:solidFill>
+                  <a:schemeClr val="lt1"/>
+                </a:solidFill>
+                <a:latin typeface="+mn-lt"/>
+                <a:ea typeface="+mn-ea"/>
+                <a:cs typeface="+mn-cs"/>
+              </a:defRPr>
+            </a:lvl3pPr>
+            <a:lvl4pPr marL="1371600" algn="l" defTabSz="457200" rtl="0" eaLnBrk="1" latinLnBrk="0" hangingPunct="1">
+              <a:defRPr sz="1800" kern="1200">
+                <a:solidFill>
+                  <a:schemeClr val="lt1"/>
+                </a:solidFill>
+                <a:latin typeface="+mn-lt"/>
+                <a:ea typeface="+mn-ea"/>
+                <a:cs typeface="+mn-cs"/>
+              </a:defRPr>
+            </a:lvl4pPr>
+            <a:lvl5pPr marL="1828800" algn="l" defTabSz="457200" rtl="0" eaLnBrk="1" latinLnBrk="0" hangingPunct="1">
+              <a:defRPr sz="1800" kern="1200">
+                <a:solidFill>
+                  <a:schemeClr val="lt1"/>
+                </a:solidFill>
+                <a:latin typeface="+mn-lt"/>
+                <a:ea typeface="+mn-ea"/>
+                <a:cs typeface="+mn-cs"/>
+              </a:defRPr>
+            </a:lvl5pPr>
+            <a:lvl6pPr marL="2286000" algn="l" defTabSz="457200" rtl="0" eaLnBrk="1" latinLnBrk="0" hangingPunct="1">
+              <a:defRPr sz="1800" kern="1200">
+                <a:solidFill>
+                  <a:schemeClr val="lt1"/>
+                </a:solidFill>
+                <a:latin typeface="+mn-lt"/>
+                <a:ea typeface="+mn-ea"/>
+                <a:cs typeface="+mn-cs"/>
+              </a:defRPr>
+            </a:lvl6pPr>
+            <a:lvl7pPr marL="2743200" algn="l" defTabSz="457200" rtl="0" eaLnBrk="1" latinLnBrk="0" hangingPunct="1">
+              <a:defRPr sz="1800" kern="1200">
+                <a:solidFill>
+                  <a:schemeClr val="lt1"/>
+                </a:solidFill>
+                <a:latin typeface="+mn-lt"/>
+                <a:ea typeface="+mn-ea"/>
+                <a:cs typeface="+mn-cs"/>
+              </a:defRPr>
+            </a:lvl7pPr>
+            <a:lvl8pPr marL="3200400" algn="l" defTabSz="457200" rtl="0" eaLnBrk="1" latinLnBrk="0" hangingPunct="1">
+              <a:defRPr sz="1800" kern="1200">
+                <a:solidFill>
+                  <a:schemeClr val="lt1"/>
+                </a:solidFill>
+                <a:latin typeface="+mn-lt"/>
+                <a:ea typeface="+mn-ea"/>
+                <a:cs typeface="+mn-cs"/>
+              </a:defRPr>
+            </a:lvl8pPr>
+            <a:lvl9pPr marL="3657600" algn="l" defTabSz="457200" rtl="0" eaLnBrk="1" latinLnBrk="0" hangingPunct="1">
+              <a:defRPr sz="1800" kern="1200">
+                <a:solidFill>
+                  <a:schemeClr val="lt1"/>
+                </a:solidFill>
+                <a:latin typeface="+mn-lt"/>
+                <a:ea typeface="+mn-ea"/>
+                <a:cs typeface="+mn-cs"/>
+              </a:defRPr>
+            </a:lvl9pPr>
+          </a:lstStyle>
+          <a:p>
+            <a:pPr algn="ctr"/>
+            <a:endParaRPr lang="it-IT"/>
+          </a:p>
+        </p:txBody>
+      </p:sp>
+      <p:sp>
+        <p:nvSpPr>
+          <p:cNvPr id="225" name="Oval 32"/>
+          <p:cNvSpPr/>
+          <p:nvPr/>
+        </p:nvSpPr>
+        <p:spPr>
+          <a:xfrm>
+            <a:off x="2497901" y="4317099"/>
+            <a:ext cx="129600" cy="129600"/>
+          </a:xfrm>
+          <a:prstGeom prst="ellipse">
+            <a:avLst/>
+          </a:prstGeom>
+        </p:spPr>
+        <p:style>
+          <a:lnRef idx="1">
+            <a:schemeClr val="dk1"/>
+          </a:lnRef>
+          <a:fillRef idx="3">
+            <a:schemeClr val="dk1"/>
+          </a:fillRef>
+          <a:effectRef idx="2">
+            <a:schemeClr val="dk1"/>
+          </a:effectRef>
+          <a:fontRef idx="minor">
+            <a:schemeClr val="lt1"/>
+          </a:fontRef>
+        </p:style>
+        <p:txBody>
+          <a:bodyPr rtlCol="0" anchor="ctr" anchorCtr="0"/>
+          <a:lstStyle>
+            <a:defPPr>
+              <a:defRPr lang="it-IT"/>
+            </a:defPPr>
+            <a:lvl1pPr marL="0" algn="l" defTabSz="457200" rtl="0" eaLnBrk="1" latinLnBrk="0" hangingPunct="1">
+              <a:defRPr sz="1800" kern="1200">
+                <a:solidFill>
+                  <a:schemeClr val="lt1"/>
+                </a:solidFill>
+                <a:latin typeface="+mn-lt"/>
+                <a:ea typeface="+mn-ea"/>
+                <a:cs typeface="+mn-cs"/>
+              </a:defRPr>
+            </a:lvl1pPr>
+            <a:lvl2pPr marL="457200" algn="l" defTabSz="457200" rtl="0" eaLnBrk="1" latinLnBrk="0" hangingPunct="1">
+              <a:defRPr sz="1800" kern="1200">
+                <a:solidFill>
+                  <a:schemeClr val="lt1"/>
+                </a:solidFill>
+                <a:latin typeface="+mn-lt"/>
+                <a:ea typeface="+mn-ea"/>
+                <a:cs typeface="+mn-cs"/>
+              </a:defRPr>
+            </a:lvl2pPr>
+            <a:lvl3pPr marL="914400" algn="l" defTabSz="457200" rtl="0" eaLnBrk="1" latinLnBrk="0" hangingPunct="1">
+              <a:defRPr sz="1800" kern="1200">
+                <a:solidFill>
+                  <a:schemeClr val="lt1"/>
+                </a:solidFill>
+                <a:latin typeface="+mn-lt"/>
+                <a:ea typeface="+mn-ea"/>
+                <a:cs typeface="+mn-cs"/>
+              </a:defRPr>
+            </a:lvl3pPr>
+            <a:lvl4pPr marL="1371600" algn="l" defTabSz="457200" rtl="0" eaLnBrk="1" latinLnBrk="0" hangingPunct="1">
+              <a:defRPr sz="1800" kern="1200">
+                <a:solidFill>
+                  <a:schemeClr val="lt1"/>
+                </a:solidFill>
+                <a:latin typeface="+mn-lt"/>
+                <a:ea typeface="+mn-ea"/>
+                <a:cs typeface="+mn-cs"/>
+              </a:defRPr>
+            </a:lvl4pPr>
+            <a:lvl5pPr marL="1828800" algn="l" defTabSz="457200" rtl="0" eaLnBrk="1" latinLnBrk="0" hangingPunct="1">
+              <a:defRPr sz="1800" kern="1200">
+                <a:solidFill>
+                  <a:schemeClr val="lt1"/>
+                </a:solidFill>
+                <a:latin typeface="+mn-lt"/>
+                <a:ea typeface="+mn-ea"/>
+                <a:cs typeface="+mn-cs"/>
+              </a:defRPr>
+            </a:lvl5pPr>
+            <a:lvl6pPr marL="2286000" algn="l" defTabSz="457200" rtl="0" eaLnBrk="1" latinLnBrk="0" hangingPunct="1">
+              <a:defRPr sz="1800" kern="1200">
+                <a:solidFill>
+                  <a:schemeClr val="lt1"/>
+                </a:solidFill>
+                <a:latin typeface="+mn-lt"/>
+                <a:ea typeface="+mn-ea"/>
+                <a:cs typeface="+mn-cs"/>
+              </a:defRPr>
+            </a:lvl6pPr>
+            <a:lvl7pPr marL="2743200" algn="l" defTabSz="457200" rtl="0" eaLnBrk="1" latinLnBrk="0" hangingPunct="1">
+              <a:defRPr sz="1800" kern="1200">
+                <a:solidFill>
+                  <a:schemeClr val="lt1"/>
+                </a:solidFill>
+                <a:latin typeface="+mn-lt"/>
+                <a:ea typeface="+mn-ea"/>
+                <a:cs typeface="+mn-cs"/>
+              </a:defRPr>
+            </a:lvl7pPr>
+            <a:lvl8pPr marL="3200400" algn="l" defTabSz="457200" rtl="0" eaLnBrk="1" latinLnBrk="0" hangingPunct="1">
+              <a:defRPr sz="1800" kern="1200">
+                <a:solidFill>
+                  <a:schemeClr val="lt1"/>
+                </a:solidFill>
+                <a:latin typeface="+mn-lt"/>
+                <a:ea typeface="+mn-ea"/>
+                <a:cs typeface="+mn-cs"/>
+              </a:defRPr>
+            </a:lvl8pPr>
+            <a:lvl9pPr marL="3657600" algn="l" defTabSz="457200" rtl="0" eaLnBrk="1" latinLnBrk="0" hangingPunct="1">
+              <a:defRPr sz="1800" kern="1200">
+                <a:solidFill>
+                  <a:schemeClr val="lt1"/>
+                </a:solidFill>
+                <a:latin typeface="+mn-lt"/>
+                <a:ea typeface="+mn-ea"/>
+                <a:cs typeface="+mn-cs"/>
+              </a:defRPr>
+            </a:lvl9pPr>
+          </a:lstStyle>
+          <a:p>
+            <a:pPr algn="ctr"/>
+            <a:endParaRPr lang="it-IT"/>
+          </a:p>
+        </p:txBody>
+      </p:sp>
+      <p:sp>
+        <p:nvSpPr>
+          <p:cNvPr id="226" name="Oval 32"/>
+          <p:cNvSpPr/>
+          <p:nvPr/>
+        </p:nvSpPr>
+        <p:spPr>
+          <a:xfrm>
+            <a:off x="2495600" y="4523536"/>
+            <a:ext cx="129600" cy="129600"/>
           </a:xfrm>
           <a:prstGeom prst="ellipse">
             <a:avLst/>
@@ -19278,9 +19276,9 @@
         <p:grpSpPr>
           <a:xfrm>
             <a:off x="13091" y="3668286"/>
-            <a:ext cx="2667100" cy="1319463"/>
+            <a:ext cx="2667100" cy="2088225"/>
             <a:chOff x="-841046" y="4185608"/>
-            <a:chExt cx="3046228" cy="2443792"/>
+            <a:chExt cx="3046228" cy="3867624"/>
           </a:xfrm>
         </p:grpSpPr>
         <p:grpSp>
@@ -19292,9 +19290,9 @@
           <p:grpSpPr>
             <a:xfrm>
               <a:off x="381000" y="4185608"/>
-              <a:ext cx="1824182" cy="2443792"/>
+              <a:ext cx="1824182" cy="3867624"/>
               <a:chOff x="436585" y="4109408"/>
-              <a:chExt cx="1824182" cy="2443792"/>
+              <a:chExt cx="1824182" cy="3867624"/>
             </a:xfrm>
           </p:grpSpPr>
           <p:sp>
@@ -19306,7 +19304,7 @@
             <p:spPr>
               <a:xfrm>
                 <a:off x="436585" y="4109408"/>
-                <a:ext cx="1824182" cy="2443792"/>
+                <a:ext cx="1824182" cy="3867624"/>
               </a:xfrm>
               <a:prstGeom prst="rect">
                 <a:avLst/>
@@ -19350,7 +19348,7 @@
             <p:spPr>
               <a:xfrm>
                 <a:off x="512784" y="4188304"/>
-                <a:ext cx="1676400" cy="2286000"/>
+                <a:ext cx="1676400" cy="3649484"/>
               </a:xfrm>
               <a:prstGeom prst="rect">
                 <a:avLst/>
@@ -19424,8 +19422,8 @@
           </p:nvSpPr>
           <p:spPr>
             <a:xfrm>
-              <a:off x="774982" y="4713927"/>
-              <a:ext cx="1126754" cy="1387155"/>
+              <a:off x="774982" y="4580235"/>
+              <a:ext cx="1126754" cy="1201248"/>
             </a:xfrm>
             <a:prstGeom prst="snip1Rect">
               <a:avLst/>
@@ -19509,7 +19507,7 @@
         <p:spPr>
           <a:xfrm flipH="1">
             <a:off x="2680191" y="3740095"/>
-            <a:ext cx="1319424" cy="587923"/>
+            <a:ext cx="1319424" cy="972304"/>
           </a:xfrm>
           <a:prstGeom prst="straightConnector1">
             <a:avLst/>
@@ -19544,7 +19542,7 @@
         </p:nvSpPr>
         <p:spPr>
           <a:xfrm>
-            <a:off x="2909814" y="4049940"/>
+            <a:off x="3101327" y="4049940"/>
             <a:ext cx="976055" cy="369332"/>
           </a:xfrm>
           <a:prstGeom prst="rect">
@@ -19586,7 +19584,7 @@
         </p:nvSpPr>
         <p:spPr>
           <a:xfrm>
-            <a:off x="2224335" y="3228128"/>
+            <a:off x="2296148" y="3254469"/>
             <a:ext cx="976055" cy="369332"/>
           </a:xfrm>
           <a:prstGeom prst="rect">
@@ -22348,48 +22346,6 @@
       </p:sp>
       <p:sp>
         <p:nvSpPr>
-          <p:cNvPr id="421" name="Snip Single Corner Rectangle 73"/>
-          <p:cNvSpPr/>
-          <p:nvPr/>
-        </p:nvSpPr>
-        <p:spPr>
-          <a:xfrm>
-            <a:off x="8761216" y="5760862"/>
-            <a:ext cx="1147166" cy="597839"/>
-          </a:xfrm>
-          <a:prstGeom prst="snip1Rect">
-            <a:avLst/>
-          </a:prstGeom>
-        </p:spPr>
-        <p:style>
-          <a:lnRef idx="2">
-            <a:schemeClr val="dk1"/>
-          </a:lnRef>
-          <a:fillRef idx="1">
-            <a:schemeClr val="lt1"/>
-          </a:fillRef>
-          <a:effectRef idx="0">
-            <a:schemeClr val="dk1"/>
-          </a:effectRef>
-          <a:fontRef idx="minor">
-            <a:schemeClr val="dk1"/>
-          </a:fontRef>
-        </p:style>
-        <p:txBody>
-          <a:bodyPr rtlCol="0" anchor="ctr"/>
-          <a:lstStyle/>
-          <a:p>
-            <a:pPr algn="ctr"/>
-            <a:r>
-              <a:rPr lang="it-IT" sz="1200" dirty="0" smtClean="0"/>
-              <a:t>FAQ</a:t>
-            </a:r>
-            <a:endParaRPr lang="it-IT" sz="1200" dirty="0"/>
-          </a:p>
-        </p:txBody>
-      </p:sp>
-      <p:sp>
-        <p:nvSpPr>
           <p:cNvPr id="423" name="TextBox 50"/>
           <p:cNvSpPr txBox="1"/>
           <p:nvPr/>
@@ -23069,7 +23025,7 @@
         </p:nvGrpSpPr>
         <p:grpSpPr>
           <a:xfrm>
-            <a:off x="3062761" y="5324401"/>
+            <a:off x="3201029" y="5309208"/>
             <a:ext cx="461080" cy="464317"/>
             <a:chOff x="3085399" y="5531474"/>
             <a:chExt cx="518422" cy="574918"/>
@@ -23541,8 +23497,8 @@
         </p:nvCxnSpPr>
         <p:spPr>
           <a:xfrm flipH="1" flipV="1">
-            <a:off x="3523841" y="5585643"/>
-            <a:ext cx="1087714" cy="2992"/>
+            <a:off x="3662109" y="5570450"/>
+            <a:ext cx="949446" cy="18185"/>
           </a:xfrm>
           <a:prstGeom prst="straightConnector1">
             <a:avLst/>
@@ -23577,8 +23533,8 @@
         </p:nvCxnSpPr>
         <p:spPr>
           <a:xfrm flipH="1" flipV="1">
-            <a:off x="2275136" y="5005181"/>
-            <a:ext cx="925254" cy="580462"/>
+            <a:off x="2631829" y="5396503"/>
+            <a:ext cx="706829" cy="173947"/>
           </a:xfrm>
           <a:prstGeom prst="straightConnector1">
             <a:avLst/>
@@ -23615,8 +23571,8 @@
         </p:nvCxnSpPr>
         <p:spPr>
           <a:xfrm>
-            <a:off x="1504227" y="5005181"/>
-            <a:ext cx="861599" cy="1198583"/>
+            <a:off x="1655230" y="5904334"/>
+            <a:ext cx="710596" cy="299430"/>
           </a:xfrm>
           <a:prstGeom prst="straightConnector1">
             <a:avLst/>
@@ -23687,7 +23643,7 @@
         </p:nvSpPr>
         <p:spPr>
           <a:xfrm>
-            <a:off x="3004398" y="5119995"/>
+            <a:off x="2986227" y="4905771"/>
             <a:ext cx="1361796" cy="461665"/>
           </a:xfrm>
           <a:prstGeom prst="rect">
@@ -23736,7 +23692,7 @@
         </p:nvSpPr>
         <p:spPr>
           <a:xfrm>
-            <a:off x="1322861" y="6310859"/>
+            <a:off x="1108059" y="6297726"/>
             <a:ext cx="1361796" cy="461665"/>
           </a:xfrm>
           <a:prstGeom prst="rect">
@@ -23785,7 +23741,7 @@
         </p:nvSpPr>
         <p:spPr>
           <a:xfrm>
-            <a:off x="2063393" y="5155468"/>
+            <a:off x="2478748" y="5469719"/>
             <a:ext cx="976055" cy="369332"/>
           </a:xfrm>
           <a:prstGeom prst="rect">
@@ -24865,7 +24821,7 @@
         </p:nvGrpSpPr>
         <p:grpSpPr>
           <a:xfrm>
-            <a:off x="10059240" y="5756511"/>
+            <a:off x="9381928" y="5756511"/>
             <a:ext cx="1165906" cy="869796"/>
             <a:chOff x="4832902" y="2182022"/>
             <a:chExt cx="1106156" cy="869796"/>
@@ -26803,6 +26759,200 @@
           </a:p>
         </p:txBody>
       </p:sp>
+      <p:sp>
+        <p:nvSpPr>
+          <p:cNvPr id="234" name="Snip Single Corner Rectangle 73"/>
+          <p:cNvSpPr/>
+          <p:nvPr/>
+        </p:nvSpPr>
+        <p:spPr>
+          <a:xfrm>
+            <a:off x="1427991" y="4897202"/>
+            <a:ext cx="986520" cy="648175"/>
+          </a:xfrm>
+          <a:prstGeom prst="snip1Rect">
+            <a:avLst/>
+          </a:prstGeom>
+        </p:spPr>
+        <p:style>
+          <a:lnRef idx="2">
+            <a:schemeClr val="dk1"/>
+          </a:lnRef>
+          <a:fillRef idx="1">
+            <a:schemeClr val="lt1"/>
+          </a:fillRef>
+          <a:effectRef idx="0">
+            <a:schemeClr val="dk1"/>
+          </a:effectRef>
+          <a:fontRef idx="minor">
+            <a:schemeClr val="dk1"/>
+          </a:fontRef>
+        </p:style>
+        <p:txBody>
+          <a:bodyPr rtlCol="0" anchor="ctr"/>
+          <a:lstStyle/>
+          <a:p>
+            <a:pPr algn="ctr"/>
+            <a:r>
+              <a:rPr lang="it-IT" sz="1200" dirty="0" smtClean="0"/>
+              <a:t>FAQ</a:t>
+            </a:r>
+            <a:endParaRPr lang="it-IT" sz="1200" dirty="0"/>
+          </a:p>
+        </p:txBody>
+      </p:sp>
+      <p:cxnSp>
+        <p:nvCxnSpPr>
+          <p:cNvPr id="23" name="Connettore 2 22"/>
+          <p:cNvCxnSpPr>
+            <a:stCxn id="266" idx="1"/>
+            <a:endCxn id="234" idx="3"/>
+          </p:cNvCxnSpPr>
+          <p:nvPr/>
+        </p:nvCxnSpPr>
+        <p:spPr>
+          <a:xfrm>
+            <a:off x="1921251" y="4529938"/>
+            <a:ext cx="0" cy="367264"/>
+          </a:xfrm>
+          <a:prstGeom prst="straightConnector1">
+            <a:avLst/>
+          </a:prstGeom>
+          <a:ln w="19050">
+            <a:solidFill>
+              <a:schemeClr val="tx1"/>
+            </a:solidFill>
+            <a:headEnd type="arrow"/>
+            <a:tailEnd type="arrow"/>
+          </a:ln>
+        </p:spPr>
+        <p:style>
+          <a:lnRef idx="1">
+            <a:schemeClr val="dk1"/>
+          </a:lnRef>
+          <a:fillRef idx="0">
+            <a:schemeClr val="dk1"/>
+          </a:fillRef>
+          <a:effectRef idx="0">
+            <a:schemeClr val="dk1"/>
+          </a:effectRef>
+          <a:fontRef idx="minor">
+            <a:schemeClr val="tx1"/>
+          </a:fontRef>
+        </p:style>
+      </p:cxnSp>
+      <p:sp>
+        <p:nvSpPr>
+          <p:cNvPr id="247" name="Rectangle 25"/>
+          <p:cNvSpPr/>
+          <p:nvPr/>
+        </p:nvSpPr>
+        <p:spPr>
+          <a:xfrm>
+            <a:off x="2577691" y="3699827"/>
+            <a:ext cx="542912" cy="199758"/>
+          </a:xfrm>
+          <a:prstGeom prst="rect">
+            <a:avLst/>
+          </a:prstGeom>
+        </p:spPr>
+        <p:style>
+          <a:lnRef idx="1">
+            <a:schemeClr val="dk1"/>
+          </a:lnRef>
+          <a:fillRef idx="3">
+            <a:schemeClr val="dk1"/>
+          </a:fillRef>
+          <a:effectRef idx="2">
+            <a:schemeClr val="dk1"/>
+          </a:effectRef>
+          <a:fontRef idx="minor">
+            <a:schemeClr val="lt1"/>
+          </a:fontRef>
+        </p:style>
+        <p:txBody>
+          <a:bodyPr rtlCol="0" anchor="ctr"/>
+          <a:lstStyle/>
+          <a:p>
+            <a:pPr algn="ctr"/>
+            <a:endParaRPr lang="it-IT"/>
+          </a:p>
+        </p:txBody>
+      </p:sp>
+      <p:cxnSp>
+        <p:nvCxnSpPr>
+          <p:cNvPr id="249" name="Straight Arrow Connector 29"/>
+          <p:cNvCxnSpPr>
+            <a:stCxn id="247" idx="2"/>
+            <a:endCxn id="266" idx="0"/>
+          </p:cNvCxnSpPr>
+          <p:nvPr/>
+        </p:nvCxnSpPr>
+        <p:spPr>
+          <a:xfrm flipH="1">
+            <a:off x="2414511" y="3899585"/>
+            <a:ext cx="434636" cy="306062"/>
+          </a:xfrm>
+          <a:prstGeom prst="straightConnector1">
+            <a:avLst/>
+          </a:prstGeom>
+          <a:ln>
+            <a:tailEnd type="arrow"/>
+          </a:ln>
+        </p:spPr>
+        <p:style>
+          <a:lnRef idx="2">
+            <a:schemeClr val="dk1"/>
+          </a:lnRef>
+          <a:fillRef idx="0">
+            <a:schemeClr val="dk1"/>
+          </a:fillRef>
+          <a:effectRef idx="1">
+            <a:schemeClr val="dk1"/>
+          </a:effectRef>
+          <a:fontRef idx="minor">
+            <a:schemeClr val="tx1"/>
+          </a:fontRef>
+        </p:style>
+      </p:cxnSp>
+      <p:sp>
+        <p:nvSpPr>
+          <p:cNvPr id="250" name="Rectangle 25"/>
+          <p:cNvSpPr/>
+          <p:nvPr/>
+        </p:nvSpPr>
+        <p:spPr>
+          <a:xfrm rot="10800000">
+            <a:off x="1415480" y="5732020"/>
+            <a:ext cx="460039" cy="137626"/>
+          </a:xfrm>
+          <a:prstGeom prst="rect">
+            <a:avLst/>
+          </a:prstGeom>
+        </p:spPr>
+        <p:style>
+          <a:lnRef idx="1">
+            <a:schemeClr val="dk1"/>
+          </a:lnRef>
+          <a:fillRef idx="3">
+            <a:schemeClr val="dk1"/>
+          </a:fillRef>
+          <a:effectRef idx="2">
+            <a:schemeClr val="dk1"/>
+          </a:effectRef>
+          <a:fontRef idx="minor">
+            <a:schemeClr val="lt1"/>
+          </a:fontRef>
+        </p:style>
+        <p:txBody>
+          <a:bodyPr rtlCol="0" anchor="ctr"/>
+          <a:lstStyle/>
+          <a:p>
+            <a:pPr algn="ctr"/>
+            <a:endParaRPr lang="it-IT"/>
+          </a:p>
+        </p:txBody>
+      </p:sp>
     </p:spTree>
     <p:extLst>
       <p:ext uri="{BB962C8B-B14F-4D97-AF65-F5344CB8AC3E}">
@@ -27361,7 +27511,7 @@
   <a:extraClrSchemeLst/>
   <a:extLst>
     <a:ext uri="{05A4C25C-085E-4340-85A3-A5531E510DB2}">
-      <thm15:themeFamily xmlns:thm15="http://schemas.microsoft.com/office/thememl/2012/main" name="Office Theme" id="{62F939B6-93AF-4DB8-9C6B-D6C7DFDC589F}" vid="{4A3C46E8-61CC-4603-A589-7422A47A8E4A}"/>
+      <thm15:themeFamily xmlns:thm15="http://schemas.microsoft.com/office/thememl/2012/main" xmlns="" name="Office Theme" id="{62F939B6-93AF-4DB8-9C6B-D6C7DFDC589F}" vid="{4A3C46E8-61CC-4603-A589-7422A47A8E4A}"/>
     </a:ext>
   </a:extLst>
 </a:theme>

--- a/1st delivery/C-IDM.pptx
+++ b/1st delivery/C-IDM.pptx
@@ -111,7 +111,7 @@
   </p:defaultTextStyle>
   <p:extLst>
     <p:ext uri="{EFAFB233-063F-42B5-8137-9DF3F51BA10A}">
-      <p15:sldGuideLst xmlns:p15="http://schemas.microsoft.com/office/powerpoint/2012/main" xmlns="">
+      <p15:sldGuideLst xmlns="" xmlns:p15="http://schemas.microsoft.com/office/powerpoint/2012/main">
         <p15:guide id="1" orient="horz" pos="2160" userDrawn="1">
           <p15:clr>
             <a:srgbClr val="A4A3A4"/>
@@ -250,7 +250,7 @@
           <a:p>
             <a:fld id="{51EC9344-52F1-48B5-A731-0BE7C59899F1}" type="datetimeFigureOut">
               <a:rPr lang="it-IT" smtClean="0"/>
-              <a:t>21/04/2016</a:t>
+              <a:t>27/04/2016</a:t>
             </a:fld>
             <a:endParaRPr lang="it-IT"/>
           </a:p>
@@ -873,7 +873,7 @@
             <a:fld id="{DA9D7BA9-B648-4591-B0AE-4433C67759B9}" type="datetimeFigureOut">
               <a:rPr lang="it-IT" smtClean="0"/>
               <a:pPr/>
-              <a:t>21/04/2016</a:t>
+              <a:t>27/04/2016</a:t>
             </a:fld>
             <a:endParaRPr lang="it-IT"/>
           </a:p>
@@ -1040,7 +1040,7 @@
             <a:fld id="{DA9D7BA9-B648-4591-B0AE-4433C67759B9}" type="datetimeFigureOut">
               <a:rPr lang="it-IT" smtClean="0"/>
               <a:pPr/>
-              <a:t>21/04/2016</a:t>
+              <a:t>27/04/2016</a:t>
             </a:fld>
             <a:endParaRPr lang="it-IT"/>
           </a:p>
@@ -1217,7 +1217,7 @@
             <a:fld id="{DA9D7BA9-B648-4591-B0AE-4433C67759B9}" type="datetimeFigureOut">
               <a:rPr lang="it-IT" smtClean="0"/>
               <a:pPr/>
-              <a:t>21/04/2016</a:t>
+              <a:t>27/04/2016</a:t>
             </a:fld>
             <a:endParaRPr lang="it-IT"/>
           </a:p>
@@ -1384,7 +1384,7 @@
             <a:fld id="{DA9D7BA9-B648-4591-B0AE-4433C67759B9}" type="datetimeFigureOut">
               <a:rPr lang="it-IT" smtClean="0"/>
               <a:pPr/>
-              <a:t>21/04/2016</a:t>
+              <a:t>27/04/2016</a:t>
             </a:fld>
             <a:endParaRPr lang="it-IT"/>
           </a:p>
@@ -1627,7 +1627,7 @@
             <a:fld id="{DA9D7BA9-B648-4591-B0AE-4433C67759B9}" type="datetimeFigureOut">
               <a:rPr lang="it-IT" smtClean="0"/>
               <a:pPr/>
-              <a:t>21/04/2016</a:t>
+              <a:t>27/04/2016</a:t>
             </a:fld>
             <a:endParaRPr lang="it-IT"/>
           </a:p>
@@ -1912,7 +1912,7 @@
             <a:fld id="{DA9D7BA9-B648-4591-B0AE-4433C67759B9}" type="datetimeFigureOut">
               <a:rPr lang="it-IT" smtClean="0"/>
               <a:pPr/>
-              <a:t>21/04/2016</a:t>
+              <a:t>27/04/2016</a:t>
             </a:fld>
             <a:endParaRPr lang="it-IT"/>
           </a:p>
@@ -2331,7 +2331,7 @@
             <a:fld id="{DA9D7BA9-B648-4591-B0AE-4433C67759B9}" type="datetimeFigureOut">
               <a:rPr lang="it-IT" smtClean="0"/>
               <a:pPr/>
-              <a:t>21/04/2016</a:t>
+              <a:t>27/04/2016</a:t>
             </a:fld>
             <a:endParaRPr lang="it-IT"/>
           </a:p>
@@ -2446,7 +2446,7 @@
             <a:fld id="{DA9D7BA9-B648-4591-B0AE-4433C67759B9}" type="datetimeFigureOut">
               <a:rPr lang="it-IT" smtClean="0"/>
               <a:pPr/>
-              <a:t>21/04/2016</a:t>
+              <a:t>27/04/2016</a:t>
             </a:fld>
             <a:endParaRPr lang="it-IT"/>
           </a:p>
@@ -2538,7 +2538,7 @@
             <a:fld id="{DA9D7BA9-B648-4591-B0AE-4433C67759B9}" type="datetimeFigureOut">
               <a:rPr lang="it-IT" smtClean="0"/>
               <a:pPr/>
-              <a:t>21/04/2016</a:t>
+              <a:t>27/04/2016</a:t>
             </a:fld>
             <a:endParaRPr lang="it-IT"/>
           </a:p>
@@ -2812,7 +2812,7 @@
             <a:fld id="{DA9D7BA9-B648-4591-B0AE-4433C67759B9}" type="datetimeFigureOut">
               <a:rPr lang="it-IT" smtClean="0"/>
               <a:pPr/>
-              <a:t>21/04/2016</a:t>
+              <a:t>27/04/2016</a:t>
             </a:fld>
             <a:endParaRPr lang="it-IT"/>
           </a:p>
@@ -3062,7 +3062,7 @@
             <a:fld id="{DA9D7BA9-B648-4591-B0AE-4433C67759B9}" type="datetimeFigureOut">
               <a:rPr lang="it-IT" smtClean="0"/>
               <a:pPr/>
-              <a:t>21/04/2016</a:t>
+              <a:t>27/04/2016</a:t>
             </a:fld>
             <a:endParaRPr lang="it-IT"/>
           </a:p>
@@ -3272,7 +3272,7 @@
             <a:fld id="{DA9D7BA9-B648-4591-B0AE-4433C67759B9}" type="datetimeFigureOut">
               <a:rPr lang="it-IT" smtClean="0"/>
               <a:pPr/>
-              <a:t>21/04/2016</a:t>
+              <a:t>27/04/2016</a:t>
             </a:fld>
             <a:endParaRPr lang="it-IT"/>
           </a:p>
@@ -8804,7 +8804,6 @@
                   <a:rPr lang="it-IT" sz="1400" dirty="0" smtClean="0"/>
                   <a:t> to service</a:t>
                 </a:r>
-                <a:endParaRPr lang="it-IT" sz="1400" dirty="0" smtClean="0"/>
               </a:p>
             </p:txBody>
           </p:sp>
@@ -10052,7 +10051,6 @@
                 <a:rPr lang="it-IT" sz="1400" dirty="0" smtClean="0"/>
                 <a:t>FAQ</a:t>
               </a:r>
-              <a:endParaRPr lang="it-IT" sz="1400" dirty="0" smtClean="0"/>
             </a:p>
           </p:txBody>
         </p:sp>
@@ -26953,6 +26951,269 @@
           </a:p>
         </p:txBody>
       </p:sp>
+      <p:sp>
+        <p:nvSpPr>
+          <p:cNvPr id="233" name="Esagono 21"/>
+          <p:cNvSpPr/>
+          <p:nvPr/>
+        </p:nvSpPr>
+        <p:spPr>
+          <a:xfrm>
+            <a:off x="4079776" y="3066746"/>
+            <a:ext cx="250266" cy="290246"/>
+          </a:xfrm>
+          <a:custGeom>
+            <a:avLst/>
+            <a:gdLst>
+              <a:gd name="connsiteX0" fmla="*/ 0 w 416721"/>
+              <a:gd name="connsiteY0" fmla="*/ 164667 h 329333"/>
+              <a:gd name="connsiteX1" fmla="*/ 82333 w 416721"/>
+              <a:gd name="connsiteY1" fmla="*/ 0 h 329333"/>
+              <a:gd name="connsiteX2" fmla="*/ 334388 w 416721"/>
+              <a:gd name="connsiteY2" fmla="*/ 0 h 329333"/>
+              <a:gd name="connsiteX3" fmla="*/ 416721 w 416721"/>
+              <a:gd name="connsiteY3" fmla="*/ 164667 h 329333"/>
+              <a:gd name="connsiteX4" fmla="*/ 334388 w 416721"/>
+              <a:gd name="connsiteY4" fmla="*/ 329333 h 329333"/>
+              <a:gd name="connsiteX5" fmla="*/ 82333 w 416721"/>
+              <a:gd name="connsiteY5" fmla="*/ 329333 h 329333"/>
+              <a:gd name="connsiteX6" fmla="*/ 0 w 416721"/>
+              <a:gd name="connsiteY6" fmla="*/ 164667 h 329333"/>
+              <a:gd name="connsiteX0" fmla="*/ 131027 w 334388"/>
+              <a:gd name="connsiteY0" fmla="*/ 166572 h 329333"/>
+              <a:gd name="connsiteX1" fmla="*/ 0 w 334388"/>
+              <a:gd name="connsiteY1" fmla="*/ 0 h 329333"/>
+              <a:gd name="connsiteX2" fmla="*/ 252055 w 334388"/>
+              <a:gd name="connsiteY2" fmla="*/ 0 h 329333"/>
+              <a:gd name="connsiteX3" fmla="*/ 334388 w 334388"/>
+              <a:gd name="connsiteY3" fmla="*/ 164667 h 329333"/>
+              <a:gd name="connsiteX4" fmla="*/ 252055 w 334388"/>
+              <a:gd name="connsiteY4" fmla="*/ 329333 h 329333"/>
+              <a:gd name="connsiteX5" fmla="*/ 0 w 334388"/>
+              <a:gd name="connsiteY5" fmla="*/ 329333 h 329333"/>
+              <a:gd name="connsiteX6" fmla="*/ 131027 w 334388"/>
+              <a:gd name="connsiteY6" fmla="*/ 166572 h 329333"/>
+              <a:gd name="connsiteX0" fmla="*/ 131027 w 252055"/>
+              <a:gd name="connsiteY0" fmla="*/ 166572 h 329333"/>
+              <a:gd name="connsiteX1" fmla="*/ 0 w 252055"/>
+              <a:gd name="connsiteY1" fmla="*/ 0 h 329333"/>
+              <a:gd name="connsiteX2" fmla="*/ 252055 w 252055"/>
+              <a:gd name="connsiteY2" fmla="*/ 0 h 329333"/>
+              <a:gd name="connsiteX3" fmla="*/ 157223 w 252055"/>
+              <a:gd name="connsiteY3" fmla="*/ 166572 h 329333"/>
+              <a:gd name="connsiteX4" fmla="*/ 252055 w 252055"/>
+              <a:gd name="connsiteY4" fmla="*/ 329333 h 329333"/>
+              <a:gd name="connsiteX5" fmla="*/ 0 w 252055"/>
+              <a:gd name="connsiteY5" fmla="*/ 329333 h 329333"/>
+              <a:gd name="connsiteX6" fmla="*/ 131027 w 252055"/>
+              <a:gd name="connsiteY6" fmla="*/ 166572 h 329333"/>
+              <a:gd name="connsiteX0" fmla="*/ 131027 w 252055"/>
+              <a:gd name="connsiteY0" fmla="*/ 166572 h 329333"/>
+              <a:gd name="connsiteX1" fmla="*/ 0 w 252055"/>
+              <a:gd name="connsiteY1" fmla="*/ 0 h 329333"/>
+              <a:gd name="connsiteX2" fmla="*/ 252055 w 252055"/>
+              <a:gd name="connsiteY2" fmla="*/ 0 h 329333"/>
+              <a:gd name="connsiteX3" fmla="*/ 157223 w 252055"/>
+              <a:gd name="connsiteY3" fmla="*/ 166572 h 329333"/>
+              <a:gd name="connsiteX4" fmla="*/ 166330 w 252055"/>
+              <a:gd name="connsiteY4" fmla="*/ 321713 h 329333"/>
+              <a:gd name="connsiteX5" fmla="*/ 0 w 252055"/>
+              <a:gd name="connsiteY5" fmla="*/ 329333 h 329333"/>
+              <a:gd name="connsiteX6" fmla="*/ 131027 w 252055"/>
+              <a:gd name="connsiteY6" fmla="*/ 166572 h 329333"/>
+              <a:gd name="connsiteX0" fmla="*/ 131027 w 252055"/>
+              <a:gd name="connsiteY0" fmla="*/ 166572 h 333143"/>
+              <a:gd name="connsiteX1" fmla="*/ 0 w 252055"/>
+              <a:gd name="connsiteY1" fmla="*/ 0 h 333143"/>
+              <a:gd name="connsiteX2" fmla="*/ 252055 w 252055"/>
+              <a:gd name="connsiteY2" fmla="*/ 0 h 333143"/>
+              <a:gd name="connsiteX3" fmla="*/ 157223 w 252055"/>
+              <a:gd name="connsiteY3" fmla="*/ 166572 h 333143"/>
+              <a:gd name="connsiteX4" fmla="*/ 166330 w 252055"/>
+              <a:gd name="connsiteY4" fmla="*/ 321713 h 333143"/>
+              <a:gd name="connsiteX5" fmla="*/ 131445 w 252055"/>
+              <a:gd name="connsiteY5" fmla="*/ 333143 h 333143"/>
+              <a:gd name="connsiteX6" fmla="*/ 131027 w 252055"/>
+              <a:gd name="connsiteY6" fmla="*/ 166572 h 333143"/>
+              <a:gd name="connsiteX0" fmla="*/ 131027 w 252055"/>
+              <a:gd name="connsiteY0" fmla="*/ 166572 h 354098"/>
+              <a:gd name="connsiteX1" fmla="*/ 0 w 252055"/>
+              <a:gd name="connsiteY1" fmla="*/ 0 h 354098"/>
+              <a:gd name="connsiteX2" fmla="*/ 252055 w 252055"/>
+              <a:gd name="connsiteY2" fmla="*/ 0 h 354098"/>
+              <a:gd name="connsiteX3" fmla="*/ 157223 w 252055"/>
+              <a:gd name="connsiteY3" fmla="*/ 166572 h 354098"/>
+              <a:gd name="connsiteX4" fmla="*/ 158710 w 252055"/>
+              <a:gd name="connsiteY4" fmla="*/ 354098 h 354098"/>
+              <a:gd name="connsiteX5" fmla="*/ 131445 w 252055"/>
+              <a:gd name="connsiteY5" fmla="*/ 333143 h 354098"/>
+              <a:gd name="connsiteX6" fmla="*/ 131027 w 252055"/>
+              <a:gd name="connsiteY6" fmla="*/ 166572 h 354098"/>
+              <a:gd name="connsiteX0" fmla="*/ 131027 w 288250"/>
+              <a:gd name="connsiteY0" fmla="*/ 166572 h 354098"/>
+              <a:gd name="connsiteX1" fmla="*/ 0 w 288250"/>
+              <a:gd name="connsiteY1" fmla="*/ 0 h 354098"/>
+              <a:gd name="connsiteX2" fmla="*/ 288250 w 288250"/>
+              <a:gd name="connsiteY2" fmla="*/ 0 h 354098"/>
+              <a:gd name="connsiteX3" fmla="*/ 157223 w 288250"/>
+              <a:gd name="connsiteY3" fmla="*/ 166572 h 354098"/>
+              <a:gd name="connsiteX4" fmla="*/ 158710 w 288250"/>
+              <a:gd name="connsiteY4" fmla="*/ 354098 h 354098"/>
+              <a:gd name="connsiteX5" fmla="*/ 131445 w 288250"/>
+              <a:gd name="connsiteY5" fmla="*/ 333143 h 354098"/>
+              <a:gd name="connsiteX6" fmla="*/ 131027 w 288250"/>
+              <a:gd name="connsiteY6" fmla="*/ 166572 h 354098"/>
+              <a:gd name="connsiteX0" fmla="*/ 123407 w 288250"/>
+              <a:gd name="connsiteY0" fmla="*/ 164667 h 354098"/>
+              <a:gd name="connsiteX1" fmla="*/ 0 w 288250"/>
+              <a:gd name="connsiteY1" fmla="*/ 0 h 354098"/>
+              <a:gd name="connsiteX2" fmla="*/ 288250 w 288250"/>
+              <a:gd name="connsiteY2" fmla="*/ 0 h 354098"/>
+              <a:gd name="connsiteX3" fmla="*/ 157223 w 288250"/>
+              <a:gd name="connsiteY3" fmla="*/ 166572 h 354098"/>
+              <a:gd name="connsiteX4" fmla="*/ 158710 w 288250"/>
+              <a:gd name="connsiteY4" fmla="*/ 354098 h 354098"/>
+              <a:gd name="connsiteX5" fmla="*/ 131445 w 288250"/>
+              <a:gd name="connsiteY5" fmla="*/ 333143 h 354098"/>
+              <a:gd name="connsiteX6" fmla="*/ 123407 w 288250"/>
+              <a:gd name="connsiteY6" fmla="*/ 164667 h 354098"/>
+              <a:gd name="connsiteX0" fmla="*/ 123407 w 288250"/>
+              <a:gd name="connsiteY0" fmla="*/ 164667 h 354098"/>
+              <a:gd name="connsiteX1" fmla="*/ 0 w 288250"/>
+              <a:gd name="connsiteY1" fmla="*/ 0 h 354098"/>
+              <a:gd name="connsiteX2" fmla="*/ 288250 w 288250"/>
+              <a:gd name="connsiteY2" fmla="*/ 0 h 354098"/>
+              <a:gd name="connsiteX3" fmla="*/ 170558 w 288250"/>
+              <a:gd name="connsiteY3" fmla="*/ 162762 h 354098"/>
+              <a:gd name="connsiteX4" fmla="*/ 158710 w 288250"/>
+              <a:gd name="connsiteY4" fmla="*/ 354098 h 354098"/>
+              <a:gd name="connsiteX5" fmla="*/ 131445 w 288250"/>
+              <a:gd name="connsiteY5" fmla="*/ 333143 h 354098"/>
+              <a:gd name="connsiteX6" fmla="*/ 123407 w 288250"/>
+              <a:gd name="connsiteY6" fmla="*/ 164667 h 354098"/>
+              <a:gd name="connsiteX0" fmla="*/ 123407 w 288250"/>
+              <a:gd name="connsiteY0" fmla="*/ 164667 h 354098"/>
+              <a:gd name="connsiteX1" fmla="*/ 0 w 288250"/>
+              <a:gd name="connsiteY1" fmla="*/ 0 h 354098"/>
+              <a:gd name="connsiteX2" fmla="*/ 288250 w 288250"/>
+              <a:gd name="connsiteY2" fmla="*/ 0 h 354098"/>
+              <a:gd name="connsiteX3" fmla="*/ 170558 w 288250"/>
+              <a:gd name="connsiteY3" fmla="*/ 162762 h 354098"/>
+              <a:gd name="connsiteX4" fmla="*/ 158710 w 288250"/>
+              <a:gd name="connsiteY4" fmla="*/ 354098 h 354098"/>
+              <a:gd name="connsiteX5" fmla="*/ 114300 w 288250"/>
+              <a:gd name="connsiteY5" fmla="*/ 319808 h 354098"/>
+              <a:gd name="connsiteX6" fmla="*/ 123407 w 288250"/>
+              <a:gd name="connsiteY6" fmla="*/ 164667 h 354098"/>
+              <a:gd name="connsiteX0" fmla="*/ 123407 w 288250"/>
+              <a:gd name="connsiteY0" fmla="*/ 164667 h 354098"/>
+              <a:gd name="connsiteX1" fmla="*/ 0 w 288250"/>
+              <a:gd name="connsiteY1" fmla="*/ 0 h 354098"/>
+              <a:gd name="connsiteX2" fmla="*/ 288250 w 288250"/>
+              <a:gd name="connsiteY2" fmla="*/ 0 h 354098"/>
+              <a:gd name="connsiteX3" fmla="*/ 170558 w 288250"/>
+              <a:gd name="connsiteY3" fmla="*/ 162762 h 354098"/>
+              <a:gd name="connsiteX4" fmla="*/ 158710 w 288250"/>
+              <a:gd name="connsiteY4" fmla="*/ 354098 h 354098"/>
+              <a:gd name="connsiteX5" fmla="*/ 120015 w 288250"/>
+              <a:gd name="connsiteY5" fmla="*/ 317903 h 354098"/>
+              <a:gd name="connsiteX6" fmla="*/ 123407 w 288250"/>
+              <a:gd name="connsiteY6" fmla="*/ 164667 h 354098"/>
+              <a:gd name="connsiteX0" fmla="*/ 123407 w 288250"/>
+              <a:gd name="connsiteY0" fmla="*/ 164667 h 354098"/>
+              <a:gd name="connsiteX1" fmla="*/ 0 w 288250"/>
+              <a:gd name="connsiteY1" fmla="*/ 0 h 354098"/>
+              <a:gd name="connsiteX2" fmla="*/ 288250 w 288250"/>
+              <a:gd name="connsiteY2" fmla="*/ 0 h 354098"/>
+              <a:gd name="connsiteX3" fmla="*/ 170558 w 288250"/>
+              <a:gd name="connsiteY3" fmla="*/ 162762 h 354098"/>
+              <a:gd name="connsiteX4" fmla="*/ 164425 w 288250"/>
+              <a:gd name="connsiteY4" fmla="*/ 354098 h 354098"/>
+              <a:gd name="connsiteX5" fmla="*/ 120015 w 288250"/>
+              <a:gd name="connsiteY5" fmla="*/ 317903 h 354098"/>
+              <a:gd name="connsiteX6" fmla="*/ 123407 w 288250"/>
+              <a:gd name="connsiteY6" fmla="*/ 164667 h 354098"/>
+            </a:gdLst>
+            <a:ahLst/>
+            <a:cxnLst>
+              <a:cxn ang="0">
+                <a:pos x="connsiteX0" y="connsiteY0"/>
+              </a:cxn>
+              <a:cxn ang="0">
+                <a:pos x="connsiteX1" y="connsiteY1"/>
+              </a:cxn>
+              <a:cxn ang="0">
+                <a:pos x="connsiteX2" y="connsiteY2"/>
+              </a:cxn>
+              <a:cxn ang="0">
+                <a:pos x="connsiteX3" y="connsiteY3"/>
+              </a:cxn>
+              <a:cxn ang="0">
+                <a:pos x="connsiteX4" y="connsiteY4"/>
+              </a:cxn>
+              <a:cxn ang="0">
+                <a:pos x="connsiteX5" y="connsiteY5"/>
+              </a:cxn>
+              <a:cxn ang="0">
+                <a:pos x="connsiteX6" y="connsiteY6"/>
+              </a:cxn>
+            </a:cxnLst>
+            <a:rect l="l" t="t" r="r" b="b"/>
+            <a:pathLst>
+              <a:path w="288250" h="354098">
+                <a:moveTo>
+                  <a:pt x="123407" y="164667"/>
+                </a:moveTo>
+                <a:lnTo>
+                  <a:pt x="0" y="0"/>
+                </a:lnTo>
+                <a:lnTo>
+                  <a:pt x="288250" y="0"/>
+                </a:lnTo>
+                <a:lnTo>
+                  <a:pt x="170558" y="162762"/>
+                </a:lnTo>
+                <a:cubicBezTo>
+                  <a:pt x="171054" y="225271"/>
+                  <a:pt x="163929" y="291589"/>
+                  <a:pt x="164425" y="354098"/>
+                </a:cubicBezTo>
+                <a:lnTo>
+                  <a:pt x="120015" y="317903"/>
+                </a:lnTo>
+                <a:cubicBezTo>
+                  <a:pt x="119876" y="262379"/>
+                  <a:pt x="123546" y="220191"/>
+                  <a:pt x="123407" y="164667"/>
+                </a:cubicBezTo>
+                <a:close/>
+              </a:path>
+            </a:pathLst>
+          </a:custGeom>
+        </p:spPr>
+        <p:style>
+          <a:lnRef idx="2">
+            <a:schemeClr val="dk1"/>
+          </a:lnRef>
+          <a:fillRef idx="1">
+            <a:schemeClr val="lt1"/>
+          </a:fillRef>
+          <a:effectRef idx="0">
+            <a:schemeClr val="dk1"/>
+          </a:effectRef>
+          <a:fontRef idx="minor">
+            <a:schemeClr val="dk1"/>
+          </a:fontRef>
+        </p:style>
+        <p:txBody>
+          <a:bodyPr rtlCol="0" anchor="ctr"/>
+          <a:lstStyle/>
+          <a:p>
+            <a:pPr algn="ctr"/>
+            <a:endParaRPr lang="it-IT"/>
+          </a:p>
+        </p:txBody>
+      </p:sp>
     </p:spTree>
     <p:extLst>
       <p:ext uri="{BB962C8B-B14F-4D97-AF65-F5344CB8AC3E}">
@@ -27511,7 +27772,7 @@
   <a:extraClrSchemeLst/>
   <a:extLst>
     <a:ext uri="{05A4C25C-085E-4340-85A3-A5531E510DB2}">
-      <thm15:themeFamily xmlns:thm15="http://schemas.microsoft.com/office/thememl/2012/main" xmlns="" name="Office Theme" id="{62F939B6-93AF-4DB8-9C6B-D6C7DFDC589F}" vid="{4A3C46E8-61CC-4603-A589-7422A47A8E4A}"/>
+      <thm15:themeFamily xmlns="" xmlns:thm15="http://schemas.microsoft.com/office/thememl/2012/main" name="Office Theme" id="{62F939B6-93AF-4DB8-9C6B-D6C7DFDC589F}" vid="{4A3C46E8-61CC-4603-A589-7422A47A8E4A}"/>
     </a:ext>
   </a:extLst>
 </a:theme>

--- a/1st delivery/C-IDM.pptx
+++ b/1st delivery/C-IDM.pptx
@@ -111,7 +111,7 @@
   </p:defaultTextStyle>
   <p:extLst>
     <p:ext uri="{EFAFB233-063F-42B5-8137-9DF3F51BA10A}">
-      <p15:sldGuideLst xmlns="" xmlns:p15="http://schemas.microsoft.com/office/powerpoint/2012/main">
+      <p15:sldGuideLst xmlns:p15="http://schemas.microsoft.com/office/powerpoint/2012/main">
         <p15:guide id="1" orient="horz" pos="2160" userDrawn="1">
           <p15:clr>
             <a:srgbClr val="A4A3A4"/>
@@ -250,7 +250,7 @@
           <a:p>
             <a:fld id="{51EC9344-52F1-48B5-A731-0BE7C59899F1}" type="datetimeFigureOut">
               <a:rPr lang="it-IT" smtClean="0"/>
-              <a:t>27/04/2016</a:t>
+              <a:t>09/05/2016</a:t>
             </a:fld>
             <a:endParaRPr lang="it-IT"/>
           </a:p>
@@ -873,7 +873,7 @@
             <a:fld id="{DA9D7BA9-B648-4591-B0AE-4433C67759B9}" type="datetimeFigureOut">
               <a:rPr lang="it-IT" smtClean="0"/>
               <a:pPr/>
-              <a:t>27/04/2016</a:t>
+              <a:t>09/05/2016</a:t>
             </a:fld>
             <a:endParaRPr lang="it-IT"/>
           </a:p>
@@ -1040,7 +1040,7 @@
             <a:fld id="{DA9D7BA9-B648-4591-B0AE-4433C67759B9}" type="datetimeFigureOut">
               <a:rPr lang="it-IT" smtClean="0"/>
               <a:pPr/>
-              <a:t>27/04/2016</a:t>
+              <a:t>09/05/2016</a:t>
             </a:fld>
             <a:endParaRPr lang="it-IT"/>
           </a:p>
@@ -1217,7 +1217,7 @@
             <a:fld id="{DA9D7BA9-B648-4591-B0AE-4433C67759B9}" type="datetimeFigureOut">
               <a:rPr lang="it-IT" smtClean="0"/>
               <a:pPr/>
-              <a:t>27/04/2016</a:t>
+              <a:t>09/05/2016</a:t>
             </a:fld>
             <a:endParaRPr lang="it-IT"/>
           </a:p>
@@ -1384,7 +1384,7 @@
             <a:fld id="{DA9D7BA9-B648-4591-B0AE-4433C67759B9}" type="datetimeFigureOut">
               <a:rPr lang="it-IT" smtClean="0"/>
               <a:pPr/>
-              <a:t>27/04/2016</a:t>
+              <a:t>09/05/2016</a:t>
             </a:fld>
             <a:endParaRPr lang="it-IT"/>
           </a:p>
@@ -1627,7 +1627,7 @@
             <a:fld id="{DA9D7BA9-B648-4591-B0AE-4433C67759B9}" type="datetimeFigureOut">
               <a:rPr lang="it-IT" smtClean="0"/>
               <a:pPr/>
-              <a:t>27/04/2016</a:t>
+              <a:t>09/05/2016</a:t>
             </a:fld>
             <a:endParaRPr lang="it-IT"/>
           </a:p>
@@ -1912,7 +1912,7 @@
             <a:fld id="{DA9D7BA9-B648-4591-B0AE-4433C67759B9}" type="datetimeFigureOut">
               <a:rPr lang="it-IT" smtClean="0"/>
               <a:pPr/>
-              <a:t>27/04/2016</a:t>
+              <a:t>09/05/2016</a:t>
             </a:fld>
             <a:endParaRPr lang="it-IT"/>
           </a:p>
@@ -2331,7 +2331,7 @@
             <a:fld id="{DA9D7BA9-B648-4591-B0AE-4433C67759B9}" type="datetimeFigureOut">
               <a:rPr lang="it-IT" smtClean="0"/>
               <a:pPr/>
-              <a:t>27/04/2016</a:t>
+              <a:t>09/05/2016</a:t>
             </a:fld>
             <a:endParaRPr lang="it-IT"/>
           </a:p>
@@ -2446,7 +2446,7 @@
             <a:fld id="{DA9D7BA9-B648-4591-B0AE-4433C67759B9}" type="datetimeFigureOut">
               <a:rPr lang="it-IT" smtClean="0"/>
               <a:pPr/>
-              <a:t>27/04/2016</a:t>
+              <a:t>09/05/2016</a:t>
             </a:fld>
             <a:endParaRPr lang="it-IT"/>
           </a:p>
@@ -2538,7 +2538,7 @@
             <a:fld id="{DA9D7BA9-B648-4591-B0AE-4433C67759B9}" type="datetimeFigureOut">
               <a:rPr lang="it-IT" smtClean="0"/>
               <a:pPr/>
-              <a:t>27/04/2016</a:t>
+              <a:t>09/05/2016</a:t>
             </a:fld>
             <a:endParaRPr lang="it-IT"/>
           </a:p>
@@ -2812,7 +2812,7 @@
             <a:fld id="{DA9D7BA9-B648-4591-B0AE-4433C67759B9}" type="datetimeFigureOut">
               <a:rPr lang="it-IT" smtClean="0"/>
               <a:pPr/>
-              <a:t>27/04/2016</a:t>
+              <a:t>09/05/2016</a:t>
             </a:fld>
             <a:endParaRPr lang="it-IT"/>
           </a:p>
@@ -3062,7 +3062,7 @@
             <a:fld id="{DA9D7BA9-B648-4591-B0AE-4433C67759B9}" type="datetimeFigureOut">
               <a:rPr lang="it-IT" smtClean="0"/>
               <a:pPr/>
-              <a:t>27/04/2016</a:t>
+              <a:t>09/05/2016</a:t>
             </a:fld>
             <a:endParaRPr lang="it-IT"/>
           </a:p>
@@ -3272,7 +3272,7 @@
             <a:fld id="{DA9D7BA9-B648-4591-B0AE-4433C67759B9}" type="datetimeFigureOut">
               <a:rPr lang="it-IT" smtClean="0"/>
               <a:pPr/>
-              <a:t>27/04/2016</a:t>
+              <a:t>09/05/2016</a:t>
             </a:fld>
             <a:endParaRPr lang="it-IT"/>
           </a:p>
@@ -25591,7 +25591,7 @@
         </p:nvGrpSpPr>
         <p:grpSpPr>
           <a:xfrm>
-            <a:off x="3167581" y="1237320"/>
+            <a:off x="2973524" y="1218832"/>
             <a:ext cx="322419" cy="359202"/>
             <a:chOff x="4318000" y="2493818"/>
             <a:chExt cx="2921000" cy="3297382"/>
@@ -27214,6 +27214,269 @@
           </a:p>
         </p:txBody>
       </p:sp>
+      <p:sp>
+        <p:nvSpPr>
+          <p:cNvPr id="235" name="Esagono 21"/>
+          <p:cNvSpPr/>
+          <p:nvPr/>
+        </p:nvSpPr>
+        <p:spPr>
+          <a:xfrm>
+            <a:off x="7600217" y="2987242"/>
+            <a:ext cx="250266" cy="290246"/>
+          </a:xfrm>
+          <a:custGeom>
+            <a:avLst/>
+            <a:gdLst>
+              <a:gd name="connsiteX0" fmla="*/ 0 w 416721"/>
+              <a:gd name="connsiteY0" fmla="*/ 164667 h 329333"/>
+              <a:gd name="connsiteX1" fmla="*/ 82333 w 416721"/>
+              <a:gd name="connsiteY1" fmla="*/ 0 h 329333"/>
+              <a:gd name="connsiteX2" fmla="*/ 334388 w 416721"/>
+              <a:gd name="connsiteY2" fmla="*/ 0 h 329333"/>
+              <a:gd name="connsiteX3" fmla="*/ 416721 w 416721"/>
+              <a:gd name="connsiteY3" fmla="*/ 164667 h 329333"/>
+              <a:gd name="connsiteX4" fmla="*/ 334388 w 416721"/>
+              <a:gd name="connsiteY4" fmla="*/ 329333 h 329333"/>
+              <a:gd name="connsiteX5" fmla="*/ 82333 w 416721"/>
+              <a:gd name="connsiteY5" fmla="*/ 329333 h 329333"/>
+              <a:gd name="connsiteX6" fmla="*/ 0 w 416721"/>
+              <a:gd name="connsiteY6" fmla="*/ 164667 h 329333"/>
+              <a:gd name="connsiteX0" fmla="*/ 131027 w 334388"/>
+              <a:gd name="connsiteY0" fmla="*/ 166572 h 329333"/>
+              <a:gd name="connsiteX1" fmla="*/ 0 w 334388"/>
+              <a:gd name="connsiteY1" fmla="*/ 0 h 329333"/>
+              <a:gd name="connsiteX2" fmla="*/ 252055 w 334388"/>
+              <a:gd name="connsiteY2" fmla="*/ 0 h 329333"/>
+              <a:gd name="connsiteX3" fmla="*/ 334388 w 334388"/>
+              <a:gd name="connsiteY3" fmla="*/ 164667 h 329333"/>
+              <a:gd name="connsiteX4" fmla="*/ 252055 w 334388"/>
+              <a:gd name="connsiteY4" fmla="*/ 329333 h 329333"/>
+              <a:gd name="connsiteX5" fmla="*/ 0 w 334388"/>
+              <a:gd name="connsiteY5" fmla="*/ 329333 h 329333"/>
+              <a:gd name="connsiteX6" fmla="*/ 131027 w 334388"/>
+              <a:gd name="connsiteY6" fmla="*/ 166572 h 329333"/>
+              <a:gd name="connsiteX0" fmla="*/ 131027 w 252055"/>
+              <a:gd name="connsiteY0" fmla="*/ 166572 h 329333"/>
+              <a:gd name="connsiteX1" fmla="*/ 0 w 252055"/>
+              <a:gd name="connsiteY1" fmla="*/ 0 h 329333"/>
+              <a:gd name="connsiteX2" fmla="*/ 252055 w 252055"/>
+              <a:gd name="connsiteY2" fmla="*/ 0 h 329333"/>
+              <a:gd name="connsiteX3" fmla="*/ 157223 w 252055"/>
+              <a:gd name="connsiteY3" fmla="*/ 166572 h 329333"/>
+              <a:gd name="connsiteX4" fmla="*/ 252055 w 252055"/>
+              <a:gd name="connsiteY4" fmla="*/ 329333 h 329333"/>
+              <a:gd name="connsiteX5" fmla="*/ 0 w 252055"/>
+              <a:gd name="connsiteY5" fmla="*/ 329333 h 329333"/>
+              <a:gd name="connsiteX6" fmla="*/ 131027 w 252055"/>
+              <a:gd name="connsiteY6" fmla="*/ 166572 h 329333"/>
+              <a:gd name="connsiteX0" fmla="*/ 131027 w 252055"/>
+              <a:gd name="connsiteY0" fmla="*/ 166572 h 329333"/>
+              <a:gd name="connsiteX1" fmla="*/ 0 w 252055"/>
+              <a:gd name="connsiteY1" fmla="*/ 0 h 329333"/>
+              <a:gd name="connsiteX2" fmla="*/ 252055 w 252055"/>
+              <a:gd name="connsiteY2" fmla="*/ 0 h 329333"/>
+              <a:gd name="connsiteX3" fmla="*/ 157223 w 252055"/>
+              <a:gd name="connsiteY3" fmla="*/ 166572 h 329333"/>
+              <a:gd name="connsiteX4" fmla="*/ 166330 w 252055"/>
+              <a:gd name="connsiteY4" fmla="*/ 321713 h 329333"/>
+              <a:gd name="connsiteX5" fmla="*/ 0 w 252055"/>
+              <a:gd name="connsiteY5" fmla="*/ 329333 h 329333"/>
+              <a:gd name="connsiteX6" fmla="*/ 131027 w 252055"/>
+              <a:gd name="connsiteY6" fmla="*/ 166572 h 329333"/>
+              <a:gd name="connsiteX0" fmla="*/ 131027 w 252055"/>
+              <a:gd name="connsiteY0" fmla="*/ 166572 h 333143"/>
+              <a:gd name="connsiteX1" fmla="*/ 0 w 252055"/>
+              <a:gd name="connsiteY1" fmla="*/ 0 h 333143"/>
+              <a:gd name="connsiteX2" fmla="*/ 252055 w 252055"/>
+              <a:gd name="connsiteY2" fmla="*/ 0 h 333143"/>
+              <a:gd name="connsiteX3" fmla="*/ 157223 w 252055"/>
+              <a:gd name="connsiteY3" fmla="*/ 166572 h 333143"/>
+              <a:gd name="connsiteX4" fmla="*/ 166330 w 252055"/>
+              <a:gd name="connsiteY4" fmla="*/ 321713 h 333143"/>
+              <a:gd name="connsiteX5" fmla="*/ 131445 w 252055"/>
+              <a:gd name="connsiteY5" fmla="*/ 333143 h 333143"/>
+              <a:gd name="connsiteX6" fmla="*/ 131027 w 252055"/>
+              <a:gd name="connsiteY6" fmla="*/ 166572 h 333143"/>
+              <a:gd name="connsiteX0" fmla="*/ 131027 w 252055"/>
+              <a:gd name="connsiteY0" fmla="*/ 166572 h 354098"/>
+              <a:gd name="connsiteX1" fmla="*/ 0 w 252055"/>
+              <a:gd name="connsiteY1" fmla="*/ 0 h 354098"/>
+              <a:gd name="connsiteX2" fmla="*/ 252055 w 252055"/>
+              <a:gd name="connsiteY2" fmla="*/ 0 h 354098"/>
+              <a:gd name="connsiteX3" fmla="*/ 157223 w 252055"/>
+              <a:gd name="connsiteY3" fmla="*/ 166572 h 354098"/>
+              <a:gd name="connsiteX4" fmla="*/ 158710 w 252055"/>
+              <a:gd name="connsiteY4" fmla="*/ 354098 h 354098"/>
+              <a:gd name="connsiteX5" fmla="*/ 131445 w 252055"/>
+              <a:gd name="connsiteY5" fmla="*/ 333143 h 354098"/>
+              <a:gd name="connsiteX6" fmla="*/ 131027 w 252055"/>
+              <a:gd name="connsiteY6" fmla="*/ 166572 h 354098"/>
+              <a:gd name="connsiteX0" fmla="*/ 131027 w 288250"/>
+              <a:gd name="connsiteY0" fmla="*/ 166572 h 354098"/>
+              <a:gd name="connsiteX1" fmla="*/ 0 w 288250"/>
+              <a:gd name="connsiteY1" fmla="*/ 0 h 354098"/>
+              <a:gd name="connsiteX2" fmla="*/ 288250 w 288250"/>
+              <a:gd name="connsiteY2" fmla="*/ 0 h 354098"/>
+              <a:gd name="connsiteX3" fmla="*/ 157223 w 288250"/>
+              <a:gd name="connsiteY3" fmla="*/ 166572 h 354098"/>
+              <a:gd name="connsiteX4" fmla="*/ 158710 w 288250"/>
+              <a:gd name="connsiteY4" fmla="*/ 354098 h 354098"/>
+              <a:gd name="connsiteX5" fmla="*/ 131445 w 288250"/>
+              <a:gd name="connsiteY5" fmla="*/ 333143 h 354098"/>
+              <a:gd name="connsiteX6" fmla="*/ 131027 w 288250"/>
+              <a:gd name="connsiteY6" fmla="*/ 166572 h 354098"/>
+              <a:gd name="connsiteX0" fmla="*/ 123407 w 288250"/>
+              <a:gd name="connsiteY0" fmla="*/ 164667 h 354098"/>
+              <a:gd name="connsiteX1" fmla="*/ 0 w 288250"/>
+              <a:gd name="connsiteY1" fmla="*/ 0 h 354098"/>
+              <a:gd name="connsiteX2" fmla="*/ 288250 w 288250"/>
+              <a:gd name="connsiteY2" fmla="*/ 0 h 354098"/>
+              <a:gd name="connsiteX3" fmla="*/ 157223 w 288250"/>
+              <a:gd name="connsiteY3" fmla="*/ 166572 h 354098"/>
+              <a:gd name="connsiteX4" fmla="*/ 158710 w 288250"/>
+              <a:gd name="connsiteY4" fmla="*/ 354098 h 354098"/>
+              <a:gd name="connsiteX5" fmla="*/ 131445 w 288250"/>
+              <a:gd name="connsiteY5" fmla="*/ 333143 h 354098"/>
+              <a:gd name="connsiteX6" fmla="*/ 123407 w 288250"/>
+              <a:gd name="connsiteY6" fmla="*/ 164667 h 354098"/>
+              <a:gd name="connsiteX0" fmla="*/ 123407 w 288250"/>
+              <a:gd name="connsiteY0" fmla="*/ 164667 h 354098"/>
+              <a:gd name="connsiteX1" fmla="*/ 0 w 288250"/>
+              <a:gd name="connsiteY1" fmla="*/ 0 h 354098"/>
+              <a:gd name="connsiteX2" fmla="*/ 288250 w 288250"/>
+              <a:gd name="connsiteY2" fmla="*/ 0 h 354098"/>
+              <a:gd name="connsiteX3" fmla="*/ 170558 w 288250"/>
+              <a:gd name="connsiteY3" fmla="*/ 162762 h 354098"/>
+              <a:gd name="connsiteX4" fmla="*/ 158710 w 288250"/>
+              <a:gd name="connsiteY4" fmla="*/ 354098 h 354098"/>
+              <a:gd name="connsiteX5" fmla="*/ 131445 w 288250"/>
+              <a:gd name="connsiteY5" fmla="*/ 333143 h 354098"/>
+              <a:gd name="connsiteX6" fmla="*/ 123407 w 288250"/>
+              <a:gd name="connsiteY6" fmla="*/ 164667 h 354098"/>
+              <a:gd name="connsiteX0" fmla="*/ 123407 w 288250"/>
+              <a:gd name="connsiteY0" fmla="*/ 164667 h 354098"/>
+              <a:gd name="connsiteX1" fmla="*/ 0 w 288250"/>
+              <a:gd name="connsiteY1" fmla="*/ 0 h 354098"/>
+              <a:gd name="connsiteX2" fmla="*/ 288250 w 288250"/>
+              <a:gd name="connsiteY2" fmla="*/ 0 h 354098"/>
+              <a:gd name="connsiteX3" fmla="*/ 170558 w 288250"/>
+              <a:gd name="connsiteY3" fmla="*/ 162762 h 354098"/>
+              <a:gd name="connsiteX4" fmla="*/ 158710 w 288250"/>
+              <a:gd name="connsiteY4" fmla="*/ 354098 h 354098"/>
+              <a:gd name="connsiteX5" fmla="*/ 114300 w 288250"/>
+              <a:gd name="connsiteY5" fmla="*/ 319808 h 354098"/>
+              <a:gd name="connsiteX6" fmla="*/ 123407 w 288250"/>
+              <a:gd name="connsiteY6" fmla="*/ 164667 h 354098"/>
+              <a:gd name="connsiteX0" fmla="*/ 123407 w 288250"/>
+              <a:gd name="connsiteY0" fmla="*/ 164667 h 354098"/>
+              <a:gd name="connsiteX1" fmla="*/ 0 w 288250"/>
+              <a:gd name="connsiteY1" fmla="*/ 0 h 354098"/>
+              <a:gd name="connsiteX2" fmla="*/ 288250 w 288250"/>
+              <a:gd name="connsiteY2" fmla="*/ 0 h 354098"/>
+              <a:gd name="connsiteX3" fmla="*/ 170558 w 288250"/>
+              <a:gd name="connsiteY3" fmla="*/ 162762 h 354098"/>
+              <a:gd name="connsiteX4" fmla="*/ 158710 w 288250"/>
+              <a:gd name="connsiteY4" fmla="*/ 354098 h 354098"/>
+              <a:gd name="connsiteX5" fmla="*/ 120015 w 288250"/>
+              <a:gd name="connsiteY5" fmla="*/ 317903 h 354098"/>
+              <a:gd name="connsiteX6" fmla="*/ 123407 w 288250"/>
+              <a:gd name="connsiteY6" fmla="*/ 164667 h 354098"/>
+              <a:gd name="connsiteX0" fmla="*/ 123407 w 288250"/>
+              <a:gd name="connsiteY0" fmla="*/ 164667 h 354098"/>
+              <a:gd name="connsiteX1" fmla="*/ 0 w 288250"/>
+              <a:gd name="connsiteY1" fmla="*/ 0 h 354098"/>
+              <a:gd name="connsiteX2" fmla="*/ 288250 w 288250"/>
+              <a:gd name="connsiteY2" fmla="*/ 0 h 354098"/>
+              <a:gd name="connsiteX3" fmla="*/ 170558 w 288250"/>
+              <a:gd name="connsiteY3" fmla="*/ 162762 h 354098"/>
+              <a:gd name="connsiteX4" fmla="*/ 164425 w 288250"/>
+              <a:gd name="connsiteY4" fmla="*/ 354098 h 354098"/>
+              <a:gd name="connsiteX5" fmla="*/ 120015 w 288250"/>
+              <a:gd name="connsiteY5" fmla="*/ 317903 h 354098"/>
+              <a:gd name="connsiteX6" fmla="*/ 123407 w 288250"/>
+              <a:gd name="connsiteY6" fmla="*/ 164667 h 354098"/>
+            </a:gdLst>
+            <a:ahLst/>
+            <a:cxnLst>
+              <a:cxn ang="0">
+                <a:pos x="connsiteX0" y="connsiteY0"/>
+              </a:cxn>
+              <a:cxn ang="0">
+                <a:pos x="connsiteX1" y="connsiteY1"/>
+              </a:cxn>
+              <a:cxn ang="0">
+                <a:pos x="connsiteX2" y="connsiteY2"/>
+              </a:cxn>
+              <a:cxn ang="0">
+                <a:pos x="connsiteX3" y="connsiteY3"/>
+              </a:cxn>
+              <a:cxn ang="0">
+                <a:pos x="connsiteX4" y="connsiteY4"/>
+              </a:cxn>
+              <a:cxn ang="0">
+                <a:pos x="connsiteX5" y="connsiteY5"/>
+              </a:cxn>
+              <a:cxn ang="0">
+                <a:pos x="connsiteX6" y="connsiteY6"/>
+              </a:cxn>
+            </a:cxnLst>
+            <a:rect l="l" t="t" r="r" b="b"/>
+            <a:pathLst>
+              <a:path w="288250" h="354098">
+                <a:moveTo>
+                  <a:pt x="123407" y="164667"/>
+                </a:moveTo>
+                <a:lnTo>
+                  <a:pt x="0" y="0"/>
+                </a:lnTo>
+                <a:lnTo>
+                  <a:pt x="288250" y="0"/>
+                </a:lnTo>
+                <a:lnTo>
+                  <a:pt x="170558" y="162762"/>
+                </a:lnTo>
+                <a:cubicBezTo>
+                  <a:pt x="171054" y="225271"/>
+                  <a:pt x="163929" y="291589"/>
+                  <a:pt x="164425" y="354098"/>
+                </a:cubicBezTo>
+                <a:lnTo>
+                  <a:pt x="120015" y="317903"/>
+                </a:lnTo>
+                <a:cubicBezTo>
+                  <a:pt x="119876" y="262379"/>
+                  <a:pt x="123546" y="220191"/>
+                  <a:pt x="123407" y="164667"/>
+                </a:cubicBezTo>
+                <a:close/>
+              </a:path>
+            </a:pathLst>
+          </a:custGeom>
+        </p:spPr>
+        <p:style>
+          <a:lnRef idx="2">
+            <a:schemeClr val="dk1"/>
+          </a:lnRef>
+          <a:fillRef idx="1">
+            <a:schemeClr val="lt1"/>
+          </a:fillRef>
+          <a:effectRef idx="0">
+            <a:schemeClr val="dk1"/>
+          </a:effectRef>
+          <a:fontRef idx="minor">
+            <a:schemeClr val="dk1"/>
+          </a:fontRef>
+        </p:style>
+        <p:txBody>
+          <a:bodyPr rtlCol="0" anchor="ctr"/>
+          <a:lstStyle/>
+          <a:p>
+            <a:pPr algn="ctr"/>
+            <a:endParaRPr lang="it-IT"/>
+          </a:p>
+        </p:txBody>
+      </p:sp>
     </p:spTree>
     <p:extLst>
       <p:ext uri="{BB962C8B-B14F-4D97-AF65-F5344CB8AC3E}">
@@ -27772,7 +28035,7 @@
   <a:extraClrSchemeLst/>
   <a:extLst>
     <a:ext uri="{05A4C25C-085E-4340-85A3-A5531E510DB2}">
-      <thm15:themeFamily xmlns="" xmlns:thm15="http://schemas.microsoft.com/office/thememl/2012/main" name="Office Theme" id="{62F939B6-93AF-4DB8-9C6B-D6C7DFDC589F}" vid="{4A3C46E8-61CC-4603-A589-7422A47A8E4A}"/>
+      <thm15:themeFamily xmlns:thm15="http://schemas.microsoft.com/office/thememl/2012/main" name="Office Theme" id="{62F939B6-93AF-4DB8-9C6B-D6C7DFDC589F}" vid="{4A3C46E8-61CC-4603-A589-7422A47A8E4A}"/>
     </a:ext>
   </a:extLst>
 </a:theme>
